--- a/design_documents/開發設計2.pptx
+++ b/design_documents/開發設計2.pptx
@@ -257,7 +257,7 @@
           <a:p>
             <a:fld id="{0E123B77-F741-48B9-B5A2-A67FD2882B93}" type="datetimeFigureOut">
               <a:rPr lang="zh-TW" altLang="en-US" smtClean="0"/>
-              <a:t>2016/11/2</a:t>
+              <a:t>2016/11/6</a:t>
             </a:fld>
             <a:endParaRPr lang="zh-TW" altLang="en-US"/>
           </a:p>
@@ -427,7 +427,7 @@
           <a:p>
             <a:fld id="{0E123B77-F741-48B9-B5A2-A67FD2882B93}" type="datetimeFigureOut">
               <a:rPr lang="zh-TW" altLang="en-US" smtClean="0"/>
-              <a:t>2016/11/2</a:t>
+              <a:t>2016/11/6</a:t>
             </a:fld>
             <a:endParaRPr lang="zh-TW" altLang="en-US"/>
           </a:p>
@@ -607,7 +607,7 @@
           <a:p>
             <a:fld id="{0E123B77-F741-48B9-B5A2-A67FD2882B93}" type="datetimeFigureOut">
               <a:rPr lang="zh-TW" altLang="en-US" smtClean="0"/>
-              <a:t>2016/11/2</a:t>
+              <a:t>2016/11/6</a:t>
             </a:fld>
             <a:endParaRPr lang="zh-TW" altLang="en-US"/>
           </a:p>
@@ -777,7 +777,7 @@
           <a:p>
             <a:fld id="{0E123B77-F741-48B9-B5A2-A67FD2882B93}" type="datetimeFigureOut">
               <a:rPr lang="zh-TW" altLang="en-US" smtClean="0"/>
-              <a:t>2016/11/2</a:t>
+              <a:t>2016/11/6</a:t>
             </a:fld>
             <a:endParaRPr lang="zh-TW" altLang="en-US"/>
           </a:p>
@@ -1021,7 +1021,7 @@
           <a:p>
             <a:fld id="{0E123B77-F741-48B9-B5A2-A67FD2882B93}" type="datetimeFigureOut">
               <a:rPr lang="zh-TW" altLang="en-US" smtClean="0"/>
-              <a:t>2016/11/2</a:t>
+              <a:t>2016/11/6</a:t>
             </a:fld>
             <a:endParaRPr lang="zh-TW" altLang="en-US"/>
           </a:p>
@@ -1253,7 +1253,7 @@
           <a:p>
             <a:fld id="{0E123B77-F741-48B9-B5A2-A67FD2882B93}" type="datetimeFigureOut">
               <a:rPr lang="zh-TW" altLang="en-US" smtClean="0"/>
-              <a:t>2016/11/2</a:t>
+              <a:t>2016/11/6</a:t>
             </a:fld>
             <a:endParaRPr lang="zh-TW" altLang="en-US"/>
           </a:p>
@@ -1620,7 +1620,7 @@
           <a:p>
             <a:fld id="{0E123B77-F741-48B9-B5A2-A67FD2882B93}" type="datetimeFigureOut">
               <a:rPr lang="zh-TW" altLang="en-US" smtClean="0"/>
-              <a:t>2016/11/2</a:t>
+              <a:t>2016/11/6</a:t>
             </a:fld>
             <a:endParaRPr lang="zh-TW" altLang="en-US"/>
           </a:p>
@@ -1738,7 +1738,7 @@
           <a:p>
             <a:fld id="{0E123B77-F741-48B9-B5A2-A67FD2882B93}" type="datetimeFigureOut">
               <a:rPr lang="zh-TW" altLang="en-US" smtClean="0"/>
-              <a:t>2016/11/2</a:t>
+              <a:t>2016/11/6</a:t>
             </a:fld>
             <a:endParaRPr lang="zh-TW" altLang="en-US"/>
           </a:p>
@@ -1833,7 +1833,7 @@
           <a:p>
             <a:fld id="{0E123B77-F741-48B9-B5A2-A67FD2882B93}" type="datetimeFigureOut">
               <a:rPr lang="zh-TW" altLang="en-US" smtClean="0"/>
-              <a:t>2016/11/2</a:t>
+              <a:t>2016/11/6</a:t>
             </a:fld>
             <a:endParaRPr lang="zh-TW" altLang="en-US"/>
           </a:p>
@@ -2110,7 +2110,7 @@
           <a:p>
             <a:fld id="{0E123B77-F741-48B9-B5A2-A67FD2882B93}" type="datetimeFigureOut">
               <a:rPr lang="zh-TW" altLang="en-US" smtClean="0"/>
-              <a:t>2016/11/2</a:t>
+              <a:t>2016/11/6</a:t>
             </a:fld>
             <a:endParaRPr lang="zh-TW" altLang="en-US"/>
           </a:p>
@@ -2367,7 +2367,7 @@
           <a:p>
             <a:fld id="{0E123B77-F741-48B9-B5A2-A67FD2882B93}" type="datetimeFigureOut">
               <a:rPr lang="zh-TW" altLang="en-US" smtClean="0"/>
-              <a:t>2016/11/2</a:t>
+              <a:t>2016/11/6</a:t>
             </a:fld>
             <a:endParaRPr lang="zh-TW" altLang="en-US"/>
           </a:p>
@@ -2580,7 +2580,7 @@
           <a:p>
             <a:fld id="{0E123B77-F741-48B9-B5A2-A67FD2882B93}" type="datetimeFigureOut">
               <a:rPr lang="zh-TW" altLang="en-US" smtClean="0"/>
-              <a:t>2016/11/2</a:t>
+              <a:t>2016/11/6</a:t>
             </a:fld>
             <a:endParaRPr lang="zh-TW" altLang="en-US"/>
           </a:p>
@@ -7720,7 +7720,7 @@
         </p:nvGraphicFramePr>
         <p:xfrm>
           <a:off x="2407988" y="3430690"/>
-          <a:ext cx="9322526" cy="5562600"/>
+          <a:ext cx="9322526" cy="10622280"/>
         </p:xfrm>
         <a:graphic>
           <a:graphicData uri="http://schemas.openxmlformats.org/drawingml/2006/table">
@@ -9073,13 +9073,13 @@
           <p:nvPr>
             <p:extLst>
               <p:ext uri="{D42A27DB-BD31-4B8C-83A1-F6EECF244321}">
-                <p14:modId xmlns:p14="http://schemas.microsoft.com/office/powerpoint/2010/main" val="3221837404"/>
+                <p14:modId xmlns:p14="http://schemas.microsoft.com/office/powerpoint/2010/main" val="2064785861"/>
               </p:ext>
             </p:extLst>
           </p:nvPr>
         </p:nvGraphicFramePr>
         <p:xfrm>
-          <a:off x="4850511" y="9701782"/>
+          <a:off x="3247343" y="8095497"/>
           <a:ext cx="962406" cy="953759"/>
         </p:xfrm>
         <a:graphic>
@@ -9149,7 +9149,7 @@
                           <a:latin typeface="Noto Sans CJK TC Light" panose="020B0300000000000000" pitchFamily="34" charset="-120"/>
                           <a:ea typeface="Noto Sans CJK TC Light" panose="020B0300000000000000" pitchFamily="34" charset="-120"/>
                         </a:rPr>
-                        <a:t>案件階段代號</a:t>
+                        <a:t>審批階段代號</a:t>
                       </a:r>
                     </a:p>
                   </a:txBody>
@@ -9202,7 +9202,7 @@
           <p:nvPr>
             <p:extLst>
               <p:ext uri="{D42A27DB-BD31-4B8C-83A1-F6EECF244321}">
-                <p14:modId xmlns:p14="http://schemas.microsoft.com/office/powerpoint/2010/main" val="2130527974"/>
+                <p14:modId xmlns:p14="http://schemas.microsoft.com/office/powerpoint/2010/main" val="389912776"/>
               </p:ext>
             </p:extLst>
           </p:nvPr>
@@ -9535,7 +9535,7 @@
                           <a:latin typeface="Noto Sans CJK TC Light" panose="020B0300000000000000" pitchFamily="34" charset="-120"/>
                           <a:ea typeface="Noto Sans CJK TC Light" panose="020B0300000000000000" pitchFamily="34" charset="-120"/>
                         </a:rPr>
-                        <a:t>年紀分類</a:t>
+                        <a:t>建案時年紀</a:t>
                       </a:r>
                     </a:p>
                   </a:txBody>
@@ -11666,13 +11666,13 @@
           <p:nvPr>
             <p:extLst>
               <p:ext uri="{D42A27DB-BD31-4B8C-83A1-F6EECF244321}">
-                <p14:modId xmlns:p14="http://schemas.microsoft.com/office/powerpoint/2010/main" val="4006273405"/>
+                <p14:modId xmlns:p14="http://schemas.microsoft.com/office/powerpoint/2010/main" val="1515420638"/>
               </p:ext>
             </p:extLst>
           </p:nvPr>
         </p:nvGraphicFramePr>
         <p:xfrm>
-          <a:off x="9141741" y="7438689"/>
+          <a:off x="9141736" y="7207716"/>
           <a:ext cx="1361191" cy="601531"/>
         </p:xfrm>
         <a:graphic>
@@ -11916,14 +11916,14 @@
           <p:nvPr>
             <p:extLst>
               <p:ext uri="{D42A27DB-BD31-4B8C-83A1-F6EECF244321}">
-                <p14:modId xmlns:p14="http://schemas.microsoft.com/office/powerpoint/2010/main" val="2225643059"/>
+                <p14:modId xmlns:p14="http://schemas.microsoft.com/office/powerpoint/2010/main" val="64885687"/>
               </p:ext>
             </p:extLst>
           </p:nvPr>
         </p:nvGraphicFramePr>
         <p:xfrm>
-          <a:off x="4861060" y="4712386"/>
-          <a:ext cx="1321333" cy="4789887"/>
+          <a:off x="4744573" y="2846412"/>
+          <a:ext cx="1321333" cy="9020751"/>
         </p:xfrm>
         <a:graphic>
           <a:graphicData uri="http://schemas.openxmlformats.org/drawingml/2006/table">
@@ -12118,12 +12118,97 @@
                     <a:p>
                       <a:pPr algn="l" rtl="0" fontAlgn="t"/>
                       <a:r>
+                        <a:rPr lang="zh-TW" altLang="en-US" sz="1000" u="none" strike="sngStrike" baseline="0" dirty="0">
+                          <a:effectLst/>
+                          <a:latin typeface="Noto Sans CJK TC Light" panose="020B0300000000000000" pitchFamily="34" charset="-120"/>
+                          <a:ea typeface="Noto Sans CJK TC Light" panose="020B0300000000000000" pitchFamily="34" charset="-120"/>
+                        </a:rPr>
+                        <a:t>源版本號</a:t>
+                      </a:r>
+                      <a:endParaRPr lang="zh-TW" altLang="en-US" sz="1000" b="1" i="0" u="none" strike="sngStrike" baseline="0" dirty="0">
+                        <a:solidFill>
+                          <a:srgbClr val="000000"/>
+                        </a:solidFill>
+                        <a:effectLst/>
+                        <a:latin typeface="Noto Sans CJK TC Light" panose="020B0300000000000000" pitchFamily="34" charset="-120"/>
+                        <a:ea typeface="Noto Sans CJK TC Light" panose="020B0300000000000000" pitchFamily="34" charset="-120"/>
+                      </a:endParaRPr>
+                    </a:p>
+                  </a:txBody>
+                  <a:tcPr marL="3032" marR="3032" marT="3032" marB="0"/>
+                </a:tc>
+                <a:extLst>
+                  <a:ext uri="{0D108BD9-81ED-4DB2-BD59-A6C34878D82A}">
+                    <a16:rowId xmlns:a16="http://schemas.microsoft.com/office/drawing/2014/main" val="2505096941"/>
+                  </a:ext>
+                </a:extLst>
+              </a:tr>
+              <a:tr h="176286">
+                <a:tc>
+                  <a:txBody>
+                    <a:bodyPr/>
+                    <a:lstStyle/>
+                    <a:p>
+                      <a:pPr algn="l" rtl="0" fontAlgn="t"/>
+                      <a:r>
+                        <a:rPr lang="zh-TW" altLang="en-US" sz="1000" b="0" i="0" u="none" strike="noStrike" dirty="0">
+                          <a:solidFill>
+                            <a:srgbClr val="FF0000"/>
+                          </a:solidFill>
+                          <a:effectLst/>
+                          <a:latin typeface="Noto Sans CJK TC Light" panose="020B0300000000000000" pitchFamily="34" charset="-120"/>
+                          <a:ea typeface="Noto Sans CJK TC Light" panose="020B0300000000000000" pitchFamily="34" charset="-120"/>
+                        </a:rPr>
+                        <a:t>審批階段</a:t>
+                      </a:r>
+                      <a:endParaRPr lang="zh-TW" altLang="en-US" sz="1000" b="1" i="0" u="none" strike="noStrike" dirty="0">
+                        <a:solidFill>
+                          <a:srgbClr val="FF0000"/>
+                        </a:solidFill>
+                        <a:effectLst/>
+                        <a:latin typeface="Noto Sans CJK TC Light" panose="020B0300000000000000" pitchFamily="34" charset="-120"/>
+                        <a:ea typeface="Noto Sans CJK TC Light" panose="020B0300000000000000" pitchFamily="34" charset="-120"/>
+                      </a:endParaRPr>
+                    </a:p>
+                  </a:txBody>
+                  <a:tcPr marL="3032" marR="3032" marT="3032" marB="0"/>
+                </a:tc>
+                <a:extLst>
+                  <a:ext uri="{0D108BD9-81ED-4DB2-BD59-A6C34878D82A}">
+                    <a16:rowId xmlns:a16="http://schemas.microsoft.com/office/drawing/2014/main" val="2929051129"/>
+                  </a:ext>
+                </a:extLst>
+              </a:tr>
+              <a:tr h="176286">
+                <a:tc>
+                  <a:txBody>
+                    <a:bodyPr/>
+                    <a:lstStyle/>
+                    <a:p>
+                      <a:pPr algn="l" rtl="0" fontAlgn="t"/>
+                      <a:r>
                         <a:rPr lang="zh-TW" altLang="en-US" sz="1000" u="none" strike="noStrike" dirty="0">
                           <a:effectLst/>
                           <a:latin typeface="Noto Sans CJK TC Light" panose="020B0300000000000000" pitchFamily="34" charset="-120"/>
                           <a:ea typeface="Noto Sans CJK TC Light" panose="020B0300000000000000" pitchFamily="34" charset="-120"/>
                         </a:rPr>
-                        <a:t>源版本號</a:t>
+                        <a:t>建</a:t>
+                      </a:r>
+                      <a:r>
+                        <a:rPr lang="zh-TW" altLang="en-US" sz="1000" u="none" strike="noStrike" dirty="0">
+                          <a:effectLst/>
+                          <a:latin typeface="Noto Sans CJK TC Light" panose="020B0300000000000000" pitchFamily="34" charset="-120"/>
+                          <a:ea typeface="Noto Sans CJK TC Light" panose="020B0300000000000000" pitchFamily="34" charset="-120"/>
+                        </a:rPr>
+                        <a:t>案</a:t>
+                      </a:r>
+                      <a:r>
+                        <a:rPr lang="zh-TW" altLang="en-US" sz="1000" u="none" strike="noStrike" dirty="0">
+                          <a:effectLst/>
+                          <a:latin typeface="Noto Sans CJK TC Light" panose="020B0300000000000000" pitchFamily="34" charset="-120"/>
+                          <a:ea typeface="Noto Sans CJK TC Light" panose="020B0300000000000000" pitchFamily="34" charset="-120"/>
+                        </a:rPr>
+                        <a:t>日期</a:t>
                       </a:r>
                       <a:endParaRPr lang="zh-TW" altLang="en-US" sz="1000" b="1" i="0" u="none" strike="noStrike" dirty="0">
                         <a:solidFill>
@@ -12139,7 +12224,7 @@
                 </a:tc>
                 <a:extLst>
                   <a:ext uri="{0D108BD9-81ED-4DB2-BD59-A6C34878D82A}">
-                    <a16:rowId xmlns:a16="http://schemas.microsoft.com/office/drawing/2014/main" val="2505096941"/>
+                    <a16:rowId xmlns:a16="http://schemas.microsoft.com/office/drawing/2014/main" val="1589439018"/>
                   </a:ext>
                 </a:extLst>
               </a:tr>
@@ -12151,7 +12236,7 @@
                     <a:p>
                       <a:pPr algn="l" rtl="0" fontAlgn="t"/>
                       <a:r>
-                        <a:rPr lang="zh-TW" altLang="en-US" sz="1000" b="0" i="0" u="none" strike="noStrike" dirty="0">
+                        <a:rPr lang="zh-TW" altLang="en-US" sz="1000" u="none" strike="sngStrike" baseline="0" dirty="0">
                           <a:solidFill>
                             <a:srgbClr val="FF0000"/>
                           </a:solidFill>
@@ -12159,7 +12244,95 @@
                           <a:latin typeface="Noto Sans CJK TC Light" panose="020B0300000000000000" pitchFamily="34" charset="-120"/>
                           <a:ea typeface="Noto Sans CJK TC Light" panose="020B0300000000000000" pitchFamily="34" charset="-120"/>
                         </a:rPr>
-                        <a:t>案件階段</a:t>
+                        <a:t>役男姓名</a:t>
+                      </a:r>
+                      <a:endParaRPr lang="zh-TW" altLang="en-US" sz="1000" b="1" i="0" u="none" strike="sngStrike" baseline="0" dirty="0">
+                        <a:solidFill>
+                          <a:srgbClr val="FF0000"/>
+                        </a:solidFill>
+                        <a:effectLst/>
+                        <a:latin typeface="Noto Sans CJK TC Light" panose="020B0300000000000000" pitchFamily="34" charset="-120"/>
+                        <a:ea typeface="Noto Sans CJK TC Light" panose="020B0300000000000000" pitchFamily="34" charset="-120"/>
+                      </a:endParaRPr>
+                    </a:p>
+                  </a:txBody>
+                  <a:tcPr marL="3032" marR="3032" marT="3032" marB="0"/>
+                </a:tc>
+                <a:extLst>
+                  <a:ext uri="{0D108BD9-81ED-4DB2-BD59-A6C34878D82A}">
+                    <a16:rowId xmlns:a16="http://schemas.microsoft.com/office/drawing/2014/main" val="46323184"/>
+                  </a:ext>
+                </a:extLst>
+              </a:tr>
+              <a:tr h="176286">
+                <a:tc>
+                  <a:txBody>
+                    <a:bodyPr/>
+                    <a:lstStyle/>
+                    <a:p>
+                      <a:pPr algn="l" rtl="0" fontAlgn="t"/>
+                      <a:r>
+                        <a:rPr lang="zh-TW" altLang="en-US" sz="1000" u="none" strike="sngStrike" baseline="0" dirty="0">
+                          <a:solidFill>
+                            <a:srgbClr val="FF0000"/>
+                          </a:solidFill>
+                          <a:effectLst/>
+                          <a:latin typeface="Noto Sans CJK TC Light" panose="020B0300000000000000" pitchFamily="34" charset="-120"/>
+                          <a:ea typeface="Noto Sans CJK TC Light" panose="020B0300000000000000" pitchFamily="34" charset="-120"/>
+                        </a:rPr>
+                        <a:t>身分證</a:t>
+                      </a:r>
+                      <a:endParaRPr lang="zh-TW" altLang="en-US" sz="1000" b="1" i="0" u="none" strike="sngStrike" baseline="0" dirty="0">
+                        <a:solidFill>
+                          <a:srgbClr val="FF0000"/>
+                        </a:solidFill>
+                        <a:effectLst/>
+                        <a:latin typeface="Noto Sans CJK TC Light" panose="020B0300000000000000" pitchFamily="34" charset="-120"/>
+                        <a:ea typeface="Noto Sans CJK TC Light" panose="020B0300000000000000" pitchFamily="34" charset="-120"/>
+                      </a:endParaRPr>
+                    </a:p>
+                  </a:txBody>
+                  <a:tcPr marL="3032" marR="3032" marT="3032" marB="0"/>
+                </a:tc>
+                <a:extLst>
+                  <a:ext uri="{0D108BD9-81ED-4DB2-BD59-A6C34878D82A}">
+                    <a16:rowId xmlns:a16="http://schemas.microsoft.com/office/drawing/2014/main" val="804918419"/>
+                  </a:ext>
+                </a:extLst>
+              </a:tr>
+              <a:tr h="176286">
+                <a:tc>
+                  <a:txBody>
+                    <a:bodyPr/>
+                    <a:lstStyle/>
+                    <a:p>
+                      <a:pPr marL="0" marR="0" lvl="0" indent="0" algn="l" defTabSz="1651132" rtl="0" eaLnBrk="1" fontAlgn="t" latinLnBrk="0" hangingPunct="1">
+                        <a:lnSpc>
+                          <a:spcPct val="100000"/>
+                        </a:lnSpc>
+                        <a:spcBef>
+                          <a:spcPts val="0"/>
+                        </a:spcBef>
+                        <a:spcAft>
+                          <a:spcPts val="0"/>
+                        </a:spcAft>
+                        <a:buClrTx/>
+                        <a:buSzTx/>
+                        <a:buFontTx/>
+                        <a:buNone/>
+                        <a:tabLst/>
+                        <a:defRPr/>
+                      </a:pPr>
+                      <a:r>
+                        <a:rPr lang="zh-TW" altLang="en-US" sz="1000" u="none" strike="noStrike" dirty="0">
+                          <a:solidFill>
+                            <a:srgbClr val="FF0000"/>
+                          </a:solidFill>
+                          <a:effectLst/>
+                          <a:latin typeface="Noto Sans CJK TC Light" panose="020B0300000000000000" pitchFamily="34" charset="-120"/>
+                          <a:ea typeface="Noto Sans CJK TC Light" panose="020B0300000000000000" pitchFamily="34" charset="-120"/>
+                        </a:rPr>
+                        <a:t>役男系統編號</a:t>
                       </a:r>
                       <a:endParaRPr lang="zh-TW" altLang="en-US" sz="1000" b="1" i="0" u="none" strike="noStrike" dirty="0">
                         <a:solidFill>
@@ -12175,7 +12348,7 @@
                 </a:tc>
                 <a:extLst>
                   <a:ext uri="{0D108BD9-81ED-4DB2-BD59-A6C34878D82A}">
-                    <a16:rowId xmlns:a16="http://schemas.microsoft.com/office/drawing/2014/main" val="2929051129"/>
+                    <a16:rowId xmlns:a16="http://schemas.microsoft.com/office/drawing/2014/main" val="1140455877"/>
                   </a:ext>
                 </a:extLst>
               </a:tr>
@@ -12187,12 +12360,111 @@
                     <a:p>
                       <a:pPr algn="l" rtl="0" fontAlgn="t"/>
                       <a:r>
+                        <a:rPr lang="en-US" sz="1000" u="none" strike="noStrike" dirty="0">
+                          <a:effectLst/>
+                          <a:latin typeface="Noto Sans CJK TC Light" panose="020B0300000000000000" pitchFamily="34" charset="-120"/>
+                          <a:ea typeface="Noto Sans CJK TC Light" panose="020B0300000000000000" pitchFamily="34" charset="-120"/>
+                        </a:rPr>
+                        <a:t>town</a:t>
+                      </a:r>
+                      <a:endParaRPr lang="en-US" sz="1000" b="1" i="0" u="none" strike="noStrike" dirty="0">
+                        <a:solidFill>
+                          <a:srgbClr val="000000"/>
+                        </a:solidFill>
+                        <a:effectLst/>
+                        <a:latin typeface="Noto Sans CJK TC Light" panose="020B0300000000000000" pitchFamily="34" charset="-120"/>
+                        <a:ea typeface="Noto Sans CJK TC Light" panose="020B0300000000000000" pitchFamily="34" charset="-120"/>
+                      </a:endParaRPr>
+                    </a:p>
+                  </a:txBody>
+                  <a:tcPr marL="3032" marR="3032" marT="3032" marB="0"/>
+                </a:tc>
+                <a:extLst>
+                  <a:ext uri="{0D108BD9-81ED-4DB2-BD59-A6C34878D82A}">
+                    <a16:rowId xmlns:a16="http://schemas.microsoft.com/office/drawing/2014/main" val="4169362915"/>
+                  </a:ext>
+                </a:extLst>
+              </a:tr>
+              <a:tr h="176286">
+                <a:tc>
+                  <a:txBody>
+                    <a:bodyPr/>
+                    <a:lstStyle/>
+                    <a:p>
+                      <a:pPr algn="l" rtl="0" fontAlgn="t"/>
+                      <a:r>
+                        <a:rPr lang="en-US" sz="1000" u="none" strike="noStrike" dirty="0">
+                          <a:effectLst/>
+                          <a:latin typeface="Noto Sans CJK TC Light" panose="020B0300000000000000" pitchFamily="34" charset="-120"/>
+                          <a:ea typeface="Noto Sans CJK TC Light" panose="020B0300000000000000" pitchFamily="34" charset="-120"/>
+                        </a:rPr>
+                        <a:t>county</a:t>
+                      </a:r>
+                      <a:endParaRPr lang="en-US" sz="1000" b="1" i="0" u="none" strike="noStrike" dirty="0">
+                        <a:solidFill>
+                          <a:srgbClr val="000000"/>
+                        </a:solidFill>
+                        <a:effectLst/>
+                        <a:latin typeface="Noto Sans CJK TC Light" panose="020B0300000000000000" pitchFamily="34" charset="-120"/>
+                        <a:ea typeface="Noto Sans CJK TC Light" panose="020B0300000000000000" pitchFamily="34" charset="-120"/>
+                      </a:endParaRPr>
+                    </a:p>
+                  </a:txBody>
+                  <a:tcPr marL="3032" marR="3032" marT="3032" marB="0"/>
+                </a:tc>
+                <a:extLst>
+                  <a:ext uri="{0D108BD9-81ED-4DB2-BD59-A6C34878D82A}">
+                    <a16:rowId xmlns:a16="http://schemas.microsoft.com/office/drawing/2014/main" val="3775892937"/>
+                  </a:ext>
+                </a:extLst>
+              </a:tr>
+              <a:tr h="176286">
+                <a:tc>
+                  <a:txBody>
+                    <a:bodyPr/>
+                    <a:lstStyle/>
+                    <a:p>
+                      <a:pPr algn="l" rtl="0" fontAlgn="t"/>
+                      <a:r>
+                        <a:rPr lang="en-US" sz="1000" u="none" strike="noStrike" dirty="0">
+                          <a:effectLst/>
+                          <a:latin typeface="Noto Sans CJK TC Light" panose="020B0300000000000000" pitchFamily="34" charset="-120"/>
+                          <a:ea typeface="Noto Sans CJK TC Light" panose="020B0300000000000000" pitchFamily="34" charset="-120"/>
+                        </a:rPr>
+                        <a:t>village</a:t>
+                      </a:r>
+                      <a:endParaRPr lang="en-US" sz="1000" b="1" i="0" u="none" strike="noStrike" dirty="0">
+                        <a:solidFill>
+                          <a:srgbClr val="000000"/>
+                        </a:solidFill>
+                        <a:effectLst/>
+                        <a:latin typeface="Noto Sans CJK TC Light" panose="020B0300000000000000" pitchFamily="34" charset="-120"/>
+                        <a:ea typeface="Noto Sans CJK TC Light" panose="020B0300000000000000" pitchFamily="34" charset="-120"/>
+                      </a:endParaRPr>
+                    </a:p>
+                  </a:txBody>
+                  <a:tcPr marL="3032" marR="3032" marT="3032" marB="0"/>
+                </a:tc>
+                <a:extLst>
+                  <a:ext uri="{0D108BD9-81ED-4DB2-BD59-A6C34878D82A}">
+                    <a16:rowId xmlns:a16="http://schemas.microsoft.com/office/drawing/2014/main" val="27037084"/>
+                  </a:ext>
+                </a:extLst>
+              </a:tr>
+              <a:tr h="176286">
+                <a:tc>
+                  <a:txBody>
+                    <a:bodyPr/>
+                    <a:lstStyle/>
+                    <a:p>
+                      <a:pPr algn="l" rtl="0" fontAlgn="t"/>
+                      <a:r>
                         <a:rPr lang="zh-TW" altLang="en-US" sz="1000" u="none" strike="noStrike" dirty="0">
                           <a:effectLst/>
                           <a:latin typeface="Noto Sans CJK TC Light" panose="020B0300000000000000" pitchFamily="34" charset="-120"/>
                           <a:ea typeface="Noto Sans CJK TC Light" panose="020B0300000000000000" pitchFamily="34" charset="-120"/>
                         </a:rPr>
-                        <a:t>初案建立日期</a:t>
+                        <a:t>戶籍地址</a:t>
                       </a:r>
                       <a:endParaRPr lang="zh-TW" altLang="en-US" sz="1000" b="1" i="0" u="none" strike="noStrike" dirty="0">
                         <a:solidFill>
@@ -12208,7 +12480,7 @@
                 </a:tc>
                 <a:extLst>
                   <a:ext uri="{0D108BD9-81ED-4DB2-BD59-A6C34878D82A}">
-                    <a16:rowId xmlns:a16="http://schemas.microsoft.com/office/drawing/2014/main" val="1601361992"/>
+                    <a16:rowId xmlns:a16="http://schemas.microsoft.com/office/drawing/2014/main" val="1948238142"/>
                   </a:ext>
                 </a:extLst>
               </a:tr>
@@ -12225,7 +12497,1419 @@
                           <a:latin typeface="Noto Sans CJK TC Light" panose="020B0300000000000000" pitchFamily="34" charset="-120"/>
                           <a:ea typeface="Noto Sans CJK TC Light" panose="020B0300000000000000" pitchFamily="34" charset="-120"/>
                         </a:rPr>
-                        <a:t>本案建立日期</a:t>
+                        <a:t>聯絡電話</a:t>
+                      </a:r>
+                      <a:r>
+                        <a:rPr lang="en-US" altLang="zh-TW" sz="1000" u="none" strike="noStrike" dirty="0">
+                          <a:effectLst/>
+                          <a:latin typeface="Noto Sans CJK TC Light" panose="020B0300000000000000" pitchFamily="34" charset="-120"/>
+                          <a:ea typeface="Noto Sans CJK TC Light" panose="020B0300000000000000" pitchFamily="34" charset="-120"/>
+                        </a:rPr>
+                        <a:t>1</a:t>
+                      </a:r>
+                      <a:endParaRPr lang="en-US" altLang="zh-TW" sz="1000" b="1" i="0" u="none" strike="noStrike" dirty="0">
+                        <a:solidFill>
+                          <a:srgbClr val="000000"/>
+                        </a:solidFill>
+                        <a:effectLst/>
+                        <a:latin typeface="Noto Sans CJK TC Light" panose="020B0300000000000000" pitchFamily="34" charset="-120"/>
+                        <a:ea typeface="Noto Sans CJK TC Light" panose="020B0300000000000000" pitchFamily="34" charset="-120"/>
+                      </a:endParaRPr>
+                    </a:p>
+                  </a:txBody>
+                  <a:tcPr marL="3032" marR="3032" marT="3032" marB="0"/>
+                </a:tc>
+                <a:extLst>
+                  <a:ext uri="{0D108BD9-81ED-4DB2-BD59-A6C34878D82A}">
+                    <a16:rowId xmlns:a16="http://schemas.microsoft.com/office/drawing/2014/main" val="2861930814"/>
+                  </a:ext>
+                </a:extLst>
+              </a:tr>
+              <a:tr h="176286">
+                <a:tc>
+                  <a:txBody>
+                    <a:bodyPr/>
+                    <a:lstStyle/>
+                    <a:p>
+                      <a:pPr algn="l" rtl="0" fontAlgn="t"/>
+                      <a:r>
+                        <a:rPr lang="zh-TW" altLang="en-US" sz="1000" u="none" strike="noStrike" dirty="0">
+                          <a:effectLst/>
+                          <a:latin typeface="Noto Sans CJK TC Light" panose="020B0300000000000000" pitchFamily="34" charset="-120"/>
+                          <a:ea typeface="Noto Sans CJK TC Light" panose="020B0300000000000000" pitchFamily="34" charset="-120"/>
+                        </a:rPr>
+                        <a:t>聯絡電話</a:t>
+                      </a:r>
+                      <a:r>
+                        <a:rPr lang="en-US" altLang="zh-TW" sz="1000" u="none" strike="noStrike" dirty="0">
+                          <a:effectLst/>
+                          <a:latin typeface="Noto Sans CJK TC Light" panose="020B0300000000000000" pitchFamily="34" charset="-120"/>
+                          <a:ea typeface="Noto Sans CJK TC Light" panose="020B0300000000000000" pitchFamily="34" charset="-120"/>
+                        </a:rPr>
+                        <a:t>2</a:t>
+                      </a:r>
+                      <a:endParaRPr lang="en-US" altLang="zh-TW" sz="1000" b="1" i="0" u="none" strike="noStrike" dirty="0">
+                        <a:solidFill>
+                          <a:srgbClr val="000000"/>
+                        </a:solidFill>
+                        <a:effectLst/>
+                        <a:latin typeface="Noto Sans CJK TC Light" panose="020B0300000000000000" pitchFamily="34" charset="-120"/>
+                        <a:ea typeface="Noto Sans CJK TC Light" panose="020B0300000000000000" pitchFamily="34" charset="-120"/>
+                      </a:endParaRPr>
+                    </a:p>
+                  </a:txBody>
+                  <a:tcPr marL="3032" marR="3032" marT="3032" marB="0"/>
+                </a:tc>
+                <a:extLst>
+                  <a:ext uri="{0D108BD9-81ED-4DB2-BD59-A6C34878D82A}">
+                    <a16:rowId xmlns:a16="http://schemas.microsoft.com/office/drawing/2014/main" val="657986330"/>
+                  </a:ext>
+                </a:extLst>
+              </a:tr>
+              <a:tr h="176286">
+                <a:tc>
+                  <a:txBody>
+                    <a:bodyPr/>
+                    <a:lstStyle/>
+                    <a:p>
+                      <a:pPr algn="l" rtl="0" fontAlgn="t"/>
+                      <a:r>
+                        <a:rPr lang="zh-TW" altLang="en-US" sz="1000" u="none" strike="noStrike" dirty="0">
+                          <a:effectLst/>
+                          <a:latin typeface="Noto Sans CJK TC Light" panose="020B0300000000000000" pitchFamily="34" charset="-120"/>
+                          <a:ea typeface="Noto Sans CJK TC Light" panose="020B0300000000000000" pitchFamily="34" charset="-120"/>
+                        </a:rPr>
+                        <a:t>聯絡電話</a:t>
+                      </a:r>
+                      <a:r>
+                        <a:rPr lang="en-US" altLang="zh-TW" sz="1000" u="none" strike="noStrike" dirty="0">
+                          <a:effectLst/>
+                          <a:latin typeface="Noto Sans CJK TC Light" panose="020B0300000000000000" pitchFamily="34" charset="-120"/>
+                          <a:ea typeface="Noto Sans CJK TC Light" panose="020B0300000000000000" pitchFamily="34" charset="-120"/>
+                        </a:rPr>
+                        <a:t>3</a:t>
+                      </a:r>
+                      <a:endParaRPr lang="en-US" altLang="zh-TW" sz="1000" b="1" i="0" u="none" strike="noStrike" dirty="0">
+                        <a:solidFill>
+                          <a:srgbClr val="000000"/>
+                        </a:solidFill>
+                        <a:effectLst/>
+                        <a:latin typeface="Noto Sans CJK TC Light" panose="020B0300000000000000" pitchFamily="34" charset="-120"/>
+                        <a:ea typeface="Noto Sans CJK TC Light" panose="020B0300000000000000" pitchFamily="34" charset="-120"/>
+                      </a:endParaRPr>
+                    </a:p>
+                  </a:txBody>
+                  <a:tcPr marL="3032" marR="3032" marT="3032" marB="0"/>
+                </a:tc>
+                <a:extLst>
+                  <a:ext uri="{0D108BD9-81ED-4DB2-BD59-A6C34878D82A}">
+                    <a16:rowId xmlns:a16="http://schemas.microsoft.com/office/drawing/2014/main" val="3363141317"/>
+                  </a:ext>
+                </a:extLst>
+              </a:tr>
+              <a:tr h="176286">
+                <a:tc>
+                  <a:txBody>
+                    <a:bodyPr/>
+                    <a:lstStyle/>
+                    <a:p>
+                      <a:pPr algn="l" rtl="0" fontAlgn="t"/>
+                      <a:r>
+                        <a:rPr lang="zh-TW" altLang="en-US" sz="1000" b="1" i="0" u="none" strike="noStrike" dirty="0">
+                          <a:solidFill>
+                            <a:srgbClr val="000000"/>
+                          </a:solidFill>
+                          <a:effectLst/>
+                          <a:latin typeface="Noto Sans CJK TC Light" panose="020B0300000000000000" pitchFamily="34" charset="-120"/>
+                          <a:ea typeface="Noto Sans CJK TC Light" panose="020B0300000000000000" pitchFamily="34" charset="-120"/>
+                        </a:rPr>
+                        <a:t>總列計人口</a:t>
+                      </a:r>
+                      <a:endParaRPr lang="en-US" altLang="zh-TW" sz="1000" b="1" i="0" u="none" strike="noStrike" dirty="0">
+                        <a:solidFill>
+                          <a:srgbClr val="000000"/>
+                        </a:solidFill>
+                        <a:effectLst/>
+                        <a:latin typeface="Noto Sans CJK TC Light" panose="020B0300000000000000" pitchFamily="34" charset="-120"/>
+                        <a:ea typeface="Noto Sans CJK TC Light" panose="020B0300000000000000" pitchFamily="34" charset="-120"/>
+                      </a:endParaRPr>
+                    </a:p>
+                  </a:txBody>
+                  <a:tcPr marL="3032" marR="3032" marT="3032" marB="0"/>
+                </a:tc>
+                <a:extLst>
+                  <a:ext uri="{0D108BD9-81ED-4DB2-BD59-A6C34878D82A}">
+                    <a16:rowId xmlns:a16="http://schemas.microsoft.com/office/drawing/2014/main" val="1685590348"/>
+                  </a:ext>
+                </a:extLst>
+              </a:tr>
+              <a:tr h="176286">
+                <a:tc>
+                  <a:txBody>
+                    <a:bodyPr/>
+                    <a:lstStyle/>
+                    <a:p>
+                      <a:pPr algn="l" rtl="0" fontAlgn="t"/>
+                      <a:r>
+                        <a:rPr lang="zh-TW" altLang="en-US" sz="1000" b="1" i="0" u="none" strike="noStrike" dirty="0">
+                          <a:solidFill>
+                            <a:srgbClr val="000000"/>
+                          </a:solidFill>
+                          <a:effectLst/>
+                          <a:latin typeface="Noto Sans CJK TC Light" panose="020B0300000000000000" pitchFamily="34" charset="-120"/>
+                          <a:ea typeface="Noto Sans CJK TC Light" panose="020B0300000000000000" pitchFamily="34" charset="-120"/>
+                        </a:rPr>
+                        <a:t>列計全年支出</a:t>
+                      </a:r>
+                      <a:endParaRPr lang="en-US" altLang="zh-TW" sz="1000" b="1" i="0" u="none" strike="noStrike" dirty="0">
+                        <a:solidFill>
+                          <a:srgbClr val="000000"/>
+                        </a:solidFill>
+                        <a:effectLst/>
+                        <a:latin typeface="Noto Sans CJK TC Light" panose="020B0300000000000000" pitchFamily="34" charset="-120"/>
+                        <a:ea typeface="Noto Sans CJK TC Light" panose="020B0300000000000000" pitchFamily="34" charset="-120"/>
+                      </a:endParaRPr>
+                    </a:p>
+                  </a:txBody>
+                  <a:tcPr marL="3032" marR="3032" marT="3032" marB="0"/>
+                </a:tc>
+                <a:extLst>
+                  <a:ext uri="{0D108BD9-81ED-4DB2-BD59-A6C34878D82A}">
+                    <a16:rowId xmlns:a16="http://schemas.microsoft.com/office/drawing/2014/main" val="2216850112"/>
+                  </a:ext>
+                </a:extLst>
+              </a:tr>
+              <a:tr h="176286">
+                <a:tc>
+                  <a:txBody>
+                    <a:bodyPr/>
+                    <a:lstStyle/>
+                    <a:p>
+                      <a:pPr marL="0" marR="0" lvl="0" indent="0" algn="l" defTabSz="1651132" rtl="0" eaLnBrk="1" fontAlgn="t" latinLnBrk="0" hangingPunct="1">
+                        <a:lnSpc>
+                          <a:spcPct val="100000"/>
+                        </a:lnSpc>
+                        <a:spcBef>
+                          <a:spcPts val="0"/>
+                        </a:spcBef>
+                        <a:spcAft>
+                          <a:spcPts val="0"/>
+                        </a:spcAft>
+                        <a:buClrTx/>
+                        <a:buSzTx/>
+                        <a:buFontTx/>
+                        <a:buNone/>
+                        <a:tabLst/>
+                        <a:defRPr/>
+                      </a:pPr>
+                      <a:r>
+                        <a:rPr lang="zh-TW" altLang="en-US" sz="1000" b="1" i="0" u="none" strike="noStrike" dirty="0">
+                          <a:solidFill>
+                            <a:srgbClr val="000000"/>
+                          </a:solidFill>
+                          <a:effectLst/>
+                          <a:latin typeface="Noto Sans CJK TC Light" panose="020B0300000000000000" pitchFamily="34" charset="-120"/>
+                          <a:ea typeface="Noto Sans CJK TC Light" panose="020B0300000000000000" pitchFamily="34" charset="-120"/>
+                        </a:rPr>
+                        <a:t>全年總所得</a:t>
+                      </a:r>
+                      <a:endParaRPr lang="en-US" altLang="zh-TW" sz="1000" b="1" i="0" u="none" strike="noStrike" dirty="0">
+                        <a:solidFill>
+                          <a:srgbClr val="000000"/>
+                        </a:solidFill>
+                        <a:effectLst/>
+                        <a:latin typeface="Noto Sans CJK TC Light" panose="020B0300000000000000" pitchFamily="34" charset="-120"/>
+                        <a:ea typeface="Noto Sans CJK TC Light" panose="020B0300000000000000" pitchFamily="34" charset="-120"/>
+                      </a:endParaRPr>
+                    </a:p>
+                  </a:txBody>
+                  <a:tcPr marL="3032" marR="3032" marT="3032" marB="0"/>
+                </a:tc>
+                <a:extLst>
+                  <a:ext uri="{0D108BD9-81ED-4DB2-BD59-A6C34878D82A}">
+                    <a16:rowId xmlns:a16="http://schemas.microsoft.com/office/drawing/2014/main" val="2242144586"/>
+                  </a:ext>
+                </a:extLst>
+              </a:tr>
+              <a:tr h="176286">
+                <a:tc>
+                  <a:txBody>
+                    <a:bodyPr/>
+                    <a:lstStyle/>
+                    <a:p>
+                      <a:pPr marL="0" marR="0" lvl="0" indent="0" algn="l" defTabSz="1651132" rtl="0" eaLnBrk="1" fontAlgn="t" latinLnBrk="0" hangingPunct="1">
+                        <a:lnSpc>
+                          <a:spcPct val="100000"/>
+                        </a:lnSpc>
+                        <a:spcBef>
+                          <a:spcPts val="0"/>
+                        </a:spcBef>
+                        <a:spcAft>
+                          <a:spcPts val="0"/>
+                        </a:spcAft>
+                        <a:buClrTx/>
+                        <a:buSzTx/>
+                        <a:buFontTx/>
+                        <a:buNone/>
+                        <a:tabLst/>
+                        <a:defRPr/>
+                      </a:pPr>
+                      <a:r>
+                        <a:rPr lang="zh-TW" altLang="en-US" sz="1000" b="1" i="0" u="none" strike="noStrike" dirty="0">
+                          <a:solidFill>
+                            <a:srgbClr val="000000"/>
+                          </a:solidFill>
+                          <a:effectLst/>
+                          <a:latin typeface="Noto Sans CJK TC Light" panose="020B0300000000000000" pitchFamily="34" charset="-120"/>
+                          <a:ea typeface="Noto Sans CJK TC Light" panose="020B0300000000000000" pitchFamily="34" charset="-120"/>
+                        </a:rPr>
+                        <a:t>薪資年所得</a:t>
+                      </a:r>
+                      <a:endParaRPr lang="en-US" altLang="zh-TW" sz="1000" b="1" i="0" u="none" strike="noStrike" dirty="0">
+                        <a:solidFill>
+                          <a:srgbClr val="000000"/>
+                        </a:solidFill>
+                        <a:effectLst/>
+                        <a:latin typeface="Noto Sans CJK TC Light" panose="020B0300000000000000" pitchFamily="34" charset="-120"/>
+                        <a:ea typeface="Noto Sans CJK TC Light" panose="020B0300000000000000" pitchFamily="34" charset="-120"/>
+                      </a:endParaRPr>
+                    </a:p>
+                  </a:txBody>
+                  <a:tcPr marL="3032" marR="3032" marT="3032" marB="0"/>
+                </a:tc>
+                <a:extLst>
+                  <a:ext uri="{0D108BD9-81ED-4DB2-BD59-A6C34878D82A}">
+                    <a16:rowId xmlns:a16="http://schemas.microsoft.com/office/drawing/2014/main" val="3749484804"/>
+                  </a:ext>
+                </a:extLst>
+              </a:tr>
+              <a:tr h="176286">
+                <a:tc>
+                  <a:txBody>
+                    <a:bodyPr/>
+                    <a:lstStyle/>
+                    <a:p>
+                      <a:pPr marL="0" marR="0" lvl="0" indent="0" algn="l" defTabSz="1651132" rtl="0" eaLnBrk="1" fontAlgn="t" latinLnBrk="0" hangingPunct="1">
+                        <a:lnSpc>
+                          <a:spcPct val="100000"/>
+                        </a:lnSpc>
+                        <a:spcBef>
+                          <a:spcPts val="0"/>
+                        </a:spcBef>
+                        <a:spcAft>
+                          <a:spcPts val="0"/>
+                        </a:spcAft>
+                        <a:buClrTx/>
+                        <a:buSzTx/>
+                        <a:buFontTx/>
+                        <a:buNone/>
+                        <a:tabLst/>
+                        <a:defRPr/>
+                      </a:pPr>
+                      <a:r>
+                        <a:rPr lang="zh-TW" altLang="en-US" sz="1000" b="1" i="0" u="none" strike="noStrike" dirty="0">
+                          <a:solidFill>
+                            <a:srgbClr val="000000"/>
+                          </a:solidFill>
+                          <a:effectLst/>
+                          <a:latin typeface="Noto Sans CJK TC Light" panose="020B0300000000000000" pitchFamily="34" charset="-120"/>
+                          <a:ea typeface="Noto Sans CJK TC Light" panose="020B0300000000000000" pitchFamily="34" charset="-120"/>
+                        </a:rPr>
+                        <a:t>營利年所得</a:t>
+                      </a:r>
+                      <a:endParaRPr lang="en-US" altLang="zh-TW" sz="1000" b="1" i="0" u="none" strike="noStrike" dirty="0">
+                        <a:solidFill>
+                          <a:srgbClr val="000000"/>
+                        </a:solidFill>
+                        <a:effectLst/>
+                        <a:latin typeface="Noto Sans CJK TC Light" panose="020B0300000000000000" pitchFamily="34" charset="-120"/>
+                        <a:ea typeface="Noto Sans CJK TC Light" panose="020B0300000000000000" pitchFamily="34" charset="-120"/>
+                      </a:endParaRPr>
+                    </a:p>
+                  </a:txBody>
+                  <a:tcPr marL="3032" marR="3032" marT="3032" marB="0"/>
+                </a:tc>
+                <a:extLst>
+                  <a:ext uri="{0D108BD9-81ED-4DB2-BD59-A6C34878D82A}">
+                    <a16:rowId xmlns:a16="http://schemas.microsoft.com/office/drawing/2014/main" val="976074197"/>
+                  </a:ext>
+                </a:extLst>
+              </a:tr>
+              <a:tr h="176286">
+                <a:tc>
+                  <a:txBody>
+                    <a:bodyPr/>
+                    <a:lstStyle/>
+                    <a:p>
+                      <a:pPr algn="l" rtl="0" fontAlgn="t"/>
+                      <a:r>
+                        <a:rPr lang="zh-TW" altLang="en-US" sz="1000" b="1" i="0" u="none" strike="noStrike" dirty="0">
+                          <a:solidFill>
+                            <a:srgbClr val="000000"/>
+                          </a:solidFill>
+                          <a:effectLst/>
+                          <a:latin typeface="Noto Sans CJK TC Light" panose="020B0300000000000000" pitchFamily="34" charset="-120"/>
+                          <a:ea typeface="Noto Sans CJK TC Light" panose="020B0300000000000000" pitchFamily="34" charset="-120"/>
+                        </a:rPr>
+                        <a:t>利息年所得</a:t>
+                      </a:r>
+                      <a:endParaRPr lang="en-US" altLang="zh-TW" sz="1000" b="1" i="0" u="none" strike="noStrike" dirty="0">
+                        <a:solidFill>
+                          <a:srgbClr val="000000"/>
+                        </a:solidFill>
+                        <a:effectLst/>
+                        <a:latin typeface="Noto Sans CJK TC Light" panose="020B0300000000000000" pitchFamily="34" charset="-120"/>
+                        <a:ea typeface="Noto Sans CJK TC Light" panose="020B0300000000000000" pitchFamily="34" charset="-120"/>
+                      </a:endParaRPr>
+                    </a:p>
+                  </a:txBody>
+                  <a:tcPr marL="3032" marR="3032" marT="3032" marB="0"/>
+                </a:tc>
+                <a:extLst>
+                  <a:ext uri="{0D108BD9-81ED-4DB2-BD59-A6C34878D82A}">
+                    <a16:rowId xmlns:a16="http://schemas.microsoft.com/office/drawing/2014/main" val="903894149"/>
+                  </a:ext>
+                </a:extLst>
+              </a:tr>
+              <a:tr h="176286">
+                <a:tc>
+                  <a:txBody>
+                    <a:bodyPr/>
+                    <a:lstStyle/>
+                    <a:p>
+                      <a:pPr algn="l" rtl="0" fontAlgn="t"/>
+                      <a:r>
+                        <a:rPr lang="zh-TW" altLang="en-US" sz="1000" b="1" i="0" u="none" strike="noStrike" dirty="0">
+                          <a:solidFill>
+                            <a:srgbClr val="000000"/>
+                          </a:solidFill>
+                          <a:effectLst/>
+                          <a:latin typeface="Noto Sans CJK TC Light" panose="020B0300000000000000" pitchFamily="34" charset="-120"/>
+                          <a:ea typeface="Noto Sans CJK TC Light" panose="020B0300000000000000" pitchFamily="34" charset="-120"/>
+                        </a:rPr>
+                        <a:t>股利年所得</a:t>
+                      </a:r>
+                      <a:endParaRPr lang="en-US" altLang="zh-TW" sz="1000" b="1" i="0" u="none" strike="noStrike" dirty="0">
+                        <a:solidFill>
+                          <a:srgbClr val="000000"/>
+                        </a:solidFill>
+                        <a:effectLst/>
+                        <a:latin typeface="Noto Sans CJK TC Light" panose="020B0300000000000000" pitchFamily="34" charset="-120"/>
+                        <a:ea typeface="Noto Sans CJK TC Light" panose="020B0300000000000000" pitchFamily="34" charset="-120"/>
+                      </a:endParaRPr>
+                    </a:p>
+                  </a:txBody>
+                  <a:tcPr marL="3032" marR="3032" marT="3032" marB="0"/>
+                </a:tc>
+                <a:extLst>
+                  <a:ext uri="{0D108BD9-81ED-4DB2-BD59-A6C34878D82A}">
+                    <a16:rowId xmlns:a16="http://schemas.microsoft.com/office/drawing/2014/main" val="1064281431"/>
+                  </a:ext>
+                </a:extLst>
+              </a:tr>
+              <a:tr h="176286">
+                <a:tc>
+                  <a:txBody>
+                    <a:bodyPr/>
+                    <a:lstStyle/>
+                    <a:p>
+                      <a:pPr algn="l" rtl="0" fontAlgn="t"/>
+                      <a:r>
+                        <a:rPr lang="zh-TW" altLang="en-US" sz="1000" b="1" i="0" u="none" strike="noStrike" dirty="0">
+                          <a:solidFill>
+                            <a:srgbClr val="000000"/>
+                          </a:solidFill>
+                          <a:effectLst/>
+                          <a:latin typeface="Noto Sans CJK TC Light" panose="020B0300000000000000" pitchFamily="34" charset="-120"/>
+                          <a:ea typeface="Noto Sans CJK TC Light" panose="020B0300000000000000" pitchFamily="34" charset="-120"/>
+                        </a:rPr>
+                        <a:t>財產年所得</a:t>
+                      </a:r>
+                      <a:endParaRPr lang="en-US" altLang="zh-TW" sz="1000" b="1" i="0" u="none" strike="noStrike" dirty="0">
+                        <a:solidFill>
+                          <a:srgbClr val="000000"/>
+                        </a:solidFill>
+                        <a:effectLst/>
+                        <a:latin typeface="Noto Sans CJK TC Light" panose="020B0300000000000000" pitchFamily="34" charset="-120"/>
+                        <a:ea typeface="Noto Sans CJK TC Light" panose="020B0300000000000000" pitchFamily="34" charset="-120"/>
+                      </a:endParaRPr>
+                    </a:p>
+                  </a:txBody>
+                  <a:tcPr marL="3032" marR="3032" marT="3032" marB="0"/>
+                </a:tc>
+                <a:extLst>
+                  <a:ext uri="{0D108BD9-81ED-4DB2-BD59-A6C34878D82A}">
+                    <a16:rowId xmlns:a16="http://schemas.microsoft.com/office/drawing/2014/main" val="3373042415"/>
+                  </a:ext>
+                </a:extLst>
+              </a:tr>
+              <a:tr h="176286">
+                <a:tc>
+                  <a:txBody>
+                    <a:bodyPr/>
+                    <a:lstStyle/>
+                    <a:p>
+                      <a:pPr algn="l" rtl="0" fontAlgn="t"/>
+                      <a:r>
+                        <a:rPr lang="zh-TW" altLang="en-US" sz="1000" b="1" i="0" u="none" strike="noStrike" dirty="0">
+                          <a:solidFill>
+                            <a:srgbClr val="000000"/>
+                          </a:solidFill>
+                          <a:effectLst/>
+                          <a:latin typeface="Noto Sans CJK TC Light" panose="020B0300000000000000" pitchFamily="34" charset="-120"/>
+                          <a:ea typeface="Noto Sans CJK TC Light" panose="020B0300000000000000" pitchFamily="34" charset="-120"/>
+                        </a:rPr>
+                        <a:t>其他年所得</a:t>
+                      </a:r>
+                      <a:endParaRPr lang="en-US" altLang="zh-TW" sz="1000" b="1" i="0" u="none" strike="noStrike" dirty="0">
+                        <a:solidFill>
+                          <a:srgbClr val="000000"/>
+                        </a:solidFill>
+                        <a:effectLst/>
+                        <a:latin typeface="Noto Sans CJK TC Light" panose="020B0300000000000000" pitchFamily="34" charset="-120"/>
+                        <a:ea typeface="Noto Sans CJK TC Light" panose="020B0300000000000000" pitchFamily="34" charset="-120"/>
+                      </a:endParaRPr>
+                    </a:p>
+                  </a:txBody>
+                  <a:tcPr marL="3032" marR="3032" marT="3032" marB="0"/>
+                </a:tc>
+                <a:extLst>
+                  <a:ext uri="{0D108BD9-81ED-4DB2-BD59-A6C34878D82A}">
+                    <a16:rowId xmlns:a16="http://schemas.microsoft.com/office/drawing/2014/main" val="1466213822"/>
+                  </a:ext>
+                </a:extLst>
+              </a:tr>
+              <a:tr h="176286">
+                <a:tc>
+                  <a:txBody>
+                    <a:bodyPr/>
+                    <a:lstStyle/>
+                    <a:p>
+                      <a:pPr marL="0" marR="0" lvl="0" indent="0" algn="l" defTabSz="1651132" rtl="0" eaLnBrk="1" fontAlgn="t" latinLnBrk="0" hangingPunct="1">
+                        <a:lnSpc>
+                          <a:spcPct val="100000"/>
+                        </a:lnSpc>
+                        <a:spcBef>
+                          <a:spcPts val="0"/>
+                        </a:spcBef>
+                        <a:spcAft>
+                          <a:spcPts val="0"/>
+                        </a:spcAft>
+                        <a:buClrTx/>
+                        <a:buSzTx/>
+                        <a:buFontTx/>
+                        <a:buNone/>
+                        <a:tabLst/>
+                        <a:defRPr/>
+                      </a:pPr>
+                      <a:r>
+                        <a:rPr lang="zh-TW" altLang="en-US" sz="1000" b="1" i="0" u="none" strike="noStrike" dirty="0">
+                          <a:solidFill>
+                            <a:srgbClr val="000000"/>
+                          </a:solidFill>
+                          <a:effectLst/>
+                          <a:latin typeface="Noto Sans CJK TC Light" panose="020B0300000000000000" pitchFamily="34" charset="-120"/>
+                          <a:ea typeface="Noto Sans CJK TC Light" panose="020B0300000000000000" pitchFamily="34" charset="-120"/>
+                        </a:rPr>
+                        <a:t>總動產</a:t>
+                      </a:r>
+                      <a:endParaRPr lang="en-US" altLang="zh-TW" sz="1000" b="1" i="0" u="none" strike="noStrike" dirty="0">
+                        <a:solidFill>
+                          <a:srgbClr val="000000"/>
+                        </a:solidFill>
+                        <a:effectLst/>
+                        <a:latin typeface="Noto Sans CJK TC Light" panose="020B0300000000000000" pitchFamily="34" charset="-120"/>
+                        <a:ea typeface="Noto Sans CJK TC Light" panose="020B0300000000000000" pitchFamily="34" charset="-120"/>
+                      </a:endParaRPr>
+                    </a:p>
+                  </a:txBody>
+                  <a:tcPr marL="3032" marR="3032" marT="3032" marB="0"/>
+                </a:tc>
+                <a:extLst>
+                  <a:ext uri="{0D108BD9-81ED-4DB2-BD59-A6C34878D82A}">
+                    <a16:rowId xmlns:a16="http://schemas.microsoft.com/office/drawing/2014/main" val="2786735694"/>
+                  </a:ext>
+                </a:extLst>
+              </a:tr>
+              <a:tr h="176286">
+                <a:tc>
+                  <a:txBody>
+                    <a:bodyPr/>
+                    <a:lstStyle/>
+                    <a:p>
+                      <a:pPr algn="l" rtl="0" fontAlgn="t"/>
+                      <a:r>
+                        <a:rPr lang="zh-TW" altLang="en-US" sz="1000" b="1" i="0" u="none" strike="noStrike" dirty="0">
+                          <a:solidFill>
+                            <a:srgbClr val="000000"/>
+                          </a:solidFill>
+                          <a:effectLst/>
+                          <a:latin typeface="Noto Sans CJK TC Light" panose="020B0300000000000000" pitchFamily="34" charset="-120"/>
+                          <a:ea typeface="Noto Sans CJK TC Light" panose="020B0300000000000000" pitchFamily="34" charset="-120"/>
+                        </a:rPr>
+                        <a:t>存款本金總額</a:t>
+                      </a:r>
+                      <a:endParaRPr lang="en-US" altLang="zh-TW" sz="1000" b="1" i="0" u="none" strike="noStrike" dirty="0">
+                        <a:solidFill>
+                          <a:srgbClr val="000000"/>
+                        </a:solidFill>
+                        <a:effectLst/>
+                        <a:latin typeface="Noto Sans CJK TC Light" panose="020B0300000000000000" pitchFamily="34" charset="-120"/>
+                        <a:ea typeface="Noto Sans CJK TC Light" panose="020B0300000000000000" pitchFamily="34" charset="-120"/>
+                      </a:endParaRPr>
+                    </a:p>
+                  </a:txBody>
+                  <a:tcPr marL="3032" marR="3032" marT="3032" marB="0"/>
+                </a:tc>
+                <a:extLst>
+                  <a:ext uri="{0D108BD9-81ED-4DB2-BD59-A6C34878D82A}">
+                    <a16:rowId xmlns:a16="http://schemas.microsoft.com/office/drawing/2014/main" val="3999556114"/>
+                  </a:ext>
+                </a:extLst>
+              </a:tr>
+              <a:tr h="176286">
+                <a:tc>
+                  <a:txBody>
+                    <a:bodyPr/>
+                    <a:lstStyle/>
+                    <a:p>
+                      <a:pPr algn="l" rtl="0" fontAlgn="t"/>
+                      <a:r>
+                        <a:rPr lang="zh-TW" altLang="en-US" sz="1000" b="1" i="0" u="none" strike="noStrike" dirty="0">
+                          <a:solidFill>
+                            <a:srgbClr val="000000"/>
+                          </a:solidFill>
+                          <a:effectLst/>
+                          <a:latin typeface="Noto Sans CJK TC Light" panose="020B0300000000000000" pitchFamily="34" charset="-120"/>
+                          <a:ea typeface="Noto Sans CJK TC Light" panose="020B0300000000000000" pitchFamily="34" charset="-120"/>
+                        </a:rPr>
+                        <a:t>投資總額</a:t>
+                      </a:r>
+                      <a:endParaRPr lang="en-US" altLang="zh-TW" sz="1000" b="1" i="0" u="none" strike="noStrike" dirty="0">
+                        <a:solidFill>
+                          <a:srgbClr val="000000"/>
+                        </a:solidFill>
+                        <a:effectLst/>
+                        <a:latin typeface="Noto Sans CJK TC Light" panose="020B0300000000000000" pitchFamily="34" charset="-120"/>
+                        <a:ea typeface="Noto Sans CJK TC Light" panose="020B0300000000000000" pitchFamily="34" charset="-120"/>
+                      </a:endParaRPr>
+                    </a:p>
+                  </a:txBody>
+                  <a:tcPr marL="3032" marR="3032" marT="3032" marB="0"/>
+                </a:tc>
+                <a:extLst>
+                  <a:ext uri="{0D108BD9-81ED-4DB2-BD59-A6C34878D82A}">
+                    <a16:rowId xmlns:a16="http://schemas.microsoft.com/office/drawing/2014/main" val="4030300700"/>
+                  </a:ext>
+                </a:extLst>
+              </a:tr>
+              <a:tr h="176286">
+                <a:tc>
+                  <a:txBody>
+                    <a:bodyPr/>
+                    <a:lstStyle/>
+                    <a:p>
+                      <a:pPr marL="0" marR="0" lvl="0" indent="0" algn="l" defTabSz="1651132" rtl="0" eaLnBrk="1" fontAlgn="t" latinLnBrk="0" hangingPunct="1">
+                        <a:lnSpc>
+                          <a:spcPct val="100000"/>
+                        </a:lnSpc>
+                        <a:spcBef>
+                          <a:spcPts val="0"/>
+                        </a:spcBef>
+                        <a:spcAft>
+                          <a:spcPts val="0"/>
+                        </a:spcAft>
+                        <a:buClrTx/>
+                        <a:buSzTx/>
+                        <a:buFontTx/>
+                        <a:buNone/>
+                        <a:tabLst/>
+                        <a:defRPr/>
+                      </a:pPr>
+                      <a:r>
+                        <a:rPr lang="zh-TW" altLang="en-US" sz="1000" b="1" i="0" u="none" strike="noStrike" dirty="0">
+                          <a:solidFill>
+                            <a:srgbClr val="000000"/>
+                          </a:solidFill>
+                          <a:effectLst/>
+                          <a:latin typeface="Noto Sans CJK TC Light" panose="020B0300000000000000" pitchFamily="34" charset="-120"/>
+                          <a:ea typeface="Noto Sans CJK TC Light" panose="020B0300000000000000" pitchFamily="34" charset="-120"/>
+                        </a:rPr>
+                        <a:t>有價證券總額</a:t>
+                      </a:r>
+                      <a:endParaRPr lang="en-US" altLang="zh-TW" sz="1000" b="1" i="0" u="none" strike="noStrike" dirty="0">
+                        <a:solidFill>
+                          <a:srgbClr val="000000"/>
+                        </a:solidFill>
+                        <a:effectLst/>
+                        <a:latin typeface="Noto Sans CJK TC Light" panose="020B0300000000000000" pitchFamily="34" charset="-120"/>
+                        <a:ea typeface="Noto Sans CJK TC Light" panose="020B0300000000000000" pitchFamily="34" charset="-120"/>
+                      </a:endParaRPr>
+                    </a:p>
+                  </a:txBody>
+                  <a:tcPr marL="3032" marR="3032" marT="3032" marB="0"/>
+                </a:tc>
+                <a:extLst>
+                  <a:ext uri="{0D108BD9-81ED-4DB2-BD59-A6C34878D82A}">
+                    <a16:rowId xmlns:a16="http://schemas.microsoft.com/office/drawing/2014/main" val="1718997764"/>
+                  </a:ext>
+                </a:extLst>
+              </a:tr>
+              <a:tr h="176286">
+                <a:tc>
+                  <a:txBody>
+                    <a:bodyPr/>
+                    <a:lstStyle/>
+                    <a:p>
+                      <a:pPr algn="l" rtl="0" fontAlgn="t"/>
+                      <a:r>
+                        <a:rPr lang="zh-TW" altLang="en-US" sz="1000" b="1" i="0" u="none" strike="noStrike" dirty="0">
+                          <a:solidFill>
+                            <a:srgbClr val="000000"/>
+                          </a:solidFill>
+                          <a:effectLst/>
+                          <a:latin typeface="Noto Sans CJK TC Light" panose="020B0300000000000000" pitchFamily="34" charset="-120"/>
+                          <a:ea typeface="Noto Sans CJK TC Light" panose="020B0300000000000000" pitchFamily="34" charset="-120"/>
+                        </a:rPr>
+                        <a:t>其他動產總額</a:t>
+                      </a:r>
+                      <a:endParaRPr lang="en-US" altLang="zh-TW" sz="1000" b="1" i="0" u="none" strike="noStrike" dirty="0">
+                        <a:solidFill>
+                          <a:srgbClr val="000000"/>
+                        </a:solidFill>
+                        <a:effectLst/>
+                        <a:latin typeface="Noto Sans CJK TC Light" panose="020B0300000000000000" pitchFamily="34" charset="-120"/>
+                        <a:ea typeface="Noto Sans CJK TC Light" panose="020B0300000000000000" pitchFamily="34" charset="-120"/>
+                      </a:endParaRPr>
+                    </a:p>
+                  </a:txBody>
+                  <a:tcPr marL="3032" marR="3032" marT="3032" marB="0"/>
+                </a:tc>
+                <a:extLst>
+                  <a:ext uri="{0D108BD9-81ED-4DB2-BD59-A6C34878D82A}">
+                    <a16:rowId xmlns:a16="http://schemas.microsoft.com/office/drawing/2014/main" val="850339493"/>
+                  </a:ext>
+                </a:extLst>
+              </a:tr>
+              <a:tr h="176286">
+                <a:tc>
+                  <a:txBody>
+                    <a:bodyPr/>
+                    <a:lstStyle/>
+                    <a:p>
+                      <a:pPr algn="l" rtl="0" fontAlgn="t"/>
+                      <a:r>
+                        <a:rPr lang="zh-TW" altLang="en-US" sz="1000" b="1" i="0" u="none" strike="noStrike" dirty="0">
+                          <a:solidFill>
+                            <a:srgbClr val="000000"/>
+                          </a:solidFill>
+                          <a:effectLst/>
+                          <a:latin typeface="Noto Sans CJK TC Light" panose="020B0300000000000000" pitchFamily="34" charset="-120"/>
+                          <a:ea typeface="Noto Sans CJK TC Light" panose="020B0300000000000000" pitchFamily="34" charset="-120"/>
+                        </a:rPr>
+                        <a:t>房屋棟數</a:t>
+                      </a:r>
+                      <a:endParaRPr lang="en-US" altLang="zh-TW" sz="1000" b="1" i="0" u="none" strike="noStrike" dirty="0">
+                        <a:solidFill>
+                          <a:srgbClr val="000000"/>
+                        </a:solidFill>
+                        <a:effectLst/>
+                        <a:latin typeface="Noto Sans CJK TC Light" panose="020B0300000000000000" pitchFamily="34" charset="-120"/>
+                        <a:ea typeface="Noto Sans CJK TC Light" panose="020B0300000000000000" pitchFamily="34" charset="-120"/>
+                      </a:endParaRPr>
+                    </a:p>
+                  </a:txBody>
+                  <a:tcPr marL="3032" marR="3032" marT="3032" marB="0"/>
+                </a:tc>
+                <a:extLst>
+                  <a:ext uri="{0D108BD9-81ED-4DB2-BD59-A6C34878D82A}">
+                    <a16:rowId xmlns:a16="http://schemas.microsoft.com/office/drawing/2014/main" val="3386474553"/>
+                  </a:ext>
+                </a:extLst>
+              </a:tr>
+              <a:tr h="176286">
+                <a:tc>
+                  <a:txBody>
+                    <a:bodyPr/>
+                    <a:lstStyle/>
+                    <a:p>
+                      <a:pPr algn="l" rtl="0" fontAlgn="t"/>
+                      <a:r>
+                        <a:rPr lang="zh-TW" altLang="en-US" sz="1000" b="1" i="0" u="none" strike="noStrike" dirty="0">
+                          <a:solidFill>
+                            <a:srgbClr val="000000"/>
+                          </a:solidFill>
+                          <a:effectLst/>
+                          <a:latin typeface="Noto Sans CJK TC Light" panose="020B0300000000000000" pitchFamily="34" charset="-120"/>
+                          <a:ea typeface="Noto Sans CJK TC Light" panose="020B0300000000000000" pitchFamily="34" charset="-120"/>
+                        </a:rPr>
+                        <a:t>房屋總價</a:t>
+                      </a:r>
+                      <a:endParaRPr lang="en-US" altLang="zh-TW" sz="1000" b="1" i="0" u="none" strike="noStrike" dirty="0">
+                        <a:solidFill>
+                          <a:srgbClr val="000000"/>
+                        </a:solidFill>
+                        <a:effectLst/>
+                        <a:latin typeface="Noto Sans CJK TC Light" panose="020B0300000000000000" pitchFamily="34" charset="-120"/>
+                        <a:ea typeface="Noto Sans CJK TC Light" panose="020B0300000000000000" pitchFamily="34" charset="-120"/>
+                      </a:endParaRPr>
+                    </a:p>
+                  </a:txBody>
+                  <a:tcPr marL="3032" marR="3032" marT="3032" marB="0"/>
+                </a:tc>
+                <a:extLst>
+                  <a:ext uri="{0D108BD9-81ED-4DB2-BD59-A6C34878D82A}">
+                    <a16:rowId xmlns:a16="http://schemas.microsoft.com/office/drawing/2014/main" val="1543500337"/>
+                  </a:ext>
+                </a:extLst>
+              </a:tr>
+              <a:tr h="176286">
+                <a:tc>
+                  <a:txBody>
+                    <a:bodyPr/>
+                    <a:lstStyle/>
+                    <a:p>
+                      <a:pPr algn="l" rtl="0" fontAlgn="t"/>
+                      <a:r>
+                        <a:rPr lang="zh-TW" altLang="en-US" sz="1000" b="1" i="0" u="none" strike="noStrike" dirty="0">
+                          <a:solidFill>
+                            <a:srgbClr val="000000"/>
+                          </a:solidFill>
+                          <a:effectLst/>
+                          <a:latin typeface="Noto Sans CJK TC Light" panose="020B0300000000000000" pitchFamily="34" charset="-120"/>
+                          <a:ea typeface="Noto Sans CJK TC Light" panose="020B0300000000000000" pitchFamily="34" charset="-120"/>
+                        </a:rPr>
+                        <a:t>房屋非自用棟數</a:t>
+                      </a:r>
+                      <a:endParaRPr lang="en-US" altLang="zh-TW" sz="1000" b="1" i="0" u="none" strike="noStrike" dirty="0">
+                        <a:solidFill>
+                          <a:srgbClr val="000000"/>
+                        </a:solidFill>
+                        <a:effectLst/>
+                        <a:latin typeface="Noto Sans CJK TC Light" panose="020B0300000000000000" pitchFamily="34" charset="-120"/>
+                        <a:ea typeface="Noto Sans CJK TC Light" panose="020B0300000000000000" pitchFamily="34" charset="-120"/>
+                      </a:endParaRPr>
+                    </a:p>
+                  </a:txBody>
+                  <a:tcPr marL="3032" marR="3032" marT="3032" marB="0"/>
+                </a:tc>
+                <a:extLst>
+                  <a:ext uri="{0D108BD9-81ED-4DB2-BD59-A6C34878D82A}">
+                    <a16:rowId xmlns:a16="http://schemas.microsoft.com/office/drawing/2014/main" val="3012166841"/>
+                  </a:ext>
+                </a:extLst>
+              </a:tr>
+              <a:tr h="176286">
+                <a:tc>
+                  <a:txBody>
+                    <a:bodyPr/>
+                    <a:lstStyle/>
+                    <a:p>
+                      <a:pPr marL="0" marR="0" lvl="0" indent="0" algn="l" defTabSz="1651132" rtl="0" eaLnBrk="1" fontAlgn="t" latinLnBrk="0" hangingPunct="1">
+                        <a:lnSpc>
+                          <a:spcPct val="100000"/>
+                        </a:lnSpc>
+                        <a:spcBef>
+                          <a:spcPts val="0"/>
+                        </a:spcBef>
+                        <a:spcAft>
+                          <a:spcPts val="0"/>
+                        </a:spcAft>
+                        <a:buClrTx/>
+                        <a:buSzTx/>
+                        <a:buFontTx/>
+                        <a:buNone/>
+                        <a:tabLst/>
+                        <a:defRPr/>
+                      </a:pPr>
+                      <a:r>
+                        <a:rPr lang="zh-TW" altLang="en-US" sz="1000" b="1" i="0" u="none" strike="noStrike" dirty="0">
+                          <a:solidFill>
+                            <a:srgbClr val="000000"/>
+                          </a:solidFill>
+                          <a:effectLst/>
+                          <a:latin typeface="Noto Sans CJK TC Light" panose="020B0300000000000000" pitchFamily="34" charset="-120"/>
+                          <a:ea typeface="Noto Sans CJK TC Light" panose="020B0300000000000000" pitchFamily="34" charset="-120"/>
+                        </a:rPr>
+                        <a:t>房屋列計總價</a:t>
+                      </a:r>
+                      <a:endParaRPr lang="en-US" altLang="zh-TW" sz="1000" b="1" i="0" u="none" strike="noStrike" dirty="0">
+                        <a:solidFill>
+                          <a:srgbClr val="000000"/>
+                        </a:solidFill>
+                        <a:effectLst/>
+                        <a:latin typeface="Noto Sans CJK TC Light" panose="020B0300000000000000" pitchFamily="34" charset="-120"/>
+                        <a:ea typeface="Noto Sans CJK TC Light" panose="020B0300000000000000" pitchFamily="34" charset="-120"/>
+                      </a:endParaRPr>
+                    </a:p>
+                  </a:txBody>
+                  <a:tcPr marL="3032" marR="3032" marT="3032" marB="0"/>
+                </a:tc>
+                <a:extLst>
+                  <a:ext uri="{0D108BD9-81ED-4DB2-BD59-A6C34878D82A}">
+                    <a16:rowId xmlns:a16="http://schemas.microsoft.com/office/drawing/2014/main" val="2396897550"/>
+                  </a:ext>
+                </a:extLst>
+              </a:tr>
+              <a:tr h="176286">
+                <a:tc>
+                  <a:txBody>
+                    <a:bodyPr/>
+                    <a:lstStyle/>
+                    <a:p>
+                      <a:pPr algn="l" rtl="0" fontAlgn="t"/>
+                      <a:r>
+                        <a:rPr lang="zh-TW" altLang="en-US" sz="1000" b="1" i="0" u="none" strike="noStrike" dirty="0">
+                          <a:solidFill>
+                            <a:srgbClr val="000000"/>
+                          </a:solidFill>
+                          <a:effectLst/>
+                          <a:latin typeface="Noto Sans CJK TC Light" panose="020B0300000000000000" pitchFamily="34" charset="-120"/>
+                          <a:ea typeface="Noto Sans CJK TC Light" panose="020B0300000000000000" pitchFamily="34" charset="-120"/>
+                        </a:rPr>
+                        <a:t>土地筆數</a:t>
+                      </a:r>
+                      <a:endParaRPr lang="en-US" altLang="zh-TW" sz="1000" b="1" i="0" u="none" strike="noStrike" dirty="0">
+                        <a:solidFill>
+                          <a:srgbClr val="000000"/>
+                        </a:solidFill>
+                        <a:effectLst/>
+                        <a:latin typeface="Noto Sans CJK TC Light" panose="020B0300000000000000" pitchFamily="34" charset="-120"/>
+                        <a:ea typeface="Noto Sans CJK TC Light" panose="020B0300000000000000" pitchFamily="34" charset="-120"/>
+                      </a:endParaRPr>
+                    </a:p>
+                  </a:txBody>
+                  <a:tcPr marL="3032" marR="3032" marT="3032" marB="0"/>
+                </a:tc>
+                <a:extLst>
+                  <a:ext uri="{0D108BD9-81ED-4DB2-BD59-A6C34878D82A}">
+                    <a16:rowId xmlns:a16="http://schemas.microsoft.com/office/drawing/2014/main" val="3195116326"/>
+                  </a:ext>
+                </a:extLst>
+              </a:tr>
+              <a:tr h="176286">
+                <a:tc>
+                  <a:txBody>
+                    <a:bodyPr/>
+                    <a:lstStyle/>
+                    <a:p>
+                      <a:pPr algn="l" rtl="0" fontAlgn="t"/>
+                      <a:r>
+                        <a:rPr lang="zh-TW" altLang="en-US" sz="1000" b="1" i="0" u="none" strike="noStrike" dirty="0">
+                          <a:solidFill>
+                            <a:srgbClr val="000000"/>
+                          </a:solidFill>
+                          <a:effectLst/>
+                          <a:latin typeface="Noto Sans CJK TC Light" panose="020B0300000000000000" pitchFamily="34" charset="-120"/>
+                          <a:ea typeface="Noto Sans CJK TC Light" panose="020B0300000000000000" pitchFamily="34" charset="-120"/>
+                        </a:rPr>
+                        <a:t>土地</a:t>
+                      </a:r>
+                      <a:r>
+                        <a:rPr lang="zh-TW" altLang="en-US" sz="1000" b="1" i="0" u="none" strike="noStrike" dirty="0">
+                          <a:solidFill>
+                            <a:srgbClr val="000000"/>
+                          </a:solidFill>
+                          <a:effectLst/>
+                          <a:latin typeface="Noto Sans CJK TC Light" panose="020B0300000000000000" pitchFamily="34" charset="-120"/>
+                          <a:ea typeface="Noto Sans CJK TC Light" panose="020B0300000000000000" pitchFamily="34" charset="-120"/>
+                        </a:rPr>
+                        <a:t>總價</a:t>
+                      </a:r>
+                      <a:endParaRPr lang="en-US" altLang="zh-TW" sz="1000" b="1" i="0" u="none" strike="noStrike" dirty="0">
+                        <a:solidFill>
+                          <a:srgbClr val="000000"/>
+                        </a:solidFill>
+                        <a:effectLst/>
+                        <a:latin typeface="Noto Sans CJK TC Light" panose="020B0300000000000000" pitchFamily="34" charset="-120"/>
+                        <a:ea typeface="Noto Sans CJK TC Light" panose="020B0300000000000000" pitchFamily="34" charset="-120"/>
+                      </a:endParaRPr>
+                    </a:p>
+                  </a:txBody>
+                  <a:tcPr marL="3032" marR="3032" marT="3032" marB="0"/>
+                </a:tc>
+                <a:extLst>
+                  <a:ext uri="{0D108BD9-81ED-4DB2-BD59-A6C34878D82A}">
+                    <a16:rowId xmlns:a16="http://schemas.microsoft.com/office/drawing/2014/main" val="1537828939"/>
+                  </a:ext>
+                </a:extLst>
+              </a:tr>
+              <a:tr h="176286">
+                <a:tc>
+                  <a:txBody>
+                    <a:bodyPr/>
+                    <a:lstStyle/>
+                    <a:p>
+                      <a:pPr algn="l" rtl="0" fontAlgn="t"/>
+                      <a:r>
+                        <a:rPr lang="zh-TW" altLang="en-US" sz="1000" b="1" i="0" u="none" strike="noStrike" dirty="0">
+                          <a:solidFill>
+                            <a:srgbClr val="000000"/>
+                          </a:solidFill>
+                          <a:effectLst/>
+                          <a:latin typeface="Noto Sans CJK TC Light" panose="020B0300000000000000" pitchFamily="34" charset="-120"/>
+                          <a:ea typeface="Noto Sans CJK TC Light" panose="020B0300000000000000" pitchFamily="34" charset="-120"/>
+                        </a:rPr>
+                        <a:t>土地</a:t>
+                      </a:r>
+                      <a:r>
+                        <a:rPr lang="zh-TW" altLang="en-US" sz="1000" b="1" i="0" u="none" strike="noStrike" dirty="0">
+                          <a:solidFill>
+                            <a:srgbClr val="000000"/>
+                          </a:solidFill>
+                          <a:effectLst/>
+                          <a:latin typeface="Noto Sans CJK TC Light" panose="020B0300000000000000" pitchFamily="34" charset="-120"/>
+                          <a:ea typeface="Noto Sans CJK TC Light" panose="020B0300000000000000" pitchFamily="34" charset="-120"/>
+                        </a:rPr>
+                        <a:t>非自用筆數</a:t>
+                      </a:r>
+                      <a:endParaRPr lang="en-US" altLang="zh-TW" sz="1000" b="1" i="0" u="none" strike="noStrike" dirty="0">
+                        <a:solidFill>
+                          <a:srgbClr val="000000"/>
+                        </a:solidFill>
+                        <a:effectLst/>
+                        <a:latin typeface="Noto Sans CJK TC Light" panose="020B0300000000000000" pitchFamily="34" charset="-120"/>
+                        <a:ea typeface="Noto Sans CJK TC Light" panose="020B0300000000000000" pitchFamily="34" charset="-120"/>
+                      </a:endParaRPr>
+                    </a:p>
+                  </a:txBody>
+                  <a:tcPr marL="3032" marR="3032" marT="3032" marB="0"/>
+                </a:tc>
+                <a:extLst>
+                  <a:ext uri="{0D108BD9-81ED-4DB2-BD59-A6C34878D82A}">
+                    <a16:rowId xmlns:a16="http://schemas.microsoft.com/office/drawing/2014/main" val="2093357267"/>
+                  </a:ext>
+                </a:extLst>
+              </a:tr>
+              <a:tr h="176286">
+                <a:tc>
+                  <a:txBody>
+                    <a:bodyPr/>
+                    <a:lstStyle/>
+                    <a:p>
+                      <a:pPr marL="0" marR="0" lvl="0" indent="0" algn="l" defTabSz="1651132" rtl="0" eaLnBrk="1" fontAlgn="t" latinLnBrk="0" hangingPunct="1">
+                        <a:lnSpc>
+                          <a:spcPct val="100000"/>
+                        </a:lnSpc>
+                        <a:spcBef>
+                          <a:spcPts val="0"/>
+                        </a:spcBef>
+                        <a:spcAft>
+                          <a:spcPts val="0"/>
+                        </a:spcAft>
+                        <a:buClrTx/>
+                        <a:buSzTx/>
+                        <a:buFontTx/>
+                        <a:buNone/>
+                        <a:tabLst/>
+                        <a:defRPr/>
+                      </a:pPr>
+                      <a:r>
+                        <a:rPr lang="zh-TW" altLang="en-US" sz="1000" b="1" i="0" u="none" strike="noStrike" dirty="0">
+                          <a:solidFill>
+                            <a:srgbClr val="000000"/>
+                          </a:solidFill>
+                          <a:effectLst/>
+                          <a:latin typeface="Noto Sans CJK TC Light" panose="020B0300000000000000" pitchFamily="34" charset="-120"/>
+                          <a:ea typeface="Noto Sans CJK TC Light" panose="020B0300000000000000" pitchFamily="34" charset="-120"/>
+                        </a:rPr>
+                        <a:t>土地</a:t>
+                      </a:r>
+                      <a:r>
+                        <a:rPr lang="zh-TW" altLang="en-US" sz="1000" b="1" i="0" u="none" strike="noStrike" dirty="0">
+                          <a:solidFill>
+                            <a:srgbClr val="000000"/>
+                          </a:solidFill>
+                          <a:effectLst/>
+                          <a:latin typeface="Noto Sans CJK TC Light" panose="020B0300000000000000" pitchFamily="34" charset="-120"/>
+                          <a:ea typeface="Noto Sans CJK TC Light" panose="020B0300000000000000" pitchFamily="34" charset="-120"/>
+                        </a:rPr>
+                        <a:t>列計總價</a:t>
+                      </a:r>
+                      <a:endParaRPr lang="en-US" altLang="zh-TW" sz="1000" b="1" i="0" u="none" strike="noStrike" dirty="0">
+                        <a:solidFill>
+                          <a:srgbClr val="000000"/>
+                        </a:solidFill>
+                        <a:effectLst/>
+                        <a:latin typeface="Noto Sans CJK TC Light" panose="020B0300000000000000" pitchFamily="34" charset="-120"/>
+                        <a:ea typeface="Noto Sans CJK TC Light" panose="020B0300000000000000" pitchFamily="34" charset="-120"/>
+                      </a:endParaRPr>
+                    </a:p>
+                  </a:txBody>
+                  <a:tcPr marL="3032" marR="3032" marT="3032" marB="0"/>
+                </a:tc>
+                <a:extLst>
+                  <a:ext uri="{0D108BD9-81ED-4DB2-BD59-A6C34878D82A}">
+                    <a16:rowId xmlns:a16="http://schemas.microsoft.com/office/drawing/2014/main" val="849748564"/>
+                  </a:ext>
+                </a:extLst>
+              </a:tr>
+              <a:tr h="176286">
+                <a:tc>
+                  <a:txBody>
+                    <a:bodyPr/>
+                    <a:lstStyle/>
+                    <a:p>
+                      <a:pPr algn="l" rtl="0" fontAlgn="t"/>
+                      <a:r>
+                        <a:rPr lang="zh-TW" altLang="en-US" sz="1000" b="1" i="0" u="none" strike="noStrike" dirty="0">
+                          <a:solidFill>
+                            <a:srgbClr val="000000"/>
+                          </a:solidFill>
+                          <a:effectLst/>
+                          <a:latin typeface="Noto Sans CJK TC Light" panose="020B0300000000000000" pitchFamily="34" charset="-120"/>
+                          <a:ea typeface="Noto Sans CJK TC Light" panose="020B0300000000000000" pitchFamily="34" charset="-120"/>
+                        </a:rPr>
+                        <a:t>不動產列計總額</a:t>
+                      </a:r>
+                      <a:endParaRPr lang="en-US" altLang="zh-TW" sz="1000" b="1" i="0" u="none" strike="noStrike" dirty="0">
+                        <a:solidFill>
+                          <a:srgbClr val="000000"/>
+                        </a:solidFill>
+                        <a:effectLst/>
+                        <a:latin typeface="Noto Sans CJK TC Light" panose="020B0300000000000000" pitchFamily="34" charset="-120"/>
+                        <a:ea typeface="Noto Sans CJK TC Light" panose="020B0300000000000000" pitchFamily="34" charset="-120"/>
+                      </a:endParaRPr>
+                    </a:p>
+                  </a:txBody>
+                  <a:tcPr marL="3032" marR="3032" marT="3032" marB="0"/>
+                </a:tc>
+                <a:extLst>
+                  <a:ext uri="{0D108BD9-81ED-4DB2-BD59-A6C34878D82A}">
+                    <a16:rowId xmlns:a16="http://schemas.microsoft.com/office/drawing/2014/main" val="1068696818"/>
+                  </a:ext>
+                </a:extLst>
+              </a:tr>
+              <a:tr h="176286">
+                <a:tc>
+                  <a:txBody>
+                    <a:bodyPr/>
+                    <a:lstStyle/>
+                    <a:p>
+                      <a:pPr algn="l" rtl="0" fontAlgn="t"/>
+                      <a:r>
+                        <a:rPr lang="zh-TW" altLang="en-US" sz="1000" b="1" i="0" u="none" strike="noStrike" dirty="0">
+                          <a:solidFill>
+                            <a:srgbClr val="000000"/>
+                          </a:solidFill>
+                          <a:effectLst/>
+                          <a:latin typeface="Noto Sans CJK TC Light" panose="020B0300000000000000" pitchFamily="34" charset="-120"/>
+                          <a:ea typeface="Noto Sans CJK TC Light" panose="020B0300000000000000" pitchFamily="34" charset="-120"/>
+                        </a:rPr>
+                        <a:t>是否扶助</a:t>
+                      </a:r>
+                      <a:endParaRPr lang="en-US" altLang="zh-TW" sz="1000" b="1" i="0" u="none" strike="noStrike" dirty="0">
+                        <a:solidFill>
+                          <a:srgbClr val="000000"/>
+                        </a:solidFill>
+                        <a:effectLst/>
+                        <a:latin typeface="Noto Sans CJK TC Light" panose="020B0300000000000000" pitchFamily="34" charset="-120"/>
+                        <a:ea typeface="Noto Sans CJK TC Light" panose="020B0300000000000000" pitchFamily="34" charset="-120"/>
+                      </a:endParaRPr>
+                    </a:p>
+                  </a:txBody>
+                  <a:tcPr marL="3032" marR="3032" marT="3032" marB="0"/>
+                </a:tc>
+                <a:extLst>
+                  <a:ext uri="{0D108BD9-81ED-4DB2-BD59-A6C34878D82A}">
+                    <a16:rowId xmlns:a16="http://schemas.microsoft.com/office/drawing/2014/main" val="522902939"/>
+                  </a:ext>
+                </a:extLst>
+              </a:tr>
+              <a:tr h="176286">
+                <a:tc>
+                  <a:txBody>
+                    <a:bodyPr/>
+                    <a:lstStyle/>
+                    <a:p>
+                      <a:pPr marL="0" marR="0" lvl="0" indent="0" algn="l" defTabSz="1651132" rtl="0" eaLnBrk="1" fontAlgn="t" latinLnBrk="0" hangingPunct="1">
+                        <a:lnSpc>
+                          <a:spcPct val="100000"/>
+                        </a:lnSpc>
+                        <a:spcBef>
+                          <a:spcPts val="0"/>
+                        </a:spcBef>
+                        <a:spcAft>
+                          <a:spcPts val="0"/>
+                        </a:spcAft>
+                        <a:buClrTx/>
+                        <a:buSzTx/>
+                        <a:buFontTx/>
+                        <a:buNone/>
+                        <a:tabLst/>
+                        <a:defRPr/>
+                      </a:pPr>
+                      <a:r>
+                        <a:rPr lang="zh-TW" altLang="en-US" sz="1000" b="1" i="0" u="none" strike="noStrike" dirty="0">
+                          <a:solidFill>
+                            <a:srgbClr val="000000"/>
+                          </a:solidFill>
+                          <a:effectLst/>
+                          <a:latin typeface="Noto Sans CJK TC Light" panose="020B0300000000000000" pitchFamily="34" charset="-120"/>
+                          <a:ea typeface="Noto Sans CJK TC Light" panose="020B0300000000000000" pitchFamily="34" charset="-120"/>
+                        </a:rPr>
+                        <a:t>扶助級別</a:t>
+                      </a:r>
+                      <a:endParaRPr lang="en-US" altLang="zh-TW" sz="1000" b="1" i="0" u="none" strike="noStrike" dirty="0">
+                        <a:solidFill>
+                          <a:srgbClr val="000000"/>
+                        </a:solidFill>
+                        <a:effectLst/>
+                        <a:latin typeface="Noto Sans CJK TC Light" panose="020B0300000000000000" pitchFamily="34" charset="-120"/>
+                        <a:ea typeface="Noto Sans CJK TC Light" panose="020B0300000000000000" pitchFamily="34" charset="-120"/>
+                      </a:endParaRPr>
+                    </a:p>
+                  </a:txBody>
+                  <a:tcPr marL="3032" marR="3032" marT="3032" marB="0"/>
+                </a:tc>
+                <a:extLst>
+                  <a:ext uri="{0D108BD9-81ED-4DB2-BD59-A6C34878D82A}">
+                    <a16:rowId xmlns:a16="http://schemas.microsoft.com/office/drawing/2014/main" val="2795056802"/>
+                  </a:ext>
+                </a:extLst>
+              </a:tr>
+              <a:tr h="176286">
+                <a:tc>
+                  <a:txBody>
+                    <a:bodyPr/>
+                    <a:lstStyle/>
+                    <a:p>
+                      <a:pPr marL="0" marR="0" lvl="0" indent="0" algn="l" defTabSz="1651132" rtl="0" eaLnBrk="1" fontAlgn="t" latinLnBrk="0" hangingPunct="1">
+                        <a:lnSpc>
+                          <a:spcPct val="100000"/>
+                        </a:lnSpc>
+                        <a:spcBef>
+                          <a:spcPts val="0"/>
+                        </a:spcBef>
+                        <a:spcAft>
+                          <a:spcPts val="0"/>
+                        </a:spcAft>
+                        <a:buClrTx/>
+                        <a:buSzTx/>
+                        <a:buFontTx/>
+                        <a:buNone/>
+                        <a:tabLst/>
+                        <a:defRPr/>
+                      </a:pPr>
+                      <a:r>
+                        <a:rPr lang="zh-TW" altLang="en-US" sz="1000" b="1" i="0" u="none" strike="noStrike" dirty="0">
+                          <a:solidFill>
+                            <a:srgbClr val="000000"/>
+                          </a:solidFill>
+                          <a:effectLst/>
+                          <a:latin typeface="Noto Sans CJK TC Light" panose="020B0300000000000000" pitchFamily="34" charset="-120"/>
+                          <a:ea typeface="Noto Sans CJK TC Light" panose="020B0300000000000000" pitchFamily="34" charset="-120"/>
+                        </a:rPr>
+                        <a:t>扶助用語</a:t>
+                      </a:r>
+                      <a:endParaRPr lang="en-US" altLang="zh-TW" sz="1000" b="1" i="0" u="none" strike="noStrike" dirty="0">
+                        <a:solidFill>
+                          <a:srgbClr val="000000"/>
+                        </a:solidFill>
+                        <a:effectLst/>
+                        <a:latin typeface="Noto Sans CJK TC Light" panose="020B0300000000000000" pitchFamily="34" charset="-120"/>
+                        <a:ea typeface="Noto Sans CJK TC Light" panose="020B0300000000000000" pitchFamily="34" charset="-120"/>
+                      </a:endParaRPr>
+                    </a:p>
+                  </a:txBody>
+                  <a:tcPr marL="3032" marR="3032" marT="3032" marB="0"/>
+                </a:tc>
+                <a:extLst>
+                  <a:ext uri="{0D108BD9-81ED-4DB2-BD59-A6C34878D82A}">
+                    <a16:rowId xmlns:a16="http://schemas.microsoft.com/office/drawing/2014/main" val="2473170423"/>
+                  </a:ext>
+                </a:extLst>
+              </a:tr>
+              <a:tr h="176286">
+                <a:tc>
+                  <a:txBody>
+                    <a:bodyPr/>
+                    <a:lstStyle/>
+                    <a:p>
+                      <a:pPr marL="0" marR="0" lvl="0" indent="0" algn="l" defTabSz="1651132" rtl="0" eaLnBrk="1" fontAlgn="t" latinLnBrk="0" hangingPunct="1">
+                        <a:lnSpc>
+                          <a:spcPct val="100000"/>
+                        </a:lnSpc>
+                        <a:spcBef>
+                          <a:spcPts val="0"/>
+                        </a:spcBef>
+                        <a:spcAft>
+                          <a:spcPts val="0"/>
+                        </a:spcAft>
+                        <a:buClrTx/>
+                        <a:buSzTx/>
+                        <a:buFontTx/>
+                        <a:buNone/>
+                        <a:tabLst/>
+                        <a:defRPr/>
+                      </a:pPr>
+                      <a:r>
+                        <a:rPr lang="zh-TW" altLang="en-US" sz="1000" b="1" i="0" u="none" strike="noStrike" dirty="0">
+                          <a:solidFill>
+                            <a:srgbClr val="000000"/>
+                          </a:solidFill>
+                          <a:effectLst/>
+                          <a:latin typeface="Noto Sans CJK TC Light" panose="020B0300000000000000" pitchFamily="34" charset="-120"/>
+                          <a:ea typeface="Noto Sans CJK TC Light" panose="020B0300000000000000" pitchFamily="34" charset="-120"/>
+                        </a:rPr>
+                        <a:t>整體家況敘述</a:t>
+                      </a:r>
+                      <a:r>
+                        <a:rPr lang="en-US" altLang="zh-TW" sz="1000" b="1" i="0" u="none" strike="noStrike" dirty="0">
+                          <a:solidFill>
+                            <a:srgbClr val="000000"/>
+                          </a:solidFill>
+                          <a:effectLst/>
+                          <a:latin typeface="Noto Sans CJK TC Light" panose="020B0300000000000000" pitchFamily="34" charset="-120"/>
+                          <a:ea typeface="Noto Sans CJK TC Light" panose="020B0300000000000000" pitchFamily="34" charset="-120"/>
+                        </a:rPr>
+                        <a:t>-</a:t>
+                      </a:r>
+                      <a:r>
+                        <a:rPr lang="zh-TW" altLang="en-US" sz="1000" b="1" i="0" u="none" strike="noStrike" dirty="0">
+                          <a:solidFill>
+                            <a:srgbClr val="000000"/>
+                          </a:solidFill>
+                          <a:effectLst/>
+                          <a:latin typeface="Noto Sans CJK TC Light" panose="020B0300000000000000" pitchFamily="34" charset="-120"/>
+                          <a:ea typeface="Noto Sans CJK TC Light" panose="020B0300000000000000" pitchFamily="34" charset="-120"/>
+                        </a:rPr>
+                        <a:t>公所</a:t>
+                      </a:r>
+                      <a:endParaRPr lang="en-US" altLang="zh-TW" sz="1000" b="1" i="0" u="none" strike="noStrike" dirty="0">
+                        <a:solidFill>
+                          <a:srgbClr val="000000"/>
+                        </a:solidFill>
+                        <a:effectLst/>
+                        <a:latin typeface="Noto Sans CJK TC Light" panose="020B0300000000000000" pitchFamily="34" charset="-120"/>
+                        <a:ea typeface="Noto Sans CJK TC Light" panose="020B0300000000000000" pitchFamily="34" charset="-120"/>
+                      </a:endParaRPr>
+                    </a:p>
+                  </a:txBody>
+                  <a:tcPr marL="3032" marR="3032" marT="3032" marB="0"/>
+                </a:tc>
+                <a:extLst>
+                  <a:ext uri="{0D108BD9-81ED-4DB2-BD59-A6C34878D82A}">
+                    <a16:rowId xmlns:a16="http://schemas.microsoft.com/office/drawing/2014/main" val="4243716146"/>
+                  </a:ext>
+                </a:extLst>
+              </a:tr>
+              <a:tr h="176286">
+                <a:tc>
+                  <a:txBody>
+                    <a:bodyPr/>
+                    <a:lstStyle/>
+                    <a:p>
+                      <a:pPr marL="0" marR="0" lvl="0" indent="0" algn="l" defTabSz="1651132" rtl="0" eaLnBrk="1" fontAlgn="t" latinLnBrk="0" hangingPunct="1">
+                        <a:lnSpc>
+                          <a:spcPct val="100000"/>
+                        </a:lnSpc>
+                        <a:spcBef>
+                          <a:spcPts val="0"/>
+                        </a:spcBef>
+                        <a:spcAft>
+                          <a:spcPts val="0"/>
+                        </a:spcAft>
+                        <a:buClrTx/>
+                        <a:buSzTx/>
+                        <a:buFontTx/>
+                        <a:buNone/>
+                        <a:tabLst/>
+                        <a:defRPr/>
+                      </a:pPr>
+                      <a:r>
+                        <a:rPr lang="zh-TW" altLang="en-US" sz="1000" b="1" i="0" u="none" strike="noStrike" dirty="0">
+                          <a:solidFill>
+                            <a:srgbClr val="000000"/>
+                          </a:solidFill>
+                          <a:effectLst/>
+                          <a:latin typeface="Noto Sans CJK TC Light" panose="020B0300000000000000" pitchFamily="34" charset="-120"/>
+                          <a:ea typeface="Noto Sans CJK TC Light" panose="020B0300000000000000" pitchFamily="34" charset="-120"/>
+                        </a:rPr>
+                        <a:t>整體家況敘述</a:t>
+                      </a:r>
+                      <a:r>
+                        <a:rPr lang="en-US" altLang="zh-TW" sz="1000" b="1" i="0" u="none" strike="noStrike" dirty="0">
+                          <a:solidFill>
+                            <a:srgbClr val="000000"/>
+                          </a:solidFill>
+                          <a:effectLst/>
+                          <a:latin typeface="Noto Sans CJK TC Light" panose="020B0300000000000000" pitchFamily="34" charset="-120"/>
+                          <a:ea typeface="Noto Sans CJK TC Light" panose="020B0300000000000000" pitchFamily="34" charset="-120"/>
+                        </a:rPr>
+                        <a:t>-</a:t>
+                      </a:r>
+                      <a:r>
+                        <a:rPr lang="zh-TW" altLang="en-US" sz="1000" b="1" i="0" u="none" strike="noStrike" dirty="0">
+                          <a:solidFill>
+                            <a:srgbClr val="000000"/>
+                          </a:solidFill>
+                          <a:effectLst/>
+                          <a:latin typeface="Noto Sans CJK TC Light" panose="020B0300000000000000" pitchFamily="34" charset="-120"/>
+                          <a:ea typeface="Noto Sans CJK TC Light" panose="020B0300000000000000" pitchFamily="34" charset="-120"/>
+                        </a:rPr>
+                        <a:t>局處</a:t>
+                      </a:r>
+                      <a:endParaRPr lang="en-US" altLang="zh-TW" sz="1000" b="1" i="0" u="none" strike="noStrike" dirty="0">
+                        <a:solidFill>
+                          <a:srgbClr val="000000"/>
+                        </a:solidFill>
+                        <a:effectLst/>
+                        <a:latin typeface="Noto Sans CJK TC Light" panose="020B0300000000000000" pitchFamily="34" charset="-120"/>
+                        <a:ea typeface="Noto Sans CJK TC Light" panose="020B0300000000000000" pitchFamily="34" charset="-120"/>
+                      </a:endParaRPr>
+                    </a:p>
+                  </a:txBody>
+                  <a:tcPr marL="3032" marR="3032" marT="3032" marB="0"/>
+                </a:tc>
+                <a:extLst>
+                  <a:ext uri="{0D108BD9-81ED-4DB2-BD59-A6C34878D82A}">
+                    <a16:rowId xmlns:a16="http://schemas.microsoft.com/office/drawing/2014/main" val="1351046817"/>
+                  </a:ext>
+                </a:extLst>
+              </a:tr>
+              <a:tr h="176286">
+                <a:tc>
+                  <a:txBody>
+                    <a:bodyPr/>
+                    <a:lstStyle/>
+                    <a:p>
+                      <a:pPr algn="l" rtl="0" fontAlgn="t"/>
+                      <a:r>
+                        <a:rPr lang="zh-TW" altLang="en-US" sz="1000" b="1" i="0" u="none" strike="noStrike" dirty="0">
+                          <a:solidFill>
+                            <a:srgbClr val="000000"/>
+                          </a:solidFill>
+                          <a:effectLst/>
+                          <a:latin typeface="Noto Sans CJK TC Light" panose="020B0300000000000000" pitchFamily="34" charset="-120"/>
+                          <a:ea typeface="Noto Sans CJK TC Light" panose="020B0300000000000000" pitchFamily="34" charset="-120"/>
+                        </a:rPr>
+                        <a:t>備註</a:t>
+                      </a:r>
+                    </a:p>
+                  </a:txBody>
+                  <a:tcPr marL="3032" marR="3032" marT="3032" marB="0"/>
+                </a:tc>
+                <a:extLst>
+                  <a:ext uri="{0D108BD9-81ED-4DB2-BD59-A6C34878D82A}">
+                    <a16:rowId xmlns:a16="http://schemas.microsoft.com/office/drawing/2014/main" val="2789114057"/>
+                  </a:ext>
+                </a:extLst>
+              </a:tr>
+              <a:tr h="176286">
+                <a:tc>
+                  <a:txBody>
+                    <a:bodyPr/>
+                    <a:lstStyle/>
+                    <a:p>
+                      <a:pPr algn="l" rtl="0" fontAlgn="t"/>
+                      <a:r>
+                        <a:rPr lang="zh-TW" altLang="en-US" sz="1000" u="none" strike="noStrike" dirty="0">
+                          <a:effectLst/>
+                          <a:latin typeface="Noto Sans CJK TC Light" panose="020B0300000000000000" pitchFamily="34" charset="-120"/>
+                          <a:ea typeface="Noto Sans CJK TC Light" panose="020B0300000000000000" pitchFamily="34" charset="-120"/>
+                        </a:rPr>
+                        <a:t>修改人編號</a:t>
                       </a:r>
                       <a:endParaRPr lang="zh-TW" altLang="en-US" sz="1000" b="1" i="0" u="none" strike="noStrike" dirty="0">
                         <a:solidFill>
@@ -12241,7 +13925,7 @@
                 </a:tc>
                 <a:extLst>
                   <a:ext uri="{0D108BD9-81ED-4DB2-BD59-A6C34878D82A}">
-                    <a16:rowId xmlns:a16="http://schemas.microsoft.com/office/drawing/2014/main" val="1589439018"/>
+                    <a16:rowId xmlns:a16="http://schemas.microsoft.com/office/drawing/2014/main" val="3150902896"/>
                   </a:ext>
                 </a:extLst>
               </a:tr>
@@ -12258,7 +13942,7 @@
                           <a:latin typeface="Noto Sans CJK TC Light" panose="020B0300000000000000" pitchFamily="34" charset="-120"/>
                           <a:ea typeface="Noto Sans CJK TC Light" panose="020B0300000000000000" pitchFamily="34" charset="-120"/>
                         </a:rPr>
-                        <a:t>役男姓名</a:t>
+                        <a:t>修改人單位</a:t>
                       </a:r>
                       <a:endParaRPr lang="zh-TW" altLang="en-US" sz="1000" b="1" i="0" u="none" strike="noStrike" dirty="0">
                         <a:solidFill>
@@ -12274,7 +13958,7 @@
                 </a:tc>
                 <a:extLst>
                   <a:ext uri="{0D108BD9-81ED-4DB2-BD59-A6C34878D82A}">
-                    <a16:rowId xmlns:a16="http://schemas.microsoft.com/office/drawing/2014/main" val="46323184"/>
+                    <a16:rowId xmlns:a16="http://schemas.microsoft.com/office/drawing/2014/main" val="482550264"/>
                   </a:ext>
                 </a:extLst>
               </a:tr>
@@ -12291,7 +13975,7 @@
                           <a:latin typeface="Noto Sans CJK TC Light" panose="020B0300000000000000" pitchFamily="34" charset="-120"/>
                           <a:ea typeface="Noto Sans CJK TC Light" panose="020B0300000000000000" pitchFamily="34" charset="-120"/>
                         </a:rPr>
-                        <a:t>身分證</a:t>
+                        <a:t>修改人姓名</a:t>
                       </a:r>
                       <a:endParaRPr lang="zh-TW" altLang="en-US" sz="1000" b="1" i="0" u="none" strike="noStrike" dirty="0">
                         <a:solidFill>
@@ -12307,532 +13991,6 @@
                 </a:tc>
                 <a:extLst>
                   <a:ext uri="{0D108BD9-81ED-4DB2-BD59-A6C34878D82A}">
-                    <a16:rowId xmlns:a16="http://schemas.microsoft.com/office/drawing/2014/main" val="804918419"/>
-                  </a:ext>
-                </a:extLst>
-              </a:tr>
-              <a:tr h="176286">
-                <a:tc>
-                  <a:txBody>
-                    <a:bodyPr/>
-                    <a:lstStyle/>
-                    <a:p>
-                      <a:pPr algn="l" rtl="0" fontAlgn="t"/>
-                      <a:r>
-                        <a:rPr lang="en-US" sz="1000" u="none" strike="noStrike" dirty="0">
-                          <a:effectLst/>
-                          <a:latin typeface="Noto Sans CJK TC Light" panose="020B0300000000000000" pitchFamily="34" charset="-120"/>
-                          <a:ea typeface="Noto Sans CJK TC Light" panose="020B0300000000000000" pitchFamily="34" charset="-120"/>
-                        </a:rPr>
-                        <a:t>town</a:t>
-                      </a:r>
-                      <a:endParaRPr lang="en-US" sz="1000" b="1" i="0" u="none" strike="noStrike" dirty="0">
-                        <a:solidFill>
-                          <a:srgbClr val="000000"/>
-                        </a:solidFill>
-                        <a:effectLst/>
-                        <a:latin typeface="Noto Sans CJK TC Light" panose="020B0300000000000000" pitchFamily="34" charset="-120"/>
-                        <a:ea typeface="Noto Sans CJK TC Light" panose="020B0300000000000000" pitchFamily="34" charset="-120"/>
-                      </a:endParaRPr>
-                    </a:p>
-                  </a:txBody>
-                  <a:tcPr marL="3032" marR="3032" marT="3032" marB="0"/>
-                </a:tc>
-                <a:extLst>
-                  <a:ext uri="{0D108BD9-81ED-4DB2-BD59-A6C34878D82A}">
-                    <a16:rowId xmlns:a16="http://schemas.microsoft.com/office/drawing/2014/main" val="4169362915"/>
-                  </a:ext>
-                </a:extLst>
-              </a:tr>
-              <a:tr h="176286">
-                <a:tc>
-                  <a:txBody>
-                    <a:bodyPr/>
-                    <a:lstStyle/>
-                    <a:p>
-                      <a:pPr algn="l" rtl="0" fontAlgn="t"/>
-                      <a:r>
-                        <a:rPr lang="en-US" sz="1000" u="none" strike="noStrike" dirty="0">
-                          <a:effectLst/>
-                          <a:latin typeface="Noto Sans CJK TC Light" panose="020B0300000000000000" pitchFamily="34" charset="-120"/>
-                          <a:ea typeface="Noto Sans CJK TC Light" panose="020B0300000000000000" pitchFamily="34" charset="-120"/>
-                        </a:rPr>
-                        <a:t>county</a:t>
-                      </a:r>
-                      <a:endParaRPr lang="en-US" sz="1000" b="1" i="0" u="none" strike="noStrike" dirty="0">
-                        <a:solidFill>
-                          <a:srgbClr val="000000"/>
-                        </a:solidFill>
-                        <a:effectLst/>
-                        <a:latin typeface="Noto Sans CJK TC Light" panose="020B0300000000000000" pitchFamily="34" charset="-120"/>
-                        <a:ea typeface="Noto Sans CJK TC Light" panose="020B0300000000000000" pitchFamily="34" charset="-120"/>
-                      </a:endParaRPr>
-                    </a:p>
-                  </a:txBody>
-                  <a:tcPr marL="3032" marR="3032" marT="3032" marB="0"/>
-                </a:tc>
-                <a:extLst>
-                  <a:ext uri="{0D108BD9-81ED-4DB2-BD59-A6C34878D82A}">
-                    <a16:rowId xmlns:a16="http://schemas.microsoft.com/office/drawing/2014/main" val="3775892937"/>
-                  </a:ext>
-                </a:extLst>
-              </a:tr>
-              <a:tr h="176286">
-                <a:tc>
-                  <a:txBody>
-                    <a:bodyPr/>
-                    <a:lstStyle/>
-                    <a:p>
-                      <a:pPr algn="l" rtl="0" fontAlgn="t"/>
-                      <a:r>
-                        <a:rPr lang="en-US" sz="1000" u="none" strike="noStrike" dirty="0">
-                          <a:effectLst/>
-                          <a:latin typeface="Noto Sans CJK TC Light" panose="020B0300000000000000" pitchFamily="34" charset="-120"/>
-                          <a:ea typeface="Noto Sans CJK TC Light" panose="020B0300000000000000" pitchFamily="34" charset="-120"/>
-                        </a:rPr>
-                        <a:t>village</a:t>
-                      </a:r>
-                      <a:endParaRPr lang="en-US" sz="1000" b="1" i="0" u="none" strike="noStrike" dirty="0">
-                        <a:solidFill>
-                          <a:srgbClr val="000000"/>
-                        </a:solidFill>
-                        <a:effectLst/>
-                        <a:latin typeface="Noto Sans CJK TC Light" panose="020B0300000000000000" pitchFamily="34" charset="-120"/>
-                        <a:ea typeface="Noto Sans CJK TC Light" panose="020B0300000000000000" pitchFamily="34" charset="-120"/>
-                      </a:endParaRPr>
-                    </a:p>
-                  </a:txBody>
-                  <a:tcPr marL="3032" marR="3032" marT="3032" marB="0"/>
-                </a:tc>
-                <a:extLst>
-                  <a:ext uri="{0D108BD9-81ED-4DB2-BD59-A6C34878D82A}">
-                    <a16:rowId xmlns:a16="http://schemas.microsoft.com/office/drawing/2014/main" val="27037084"/>
-                  </a:ext>
-                </a:extLst>
-              </a:tr>
-              <a:tr h="176286">
-                <a:tc>
-                  <a:txBody>
-                    <a:bodyPr/>
-                    <a:lstStyle/>
-                    <a:p>
-                      <a:pPr algn="l" rtl="0" fontAlgn="t"/>
-                      <a:r>
-                        <a:rPr lang="zh-TW" altLang="en-US" sz="1000" u="none" strike="noStrike" dirty="0">
-                          <a:effectLst/>
-                          <a:latin typeface="Noto Sans CJK TC Light" panose="020B0300000000000000" pitchFamily="34" charset="-120"/>
-                          <a:ea typeface="Noto Sans CJK TC Light" panose="020B0300000000000000" pitchFamily="34" charset="-120"/>
-                        </a:rPr>
-                        <a:t>戶籍地址</a:t>
-                      </a:r>
-                      <a:endParaRPr lang="zh-TW" altLang="en-US" sz="1000" b="1" i="0" u="none" strike="noStrike" dirty="0">
-                        <a:solidFill>
-                          <a:srgbClr val="000000"/>
-                        </a:solidFill>
-                        <a:effectLst/>
-                        <a:latin typeface="Noto Sans CJK TC Light" panose="020B0300000000000000" pitchFamily="34" charset="-120"/>
-                        <a:ea typeface="Noto Sans CJK TC Light" panose="020B0300000000000000" pitchFamily="34" charset="-120"/>
-                      </a:endParaRPr>
-                    </a:p>
-                  </a:txBody>
-                  <a:tcPr marL="3032" marR="3032" marT="3032" marB="0"/>
-                </a:tc>
-                <a:extLst>
-                  <a:ext uri="{0D108BD9-81ED-4DB2-BD59-A6C34878D82A}">
-                    <a16:rowId xmlns:a16="http://schemas.microsoft.com/office/drawing/2014/main" val="1948238142"/>
-                  </a:ext>
-                </a:extLst>
-              </a:tr>
-              <a:tr h="176286">
-                <a:tc>
-                  <a:txBody>
-                    <a:bodyPr/>
-                    <a:lstStyle/>
-                    <a:p>
-                      <a:pPr algn="l" rtl="0" fontAlgn="t"/>
-                      <a:r>
-                        <a:rPr lang="zh-TW" altLang="en-US" sz="1000" u="none" strike="noStrike" dirty="0">
-                          <a:effectLst/>
-                          <a:latin typeface="Noto Sans CJK TC Light" panose="020B0300000000000000" pitchFamily="34" charset="-120"/>
-                          <a:ea typeface="Noto Sans CJK TC Light" panose="020B0300000000000000" pitchFamily="34" charset="-120"/>
-                        </a:rPr>
-                        <a:t>聯絡電話</a:t>
-                      </a:r>
-                      <a:r>
-                        <a:rPr lang="en-US" altLang="zh-TW" sz="1000" u="none" strike="noStrike" dirty="0">
-                          <a:effectLst/>
-                          <a:latin typeface="Noto Sans CJK TC Light" panose="020B0300000000000000" pitchFamily="34" charset="-120"/>
-                          <a:ea typeface="Noto Sans CJK TC Light" panose="020B0300000000000000" pitchFamily="34" charset="-120"/>
-                        </a:rPr>
-                        <a:t>1</a:t>
-                      </a:r>
-                      <a:endParaRPr lang="en-US" altLang="zh-TW" sz="1000" b="1" i="0" u="none" strike="noStrike" dirty="0">
-                        <a:solidFill>
-                          <a:srgbClr val="000000"/>
-                        </a:solidFill>
-                        <a:effectLst/>
-                        <a:latin typeface="Noto Sans CJK TC Light" panose="020B0300000000000000" pitchFamily="34" charset="-120"/>
-                        <a:ea typeface="Noto Sans CJK TC Light" panose="020B0300000000000000" pitchFamily="34" charset="-120"/>
-                      </a:endParaRPr>
-                    </a:p>
-                  </a:txBody>
-                  <a:tcPr marL="3032" marR="3032" marT="3032" marB="0"/>
-                </a:tc>
-                <a:extLst>
-                  <a:ext uri="{0D108BD9-81ED-4DB2-BD59-A6C34878D82A}">
-                    <a16:rowId xmlns:a16="http://schemas.microsoft.com/office/drawing/2014/main" val="2861930814"/>
-                  </a:ext>
-                </a:extLst>
-              </a:tr>
-              <a:tr h="176286">
-                <a:tc>
-                  <a:txBody>
-                    <a:bodyPr/>
-                    <a:lstStyle/>
-                    <a:p>
-                      <a:pPr algn="l" rtl="0" fontAlgn="t"/>
-                      <a:r>
-                        <a:rPr lang="zh-TW" altLang="en-US" sz="1000" u="none" strike="noStrike" dirty="0">
-                          <a:effectLst/>
-                          <a:latin typeface="Noto Sans CJK TC Light" panose="020B0300000000000000" pitchFamily="34" charset="-120"/>
-                          <a:ea typeface="Noto Sans CJK TC Light" panose="020B0300000000000000" pitchFamily="34" charset="-120"/>
-                        </a:rPr>
-                        <a:t>聯絡電話</a:t>
-                      </a:r>
-                      <a:r>
-                        <a:rPr lang="en-US" altLang="zh-TW" sz="1000" u="none" strike="noStrike" dirty="0">
-                          <a:effectLst/>
-                          <a:latin typeface="Noto Sans CJK TC Light" panose="020B0300000000000000" pitchFamily="34" charset="-120"/>
-                          <a:ea typeface="Noto Sans CJK TC Light" panose="020B0300000000000000" pitchFamily="34" charset="-120"/>
-                        </a:rPr>
-                        <a:t>2</a:t>
-                      </a:r>
-                      <a:endParaRPr lang="en-US" altLang="zh-TW" sz="1000" b="1" i="0" u="none" strike="noStrike" dirty="0">
-                        <a:solidFill>
-                          <a:srgbClr val="000000"/>
-                        </a:solidFill>
-                        <a:effectLst/>
-                        <a:latin typeface="Noto Sans CJK TC Light" panose="020B0300000000000000" pitchFamily="34" charset="-120"/>
-                        <a:ea typeface="Noto Sans CJK TC Light" panose="020B0300000000000000" pitchFamily="34" charset="-120"/>
-                      </a:endParaRPr>
-                    </a:p>
-                  </a:txBody>
-                  <a:tcPr marL="3032" marR="3032" marT="3032" marB="0"/>
-                </a:tc>
-                <a:extLst>
-                  <a:ext uri="{0D108BD9-81ED-4DB2-BD59-A6C34878D82A}">
-                    <a16:rowId xmlns:a16="http://schemas.microsoft.com/office/drawing/2014/main" val="657986330"/>
-                  </a:ext>
-                </a:extLst>
-              </a:tr>
-              <a:tr h="176286">
-                <a:tc>
-                  <a:txBody>
-                    <a:bodyPr/>
-                    <a:lstStyle/>
-                    <a:p>
-                      <a:pPr algn="l" rtl="0" fontAlgn="t"/>
-                      <a:r>
-                        <a:rPr lang="zh-TW" altLang="en-US" sz="1000" u="none" strike="noStrike" dirty="0">
-                          <a:effectLst/>
-                          <a:latin typeface="Noto Sans CJK TC Light" panose="020B0300000000000000" pitchFamily="34" charset="-120"/>
-                          <a:ea typeface="Noto Sans CJK TC Light" panose="020B0300000000000000" pitchFamily="34" charset="-120"/>
-                        </a:rPr>
-                        <a:t>聯絡電話</a:t>
-                      </a:r>
-                      <a:r>
-                        <a:rPr lang="en-US" altLang="zh-TW" sz="1000" u="none" strike="noStrike" dirty="0">
-                          <a:effectLst/>
-                          <a:latin typeface="Noto Sans CJK TC Light" panose="020B0300000000000000" pitchFamily="34" charset="-120"/>
-                          <a:ea typeface="Noto Sans CJK TC Light" panose="020B0300000000000000" pitchFamily="34" charset="-120"/>
-                        </a:rPr>
-                        <a:t>3</a:t>
-                      </a:r>
-                      <a:endParaRPr lang="en-US" altLang="zh-TW" sz="1000" b="1" i="0" u="none" strike="noStrike" dirty="0">
-                        <a:solidFill>
-                          <a:srgbClr val="000000"/>
-                        </a:solidFill>
-                        <a:effectLst/>
-                        <a:latin typeface="Noto Sans CJK TC Light" panose="020B0300000000000000" pitchFamily="34" charset="-120"/>
-                        <a:ea typeface="Noto Sans CJK TC Light" panose="020B0300000000000000" pitchFamily="34" charset="-120"/>
-                      </a:endParaRPr>
-                    </a:p>
-                  </a:txBody>
-                  <a:tcPr marL="3032" marR="3032" marT="3032" marB="0"/>
-                </a:tc>
-                <a:extLst>
-                  <a:ext uri="{0D108BD9-81ED-4DB2-BD59-A6C34878D82A}">
-                    <a16:rowId xmlns:a16="http://schemas.microsoft.com/office/drawing/2014/main" val="3363141317"/>
-                  </a:ext>
-                </a:extLst>
-              </a:tr>
-              <a:tr h="176286">
-                <a:tc>
-                  <a:txBody>
-                    <a:bodyPr/>
-                    <a:lstStyle/>
-                    <a:p>
-                      <a:pPr algn="l" rtl="0" fontAlgn="t"/>
-                      <a:r>
-                        <a:rPr lang="zh-TW" altLang="en-US" sz="1000" b="1" i="0" u="none" strike="noStrike" dirty="0">
-                          <a:solidFill>
-                            <a:srgbClr val="000000"/>
-                          </a:solidFill>
-                          <a:effectLst/>
-                          <a:latin typeface="Noto Sans CJK TC Light" panose="020B0300000000000000" pitchFamily="34" charset="-120"/>
-                          <a:ea typeface="Noto Sans CJK TC Light" panose="020B0300000000000000" pitchFamily="34" charset="-120"/>
-                        </a:rPr>
-                        <a:t>總扶助人口</a:t>
-                      </a:r>
-                      <a:endParaRPr lang="en-US" altLang="zh-TW" sz="1000" b="1" i="0" u="none" strike="noStrike" dirty="0">
-                        <a:solidFill>
-                          <a:srgbClr val="000000"/>
-                        </a:solidFill>
-                        <a:effectLst/>
-                        <a:latin typeface="Noto Sans CJK TC Light" panose="020B0300000000000000" pitchFamily="34" charset="-120"/>
-                        <a:ea typeface="Noto Sans CJK TC Light" panose="020B0300000000000000" pitchFamily="34" charset="-120"/>
-                      </a:endParaRPr>
-                    </a:p>
-                  </a:txBody>
-                  <a:tcPr marL="3032" marR="3032" marT="3032" marB="0"/>
-                </a:tc>
-                <a:extLst>
-                  <a:ext uri="{0D108BD9-81ED-4DB2-BD59-A6C34878D82A}">
-                    <a16:rowId xmlns:a16="http://schemas.microsoft.com/office/drawing/2014/main" val="1685590348"/>
-                  </a:ext>
-                </a:extLst>
-              </a:tr>
-              <a:tr h="176286">
-                <a:tc>
-                  <a:txBody>
-                    <a:bodyPr/>
-                    <a:lstStyle/>
-                    <a:p>
-                      <a:pPr algn="l" rtl="0" fontAlgn="t"/>
-                      <a:r>
-                        <a:rPr lang="zh-TW" altLang="en-US" sz="1000" b="1" i="0" u="none" strike="noStrike" dirty="0">
-                          <a:solidFill>
-                            <a:srgbClr val="000000"/>
-                          </a:solidFill>
-                          <a:effectLst/>
-                          <a:latin typeface="Noto Sans CJK TC Light" panose="020B0300000000000000" pitchFamily="34" charset="-120"/>
-                          <a:ea typeface="Noto Sans CJK TC Light" panose="020B0300000000000000" pitchFamily="34" charset="-120"/>
-                        </a:rPr>
-                        <a:t>總財產</a:t>
-                      </a:r>
-                      <a:endParaRPr lang="en-US" altLang="zh-TW" sz="1000" b="1" i="0" u="none" strike="noStrike" dirty="0">
-                        <a:solidFill>
-                          <a:srgbClr val="000000"/>
-                        </a:solidFill>
-                        <a:effectLst/>
-                        <a:latin typeface="Noto Sans CJK TC Light" panose="020B0300000000000000" pitchFamily="34" charset="-120"/>
-                        <a:ea typeface="Noto Sans CJK TC Light" panose="020B0300000000000000" pitchFamily="34" charset="-120"/>
-                      </a:endParaRPr>
-                    </a:p>
-                  </a:txBody>
-                  <a:tcPr marL="3032" marR="3032" marT="3032" marB="0"/>
-                </a:tc>
-                <a:extLst>
-                  <a:ext uri="{0D108BD9-81ED-4DB2-BD59-A6C34878D82A}">
-                    <a16:rowId xmlns:a16="http://schemas.microsoft.com/office/drawing/2014/main" val="2216850112"/>
-                  </a:ext>
-                </a:extLst>
-              </a:tr>
-              <a:tr h="176286">
-                <a:tc>
-                  <a:txBody>
-                    <a:bodyPr/>
-                    <a:lstStyle/>
-                    <a:p>
-                      <a:pPr algn="l" rtl="0" fontAlgn="t"/>
-                      <a:r>
-                        <a:rPr lang="zh-TW" altLang="en-US" sz="1000" b="1" i="0" u="none" strike="noStrike" dirty="0">
-                          <a:solidFill>
-                            <a:srgbClr val="000000"/>
-                          </a:solidFill>
-                          <a:effectLst/>
-                          <a:latin typeface="Noto Sans CJK TC Light" panose="020B0300000000000000" pitchFamily="34" charset="-120"/>
-                          <a:ea typeface="Noto Sans CJK TC Light" panose="020B0300000000000000" pitchFamily="34" charset="-120"/>
-                        </a:rPr>
-                        <a:t>總所得</a:t>
-                      </a:r>
-                      <a:endParaRPr lang="en-US" altLang="zh-TW" sz="1000" b="1" i="0" u="none" strike="noStrike" dirty="0">
-                        <a:solidFill>
-                          <a:srgbClr val="000000"/>
-                        </a:solidFill>
-                        <a:effectLst/>
-                        <a:latin typeface="Noto Sans CJK TC Light" panose="020B0300000000000000" pitchFamily="34" charset="-120"/>
-                        <a:ea typeface="Noto Sans CJK TC Light" panose="020B0300000000000000" pitchFamily="34" charset="-120"/>
-                      </a:endParaRPr>
-                    </a:p>
-                  </a:txBody>
-                  <a:tcPr marL="3032" marR="3032" marT="3032" marB="0"/>
-                </a:tc>
-                <a:extLst>
-                  <a:ext uri="{0D108BD9-81ED-4DB2-BD59-A6C34878D82A}">
-                    <a16:rowId xmlns:a16="http://schemas.microsoft.com/office/drawing/2014/main" val="1466213822"/>
-                  </a:ext>
-                </a:extLst>
-              </a:tr>
-              <a:tr h="176286">
-                <a:tc>
-                  <a:txBody>
-                    <a:bodyPr/>
-                    <a:lstStyle/>
-                    <a:p>
-                      <a:pPr algn="l" rtl="0" fontAlgn="t"/>
-                      <a:r>
-                        <a:rPr lang="zh-TW" altLang="en-US" sz="1000" b="1" i="0" u="none" strike="noStrike" dirty="0">
-                          <a:solidFill>
-                            <a:srgbClr val="000000"/>
-                          </a:solidFill>
-                          <a:effectLst/>
-                          <a:latin typeface="Noto Sans CJK TC Light" panose="020B0300000000000000" pitchFamily="34" charset="-120"/>
-                          <a:ea typeface="Noto Sans CJK TC Light" panose="020B0300000000000000" pitchFamily="34" charset="-120"/>
-                        </a:rPr>
-                        <a:t>扶助級別</a:t>
-                      </a:r>
-                      <a:endParaRPr lang="en-US" altLang="zh-TW" sz="1000" b="1" i="0" u="none" strike="noStrike" dirty="0">
-                        <a:solidFill>
-                          <a:srgbClr val="000000"/>
-                        </a:solidFill>
-                        <a:effectLst/>
-                        <a:latin typeface="Noto Sans CJK TC Light" panose="020B0300000000000000" pitchFamily="34" charset="-120"/>
-                        <a:ea typeface="Noto Sans CJK TC Light" panose="020B0300000000000000" pitchFamily="34" charset="-120"/>
-                      </a:endParaRPr>
-                    </a:p>
-                  </a:txBody>
-                  <a:tcPr marL="3032" marR="3032" marT="3032" marB="0"/>
-                </a:tc>
-                <a:extLst>
-                  <a:ext uri="{0D108BD9-81ED-4DB2-BD59-A6C34878D82A}">
-                    <a16:rowId xmlns:a16="http://schemas.microsoft.com/office/drawing/2014/main" val="522902939"/>
-                  </a:ext>
-                </a:extLst>
-              </a:tr>
-              <a:tr h="176286">
-                <a:tc>
-                  <a:txBody>
-                    <a:bodyPr/>
-                    <a:lstStyle/>
-                    <a:p>
-                      <a:pPr algn="l" rtl="0" fontAlgn="t"/>
-                      <a:r>
-                        <a:rPr lang="zh-TW" altLang="en-US" sz="1000" b="1" i="0" u="none" strike="noStrike" dirty="0">
-                          <a:solidFill>
-                            <a:srgbClr val="000000"/>
-                          </a:solidFill>
-                          <a:effectLst/>
-                          <a:latin typeface="Noto Sans CJK TC Light" panose="020B0300000000000000" pitchFamily="34" charset="-120"/>
-                          <a:ea typeface="Noto Sans CJK TC Light" panose="020B0300000000000000" pitchFamily="34" charset="-120"/>
-                        </a:rPr>
-                        <a:t>備註</a:t>
-                      </a:r>
-                    </a:p>
-                  </a:txBody>
-                  <a:tcPr marL="3032" marR="3032" marT="3032" marB="0"/>
-                </a:tc>
-                <a:extLst>
-                  <a:ext uri="{0D108BD9-81ED-4DB2-BD59-A6C34878D82A}">
-                    <a16:rowId xmlns:a16="http://schemas.microsoft.com/office/drawing/2014/main" val="2789114057"/>
-                  </a:ext>
-                </a:extLst>
-              </a:tr>
-              <a:tr h="176286">
-                <a:tc>
-                  <a:txBody>
-                    <a:bodyPr/>
-                    <a:lstStyle/>
-                    <a:p>
-                      <a:pPr algn="l" rtl="0" fontAlgn="t"/>
-                      <a:r>
-                        <a:rPr lang="zh-TW" altLang="en-US" sz="1000" u="none" strike="noStrike" dirty="0">
-                          <a:effectLst/>
-                          <a:latin typeface="Noto Sans CJK TC Light" panose="020B0300000000000000" pitchFamily="34" charset="-120"/>
-                          <a:ea typeface="Noto Sans CJK TC Light" panose="020B0300000000000000" pitchFamily="34" charset="-120"/>
-                        </a:rPr>
-                        <a:t>修改人編號</a:t>
-                      </a:r>
-                      <a:endParaRPr lang="zh-TW" altLang="en-US" sz="1000" b="1" i="0" u="none" strike="noStrike" dirty="0">
-                        <a:solidFill>
-                          <a:srgbClr val="000000"/>
-                        </a:solidFill>
-                        <a:effectLst/>
-                        <a:latin typeface="Noto Sans CJK TC Light" panose="020B0300000000000000" pitchFamily="34" charset="-120"/>
-                        <a:ea typeface="Noto Sans CJK TC Light" panose="020B0300000000000000" pitchFamily="34" charset="-120"/>
-                      </a:endParaRPr>
-                    </a:p>
-                  </a:txBody>
-                  <a:tcPr marL="3032" marR="3032" marT="3032" marB="0"/>
-                </a:tc>
-                <a:extLst>
-                  <a:ext uri="{0D108BD9-81ED-4DB2-BD59-A6C34878D82A}">
-                    <a16:rowId xmlns:a16="http://schemas.microsoft.com/office/drawing/2014/main" val="3150902896"/>
-                  </a:ext>
-                </a:extLst>
-              </a:tr>
-              <a:tr h="176286">
-                <a:tc>
-                  <a:txBody>
-                    <a:bodyPr/>
-                    <a:lstStyle/>
-                    <a:p>
-                      <a:pPr algn="l" rtl="0" fontAlgn="t"/>
-                      <a:r>
-                        <a:rPr lang="zh-TW" altLang="en-US" sz="1000" u="none" strike="noStrike" dirty="0">
-                          <a:effectLst/>
-                          <a:latin typeface="Noto Sans CJK TC Light" panose="020B0300000000000000" pitchFamily="34" charset="-120"/>
-                          <a:ea typeface="Noto Sans CJK TC Light" panose="020B0300000000000000" pitchFamily="34" charset="-120"/>
-                        </a:rPr>
-                        <a:t>修改人單位</a:t>
-                      </a:r>
-                      <a:endParaRPr lang="zh-TW" altLang="en-US" sz="1000" b="1" i="0" u="none" strike="noStrike" dirty="0">
-                        <a:solidFill>
-                          <a:srgbClr val="000000"/>
-                        </a:solidFill>
-                        <a:effectLst/>
-                        <a:latin typeface="Noto Sans CJK TC Light" panose="020B0300000000000000" pitchFamily="34" charset="-120"/>
-                        <a:ea typeface="Noto Sans CJK TC Light" panose="020B0300000000000000" pitchFamily="34" charset="-120"/>
-                      </a:endParaRPr>
-                    </a:p>
-                  </a:txBody>
-                  <a:tcPr marL="3032" marR="3032" marT="3032" marB="0"/>
-                </a:tc>
-                <a:extLst>
-                  <a:ext uri="{0D108BD9-81ED-4DB2-BD59-A6C34878D82A}">
-                    <a16:rowId xmlns:a16="http://schemas.microsoft.com/office/drawing/2014/main" val="482550264"/>
-                  </a:ext>
-                </a:extLst>
-              </a:tr>
-              <a:tr h="176286">
-                <a:tc>
-                  <a:txBody>
-                    <a:bodyPr/>
-                    <a:lstStyle/>
-                    <a:p>
-                      <a:pPr algn="l" rtl="0" fontAlgn="t"/>
-                      <a:r>
-                        <a:rPr lang="zh-TW" altLang="en-US" sz="1000" u="none" strike="noStrike" dirty="0">
-                          <a:effectLst/>
-                          <a:latin typeface="Noto Sans CJK TC Light" panose="020B0300000000000000" pitchFamily="34" charset="-120"/>
-                          <a:ea typeface="Noto Sans CJK TC Light" panose="020B0300000000000000" pitchFamily="34" charset="-120"/>
-                        </a:rPr>
-                        <a:t>修改人姓名</a:t>
-                      </a:r>
-                      <a:endParaRPr lang="zh-TW" altLang="en-US" sz="1000" b="1" i="0" u="none" strike="noStrike" dirty="0">
-                        <a:solidFill>
-                          <a:srgbClr val="000000"/>
-                        </a:solidFill>
-                        <a:effectLst/>
-                        <a:latin typeface="Noto Sans CJK TC Light" panose="020B0300000000000000" pitchFamily="34" charset="-120"/>
-                        <a:ea typeface="Noto Sans CJK TC Light" panose="020B0300000000000000" pitchFamily="34" charset="-120"/>
-                      </a:endParaRPr>
-                    </a:p>
-                  </a:txBody>
-                  <a:tcPr marL="3032" marR="3032" marT="3032" marB="0"/>
-                </a:tc>
-                <a:extLst>
-                  <a:ext uri="{0D108BD9-81ED-4DB2-BD59-A6C34878D82A}">
                     <a16:rowId xmlns:a16="http://schemas.microsoft.com/office/drawing/2014/main" val="101970368"/>
                   </a:ext>
                 </a:extLst>
@@ -12841,126 +13999,6 @@
           </a:graphicData>
         </a:graphic>
       </p:graphicFrame>
-      <p:grpSp>
-        <p:nvGrpSpPr>
-          <p:cNvPr id="89" name="群組 88"/>
-          <p:cNvGrpSpPr/>
-          <p:nvPr/>
-        </p:nvGrpSpPr>
-        <p:grpSpPr>
-          <a:xfrm>
-            <a:off x="4674815" y="6084094"/>
-            <a:ext cx="193850" cy="4166066"/>
-            <a:chOff x="2774197" y="1263112"/>
-            <a:chExt cx="751668" cy="4289170"/>
-          </a:xfrm>
-        </p:grpSpPr>
-        <p:cxnSp>
-          <p:nvCxnSpPr>
-            <p:cNvPr id="90" name="直線接點 89"/>
-            <p:cNvCxnSpPr/>
-            <p:nvPr/>
-          </p:nvCxnSpPr>
-          <p:spPr>
-            <a:xfrm flipH="1">
-              <a:off x="2774197" y="1263112"/>
-              <a:ext cx="751668" cy="0"/>
-            </a:xfrm>
-            <a:prstGeom prst="line">
-              <a:avLst/>
-            </a:prstGeom>
-            <a:ln w="12700">
-              <a:solidFill>
-                <a:schemeClr val="tx1"/>
-              </a:solidFill>
-            </a:ln>
-          </p:spPr>
-          <p:style>
-            <a:lnRef idx="1">
-              <a:schemeClr val="accent1"/>
-            </a:lnRef>
-            <a:fillRef idx="0">
-              <a:schemeClr val="accent1"/>
-            </a:fillRef>
-            <a:effectRef idx="0">
-              <a:schemeClr val="accent1"/>
-            </a:effectRef>
-            <a:fontRef idx="minor">
-              <a:schemeClr val="tx1"/>
-            </a:fontRef>
-          </p:style>
-        </p:cxnSp>
-        <p:cxnSp>
-          <p:nvCxnSpPr>
-            <p:cNvPr id="91" name="直線接點 90"/>
-            <p:cNvCxnSpPr/>
-            <p:nvPr/>
-          </p:nvCxnSpPr>
-          <p:spPr>
-            <a:xfrm>
-              <a:off x="2774197" y="1263112"/>
-              <a:ext cx="0" cy="4289170"/>
-            </a:xfrm>
-            <a:prstGeom prst="line">
-              <a:avLst/>
-            </a:prstGeom>
-            <a:ln w="12700">
-              <a:solidFill>
-                <a:schemeClr val="tx1"/>
-              </a:solidFill>
-            </a:ln>
-          </p:spPr>
-          <p:style>
-            <a:lnRef idx="1">
-              <a:schemeClr val="accent1"/>
-            </a:lnRef>
-            <a:fillRef idx="0">
-              <a:schemeClr val="accent1"/>
-            </a:fillRef>
-            <a:effectRef idx="0">
-              <a:schemeClr val="accent1"/>
-            </a:effectRef>
-            <a:fontRef idx="minor">
-              <a:schemeClr val="tx1"/>
-            </a:fontRef>
-          </p:style>
-        </p:cxnSp>
-        <p:cxnSp>
-          <p:nvCxnSpPr>
-            <p:cNvPr id="92" name="直線接點 91"/>
-            <p:cNvCxnSpPr/>
-            <p:nvPr/>
-          </p:nvCxnSpPr>
-          <p:spPr>
-            <a:xfrm flipH="1">
-              <a:off x="2774197" y="5552282"/>
-              <a:ext cx="751668" cy="0"/>
-            </a:xfrm>
-            <a:prstGeom prst="line">
-              <a:avLst/>
-            </a:prstGeom>
-            <a:ln w="12700">
-              <a:solidFill>
-                <a:schemeClr val="tx1"/>
-              </a:solidFill>
-            </a:ln>
-          </p:spPr>
-          <p:style>
-            <a:lnRef idx="1">
-              <a:schemeClr val="accent1"/>
-            </a:lnRef>
-            <a:fillRef idx="0">
-              <a:schemeClr val="accent1"/>
-            </a:fillRef>
-            <a:effectRef idx="0">
-              <a:schemeClr val="accent1"/>
-            </a:effectRef>
-            <a:fontRef idx="minor">
-              <a:schemeClr val="tx1"/>
-            </a:fontRef>
-          </p:style>
-        </p:cxnSp>
-      </p:grpSp>
       <p:grpSp>
         <p:nvGrpSpPr>
           <p:cNvPr id="93" name="群組 92"/>
@@ -12968,9 +14006,9 @@
           <p:nvPr/>
         </p:nvGrpSpPr>
         <p:grpSpPr>
-          <a:xfrm flipH="1">
-            <a:off x="6182387" y="4522124"/>
-            <a:ext cx="889229" cy="535253"/>
+          <a:xfrm flipH="1" flipV="1">
+            <a:off x="6059743" y="3191402"/>
+            <a:ext cx="1011871" cy="1330721"/>
             <a:chOff x="2026112" y="1263112"/>
             <a:chExt cx="1499753" cy="4289170"/>
           </a:xfrm>
@@ -13088,9 +14126,9 @@
           <p:nvPr/>
         </p:nvGrpSpPr>
         <p:grpSpPr>
-          <a:xfrm flipH="1" flipV="1">
-            <a:off x="8391206" y="4356024"/>
-            <a:ext cx="2448007" cy="313909"/>
+          <a:xfrm flipH="1">
+            <a:off x="8391203" y="3321652"/>
+            <a:ext cx="5042325" cy="1034371"/>
             <a:chOff x="2026112" y="1263112"/>
             <a:chExt cx="1499753" cy="4289170"/>
           </a:xfrm>
@@ -13209,7 +14247,7 @@
         </p:nvGrpSpPr>
         <p:grpSpPr>
           <a:xfrm flipH="1">
-            <a:off x="8391211" y="7739453"/>
+            <a:off x="8391206" y="7508480"/>
             <a:ext cx="741407" cy="219090"/>
             <a:chOff x="2026112" y="1263112"/>
             <a:chExt cx="1499753" cy="4289170"/>
@@ -13329,7 +14367,7 @@
         </p:nvGrpSpPr>
         <p:grpSpPr>
           <a:xfrm>
-            <a:off x="6179293" y="6942172"/>
+            <a:off x="6059744" y="5076427"/>
             <a:ext cx="331366" cy="367956"/>
             <a:chOff x="1733499" y="2639806"/>
             <a:chExt cx="331366" cy="367956"/>
@@ -14281,7 +15319,7 @@
         </p:nvSpPr>
         <p:spPr>
           <a:xfrm>
-            <a:off x="4445796" y="3997653"/>
+            <a:off x="4329309" y="2131679"/>
             <a:ext cx="1725537" cy="369332"/>
           </a:xfrm>
           <a:prstGeom prst="rect">
@@ -14316,13 +15354,13 @@
           <p:nvPr>
             <p:extLst>
               <p:ext uri="{D42A27DB-BD31-4B8C-83A1-F6EECF244321}">
-                <p14:modId xmlns:p14="http://schemas.microsoft.com/office/powerpoint/2010/main" val="739224251"/>
+                <p14:modId xmlns:p14="http://schemas.microsoft.com/office/powerpoint/2010/main" val="1562937701"/>
               </p:ext>
             </p:extLst>
           </p:nvPr>
         </p:nvGraphicFramePr>
         <p:xfrm>
-          <a:off x="3020794" y="4261158"/>
+          <a:off x="2781003" y="3822416"/>
           <a:ext cx="1321333" cy="689667"/>
         </p:xfrm>
         <a:graphic>
@@ -14444,7 +15482,7 @@
         </p:nvSpPr>
         <p:spPr>
           <a:xfrm>
-            <a:off x="2997968" y="4933913"/>
+            <a:off x="2758177" y="4495171"/>
             <a:ext cx="1266737" cy="1384995"/>
           </a:xfrm>
           <a:prstGeom prst="rect">
@@ -14535,37 +15573,6 @@
           </a:p>
         </p:txBody>
       </p:sp>
-      <p:cxnSp>
-        <p:nvCxnSpPr>
-          <p:cNvPr id="6" name="直線接點 5"/>
-          <p:cNvCxnSpPr/>
-          <p:nvPr/>
-        </p:nvCxnSpPr>
-        <p:spPr>
-          <a:xfrm flipH="1">
-            <a:off x="4621963" y="5261595"/>
-            <a:ext cx="229546" cy="0"/>
-          </a:xfrm>
-          <a:prstGeom prst="line">
-            <a:avLst/>
-          </a:prstGeom>
-          <a:ln w="19050"/>
-        </p:spPr>
-        <p:style>
-          <a:lnRef idx="1">
-            <a:schemeClr val="accent1"/>
-          </a:lnRef>
-          <a:fillRef idx="0">
-            <a:schemeClr val="accent1"/>
-          </a:fillRef>
-          <a:effectRef idx="0">
-            <a:schemeClr val="accent1"/>
-          </a:effectRef>
-          <a:fontRef idx="minor">
-            <a:schemeClr val="tx1"/>
-          </a:fontRef>
-        </p:style>
-      </p:cxnSp>
       <p:sp>
         <p:nvSpPr>
           <p:cNvPr id="7" name="矩形 6"/>
@@ -14574,7 +15581,7 @@
         </p:nvSpPr>
         <p:spPr>
           <a:xfrm>
-            <a:off x="2975248" y="4210783"/>
+            <a:off x="2735457" y="3772041"/>
             <a:ext cx="1412422" cy="2054259"/>
           </a:xfrm>
           <a:prstGeom prst="rect">
@@ -14612,41 +15619,6 @@
           </a:p>
         </p:txBody>
       </p:sp>
-      <p:cxnSp>
-        <p:nvCxnSpPr>
-          <p:cNvPr id="148" name="直線接點 147"/>
-          <p:cNvCxnSpPr/>
-          <p:nvPr/>
-        </p:nvCxnSpPr>
-        <p:spPr>
-          <a:xfrm flipH="1">
-            <a:off x="4403220" y="5257488"/>
-            <a:ext cx="229546" cy="0"/>
-          </a:xfrm>
-          <a:prstGeom prst="line">
-            <a:avLst/>
-          </a:prstGeom>
-          <a:ln w="19050">
-            <a:solidFill>
-              <a:srgbClr val="00B050"/>
-            </a:solidFill>
-          </a:ln>
-        </p:spPr>
-        <p:style>
-          <a:lnRef idx="1">
-            <a:schemeClr val="accent1"/>
-          </a:lnRef>
-          <a:fillRef idx="0">
-            <a:schemeClr val="accent1"/>
-          </a:fillRef>
-          <a:effectRef idx="0">
-            <a:schemeClr val="accent1"/>
-          </a:effectRef>
-          <a:fontRef idx="minor">
-            <a:schemeClr val="tx1"/>
-          </a:fontRef>
-        </p:style>
-      </p:cxnSp>
       <p:graphicFrame>
         <p:nvGraphicFramePr>
           <p:cNvPr id="149" name="表格 148"/>
@@ -15091,7 +16063,7 @@
         </p:nvSpPr>
         <p:spPr>
           <a:xfrm>
-            <a:off x="9082242" y="8023948"/>
+            <a:off x="9082237" y="7792975"/>
             <a:ext cx="1362933" cy="1277273"/>
           </a:xfrm>
           <a:prstGeom prst="rect">
@@ -15186,13 +16158,13 @@
           <p:nvPr>
             <p:extLst>
               <p:ext uri="{D42A27DB-BD31-4B8C-83A1-F6EECF244321}">
-                <p14:modId xmlns:p14="http://schemas.microsoft.com/office/powerpoint/2010/main" val="1035290185"/>
+                <p14:modId xmlns:p14="http://schemas.microsoft.com/office/powerpoint/2010/main" val="4255608901"/>
               </p:ext>
             </p:extLst>
           </p:nvPr>
         </p:nvGraphicFramePr>
         <p:xfrm>
-          <a:off x="5904102" y="9701780"/>
+          <a:off x="1482919" y="6415353"/>
           <a:ext cx="1087563" cy="1894350"/>
         </p:xfrm>
         <a:graphic>
@@ -15226,7 +16198,7 @@
                           <a:latin typeface="Noto Sans CJK TC Light" panose="020B0300000000000000" pitchFamily="34" charset="-120"/>
                           <a:ea typeface="Noto Sans CJK TC Light" panose="020B0300000000000000" pitchFamily="34" charset="-120"/>
                         </a:rPr>
-                        <a:t>files_process_status_class</a:t>
+                        <a:t>files_process_log</a:t>
                       </a:r>
                       <a:endParaRPr lang="en-US" sz="1000" b="0" i="0" u="none" strike="noStrike" dirty="0">
                         <a:solidFill>
@@ -16080,6 +17052,1434 @@
             <a:r>
               <a:rPr lang="en-US" altLang="zh-TW" sz="1100" dirty="0"/>
               <a:t>1.MD5</a:t>
+            </a:r>
+            <a:endParaRPr lang="zh-TW" altLang="en-US" sz="1100" dirty="0"/>
+          </a:p>
+        </p:txBody>
+      </p:sp>
+      <p:graphicFrame>
+        <p:nvGraphicFramePr>
+          <p:cNvPr id="68" name="表格 67"/>
+          <p:cNvGraphicFramePr>
+            <a:graphicFrameLocks noGrp="1"/>
+          </p:cNvGraphicFramePr>
+          <p:nvPr>
+            <p:extLst>
+              <p:ext uri="{D42A27DB-BD31-4B8C-83A1-F6EECF244321}">
+                <p14:modId xmlns:p14="http://schemas.microsoft.com/office/powerpoint/2010/main" val="2323015979"/>
+              </p:ext>
+            </p:extLst>
+          </p:nvPr>
+        </p:nvGraphicFramePr>
+        <p:xfrm>
+          <a:off x="476493" y="1639912"/>
+          <a:ext cx="1321333" cy="2145597"/>
+        </p:xfrm>
+        <a:graphic>
+          <a:graphicData uri="http://schemas.openxmlformats.org/drawingml/2006/table">
+            <a:tbl>
+              <a:tblPr firstRow="1" bandRow="1">
+                <a:tableStyleId>{5C22544A-7EE6-4342-B048-85BDC9FD1C3A}</a:tableStyleId>
+              </a:tblPr>
+              <a:tblGrid>
+                <a:gridCol w="1321333">
+                  <a:extLst>
+                    <a:ext uri="{9D8B030D-6E8A-4147-A177-3AD203B41FA5}">
+                      <a16:colId xmlns:a16="http://schemas.microsoft.com/office/drawing/2014/main" val="1951886207"/>
+                    </a:ext>
+                  </a:extLst>
+                </a:gridCol>
+              </a:tblGrid>
+              <a:tr h="245811">
+                <a:tc>
+                  <a:txBody>
+                    <a:bodyPr/>
+                    <a:lstStyle/>
+                    <a:p>
+                      <a:pPr algn="l" fontAlgn="ctr"/>
+                      <a:r>
+                        <a:rPr lang="en-US" sz="1000" b="0" i="0" u="none" strike="noStrike" dirty="0" err="1">
+                          <a:solidFill>
+                            <a:srgbClr val="000000"/>
+                          </a:solidFill>
+                          <a:effectLst/>
+                          <a:latin typeface="Noto Sans CJK TC Light" panose="020B0300000000000000" pitchFamily="34" charset="-120"/>
+                          <a:ea typeface="Noto Sans CJK TC Light" panose="020B0300000000000000" pitchFamily="34" charset="-120"/>
+                        </a:rPr>
+                        <a:t>miliboy_table</a:t>
+                      </a:r>
+                      <a:endParaRPr lang="en-US" sz="1000" b="0" i="0" u="none" strike="noStrike" dirty="0">
+                        <a:solidFill>
+                          <a:srgbClr val="000000"/>
+                        </a:solidFill>
+                        <a:effectLst/>
+                        <a:latin typeface="Noto Sans CJK TC Light" panose="020B0300000000000000" pitchFamily="34" charset="-120"/>
+                        <a:ea typeface="Noto Sans CJK TC Light" panose="020B0300000000000000" pitchFamily="34" charset="-120"/>
+                      </a:endParaRPr>
+                    </a:p>
+                  </a:txBody>
+                  <a:tcPr marL="9525" marR="9525" marT="9525" marB="0" anchor="ctr"/>
+                </a:tc>
+                <a:extLst>
+                  <a:ext uri="{0D108BD9-81ED-4DB2-BD59-A6C34878D82A}">
+                    <a16:rowId xmlns:a16="http://schemas.microsoft.com/office/drawing/2014/main" val="882621031"/>
+                  </a:ext>
+                </a:extLst>
+              </a:tr>
+              <a:tr h="176286">
+                <a:tc>
+                  <a:txBody>
+                    <a:bodyPr/>
+                    <a:lstStyle/>
+                    <a:p>
+                      <a:pPr algn="l" rtl="0" fontAlgn="t"/>
+                      <a:r>
+                        <a:rPr lang="zh-TW" altLang="en-US" sz="1000" u="none" strike="noStrike" dirty="0">
+                          <a:solidFill>
+                            <a:schemeClr val="accent6">
+                              <a:lumMod val="75000"/>
+                            </a:schemeClr>
+                          </a:solidFill>
+                          <a:effectLst/>
+                          <a:latin typeface="Noto Sans CJK TC Light" panose="020B0300000000000000" pitchFamily="34" charset="-120"/>
+                          <a:ea typeface="Noto Sans CJK TC Light" panose="020B0300000000000000" pitchFamily="34" charset="-120"/>
+                        </a:rPr>
+                        <a:t>役男系統編號</a:t>
+                      </a:r>
+                      <a:endParaRPr lang="zh-TW" altLang="en-US" sz="1000" b="1" i="0" u="none" strike="noStrike" dirty="0">
+                        <a:solidFill>
+                          <a:schemeClr val="accent6">
+                            <a:lumMod val="75000"/>
+                          </a:schemeClr>
+                        </a:solidFill>
+                        <a:effectLst/>
+                        <a:latin typeface="Noto Sans CJK TC Light" panose="020B0300000000000000" pitchFamily="34" charset="-120"/>
+                        <a:ea typeface="Noto Sans CJK TC Light" panose="020B0300000000000000" pitchFamily="34" charset="-120"/>
+                      </a:endParaRPr>
+                    </a:p>
+                  </a:txBody>
+                  <a:tcPr marL="3032" marR="3032" marT="3032" marB="0"/>
+                </a:tc>
+                <a:extLst>
+                  <a:ext uri="{0D108BD9-81ED-4DB2-BD59-A6C34878D82A}">
+                    <a16:rowId xmlns:a16="http://schemas.microsoft.com/office/drawing/2014/main" val="2435013631"/>
+                  </a:ext>
+                </a:extLst>
+              </a:tr>
+              <a:tr h="221928">
+                <a:tc>
+                  <a:txBody>
+                    <a:bodyPr/>
+                    <a:lstStyle/>
+                    <a:p>
+                      <a:pPr algn="l" rtl="0" fontAlgn="t"/>
+                      <a:r>
+                        <a:rPr lang="zh-TW" altLang="en-US" sz="1000" b="1" i="0" u="none" strike="noStrike" dirty="0">
+                          <a:solidFill>
+                            <a:srgbClr val="000000"/>
+                          </a:solidFill>
+                          <a:effectLst/>
+                          <a:latin typeface="Noto Sans CJK TC Light" panose="020B0300000000000000" pitchFamily="34" charset="-120"/>
+                          <a:ea typeface="Noto Sans CJK TC Light" panose="020B0300000000000000" pitchFamily="34" charset="-120"/>
+                        </a:rPr>
+                        <a:t>役男姓名</a:t>
+                      </a:r>
+                    </a:p>
+                  </a:txBody>
+                  <a:tcPr marL="3032" marR="3032" marT="3032" marB="0"/>
+                </a:tc>
+                <a:extLst>
+                  <a:ext uri="{0D108BD9-81ED-4DB2-BD59-A6C34878D82A}">
+                    <a16:rowId xmlns:a16="http://schemas.microsoft.com/office/drawing/2014/main" val="4088289886"/>
+                  </a:ext>
+                </a:extLst>
+              </a:tr>
+              <a:tr h="221928">
+                <a:tc>
+                  <a:txBody>
+                    <a:bodyPr/>
+                    <a:lstStyle/>
+                    <a:p>
+                      <a:pPr algn="l" rtl="0" fontAlgn="t"/>
+                      <a:r>
+                        <a:rPr lang="zh-TW" altLang="en-US" sz="1000" u="none" strike="noStrike" dirty="0">
+                          <a:effectLst/>
+                          <a:latin typeface="Noto Sans CJK TC Light" panose="020B0300000000000000" pitchFamily="34" charset="-120"/>
+                          <a:ea typeface="Noto Sans CJK TC Light" panose="020B0300000000000000" pitchFamily="34" charset="-120"/>
+                        </a:rPr>
+                        <a:t>身份證字號</a:t>
+                      </a:r>
+                      <a:endParaRPr lang="zh-TW" altLang="en-US" sz="1000" b="1" i="0" u="none" strike="noStrike" dirty="0">
+                        <a:solidFill>
+                          <a:srgbClr val="000000"/>
+                        </a:solidFill>
+                        <a:effectLst/>
+                        <a:latin typeface="Noto Sans CJK TC Light" panose="020B0300000000000000" pitchFamily="34" charset="-120"/>
+                        <a:ea typeface="Noto Sans CJK TC Light" panose="020B0300000000000000" pitchFamily="34" charset="-120"/>
+                      </a:endParaRPr>
+                    </a:p>
+                  </a:txBody>
+                  <a:tcPr marL="3032" marR="3032" marT="3032" marB="0"/>
+                </a:tc>
+                <a:extLst>
+                  <a:ext uri="{0D108BD9-81ED-4DB2-BD59-A6C34878D82A}">
+                    <a16:rowId xmlns:a16="http://schemas.microsoft.com/office/drawing/2014/main" val="533628656"/>
+                  </a:ext>
+                </a:extLst>
+              </a:tr>
+              <a:tr h="221928">
+                <a:tc>
+                  <a:txBody>
+                    <a:bodyPr/>
+                    <a:lstStyle/>
+                    <a:p>
+                      <a:pPr algn="l" rtl="0" fontAlgn="t"/>
+                      <a:r>
+                        <a:rPr lang="zh-TW" altLang="en-US" sz="1000" b="1" i="0" u="none" strike="noStrike" dirty="0">
+                          <a:solidFill>
+                            <a:srgbClr val="000000"/>
+                          </a:solidFill>
+                          <a:effectLst/>
+                          <a:latin typeface="Noto Sans CJK TC Light" panose="020B0300000000000000" pitchFamily="34" charset="-120"/>
+                          <a:ea typeface="Noto Sans CJK TC Light" panose="020B0300000000000000" pitchFamily="34" charset="-120"/>
+                        </a:rPr>
+                        <a:t>役男生日</a:t>
+                      </a:r>
+                      <a:endParaRPr lang="en-US" altLang="zh-TW" sz="1000" b="1" i="0" u="none" strike="noStrike" dirty="0">
+                        <a:solidFill>
+                          <a:srgbClr val="000000"/>
+                        </a:solidFill>
+                        <a:effectLst/>
+                        <a:latin typeface="Noto Sans CJK TC Light" panose="020B0300000000000000" pitchFamily="34" charset="-120"/>
+                        <a:ea typeface="Noto Sans CJK TC Light" panose="020B0300000000000000" pitchFamily="34" charset="-120"/>
+                      </a:endParaRPr>
+                    </a:p>
+                  </a:txBody>
+                  <a:tcPr marL="3032" marR="3032" marT="3032" marB="0"/>
+                </a:tc>
+                <a:extLst>
+                  <a:ext uri="{0D108BD9-81ED-4DB2-BD59-A6C34878D82A}">
+                    <a16:rowId xmlns:a16="http://schemas.microsoft.com/office/drawing/2014/main" val="677853952"/>
+                  </a:ext>
+                </a:extLst>
+              </a:tr>
+              <a:tr h="176286">
+                <a:tc>
+                  <a:txBody>
+                    <a:bodyPr/>
+                    <a:lstStyle/>
+                    <a:p>
+                      <a:pPr algn="l" rtl="0" fontAlgn="t"/>
+                      <a:r>
+                        <a:rPr lang="zh-TW" altLang="en-US" sz="1000" b="1" i="0" u="none" strike="noStrike" dirty="0">
+                          <a:solidFill>
+                            <a:srgbClr val="000000"/>
+                          </a:solidFill>
+                          <a:effectLst/>
+                          <a:latin typeface="Noto Sans CJK TC Light" panose="020B0300000000000000" pitchFamily="34" charset="-120"/>
+                          <a:ea typeface="Noto Sans CJK TC Light" panose="020B0300000000000000" pitchFamily="34" charset="-120"/>
+                        </a:rPr>
+                        <a:t>入伍日期</a:t>
+                      </a:r>
+                    </a:p>
+                  </a:txBody>
+                  <a:tcPr marL="3032" marR="3032" marT="3032" marB="0"/>
+                </a:tc>
+                <a:extLst>
+                  <a:ext uri="{0D108BD9-81ED-4DB2-BD59-A6C34878D82A}">
+                    <a16:rowId xmlns:a16="http://schemas.microsoft.com/office/drawing/2014/main" val="2505096941"/>
+                  </a:ext>
+                </a:extLst>
+              </a:tr>
+              <a:tr h="176286">
+                <a:tc>
+                  <a:txBody>
+                    <a:bodyPr/>
+                    <a:lstStyle/>
+                    <a:p>
+                      <a:pPr marL="0" marR="0" lvl="0" indent="0" algn="l" defTabSz="1651132" rtl="0" eaLnBrk="1" fontAlgn="t" latinLnBrk="0" hangingPunct="1">
+                        <a:lnSpc>
+                          <a:spcPct val="100000"/>
+                        </a:lnSpc>
+                        <a:spcBef>
+                          <a:spcPts val="0"/>
+                        </a:spcBef>
+                        <a:spcAft>
+                          <a:spcPts val="0"/>
+                        </a:spcAft>
+                        <a:buClrTx/>
+                        <a:buSzTx/>
+                        <a:buFontTx/>
+                        <a:buNone/>
+                        <a:tabLst/>
+                        <a:defRPr/>
+                      </a:pPr>
+                      <a:r>
+                        <a:rPr lang="zh-TW" altLang="en-US" sz="1000" b="1" i="0" u="none" strike="noStrike" dirty="0">
+                          <a:solidFill>
+                            <a:srgbClr val="000000"/>
+                          </a:solidFill>
+                          <a:effectLst/>
+                          <a:latin typeface="Noto Sans CJK TC Light" panose="020B0300000000000000" pitchFamily="34" charset="-120"/>
+                          <a:ea typeface="Noto Sans CJK TC Light" panose="020B0300000000000000" pitchFamily="34" charset="-120"/>
+                        </a:rPr>
+                        <a:t>服役軍種</a:t>
+                      </a:r>
+                    </a:p>
+                  </a:txBody>
+                  <a:tcPr marL="3032" marR="3032" marT="3032" marB="0"/>
+                </a:tc>
+                <a:extLst>
+                  <a:ext uri="{0D108BD9-81ED-4DB2-BD59-A6C34878D82A}">
+                    <a16:rowId xmlns:a16="http://schemas.microsoft.com/office/drawing/2014/main" val="2929051129"/>
+                  </a:ext>
+                </a:extLst>
+              </a:tr>
+              <a:tr h="176286">
+                <a:tc>
+                  <a:txBody>
+                    <a:bodyPr/>
+                    <a:lstStyle/>
+                    <a:p>
+                      <a:pPr algn="l" rtl="0" fontAlgn="t"/>
+                      <a:r>
+                        <a:rPr lang="zh-TW" altLang="en-US" sz="1000" b="1" i="0" u="none" strike="noStrike" dirty="0">
+                          <a:solidFill>
+                            <a:srgbClr val="000000"/>
+                          </a:solidFill>
+                          <a:effectLst/>
+                          <a:latin typeface="Noto Sans CJK TC Light" panose="020B0300000000000000" pitchFamily="34" charset="-120"/>
+                          <a:ea typeface="Noto Sans CJK TC Light" panose="020B0300000000000000" pitchFamily="34" charset="-120"/>
+                        </a:rPr>
+                        <a:t>服役狀態</a:t>
+                      </a:r>
+                    </a:p>
+                  </a:txBody>
+                  <a:tcPr marL="3032" marR="3032" marT="3032" marB="0"/>
+                </a:tc>
+                <a:extLst>
+                  <a:ext uri="{0D108BD9-81ED-4DB2-BD59-A6C34878D82A}">
+                    <a16:rowId xmlns:a16="http://schemas.microsoft.com/office/drawing/2014/main" val="1601361992"/>
+                  </a:ext>
+                </a:extLst>
+              </a:tr>
+              <a:tr h="176286">
+                <a:tc>
+                  <a:txBody>
+                    <a:bodyPr/>
+                    <a:lstStyle/>
+                    <a:p>
+                      <a:pPr algn="l" rtl="0" fontAlgn="t"/>
+                      <a:r>
+                        <a:rPr lang="zh-TW" altLang="en-US" sz="1000" b="1" i="0" u="none" strike="noStrike" dirty="0">
+                          <a:solidFill>
+                            <a:srgbClr val="000000"/>
+                          </a:solidFill>
+                          <a:effectLst/>
+                          <a:latin typeface="Noto Sans CJK TC Light" panose="020B0300000000000000" pitchFamily="34" charset="-120"/>
+                          <a:ea typeface="Noto Sans CJK TC Light" panose="020B0300000000000000" pitchFamily="34" charset="-120"/>
+                        </a:rPr>
+                        <a:t>補助狀態</a:t>
+                      </a:r>
+                    </a:p>
+                  </a:txBody>
+                  <a:tcPr marL="3032" marR="3032" marT="3032" marB="0"/>
+                </a:tc>
+                <a:extLst>
+                  <a:ext uri="{0D108BD9-81ED-4DB2-BD59-A6C34878D82A}">
+                    <a16:rowId xmlns:a16="http://schemas.microsoft.com/office/drawing/2014/main" val="235666734"/>
+                  </a:ext>
+                </a:extLst>
+              </a:tr>
+              <a:tr h="176286">
+                <a:tc>
+                  <a:txBody>
+                    <a:bodyPr/>
+                    <a:lstStyle/>
+                    <a:p>
+                      <a:pPr marL="0" marR="0" lvl="0" indent="0" algn="l" defTabSz="1651132" rtl="0" eaLnBrk="1" fontAlgn="t" latinLnBrk="0" hangingPunct="1">
+                        <a:lnSpc>
+                          <a:spcPct val="100000"/>
+                        </a:lnSpc>
+                        <a:spcBef>
+                          <a:spcPts val="0"/>
+                        </a:spcBef>
+                        <a:spcAft>
+                          <a:spcPts val="0"/>
+                        </a:spcAft>
+                        <a:buClrTx/>
+                        <a:buSzTx/>
+                        <a:buFontTx/>
+                        <a:buNone/>
+                        <a:tabLst/>
+                        <a:defRPr/>
+                      </a:pPr>
+                      <a:r>
+                        <a:rPr lang="zh-TW" altLang="en-US" sz="1000" b="1" i="0" u="none" strike="noStrike" dirty="0">
+                          <a:solidFill>
+                            <a:srgbClr val="FF0000"/>
+                          </a:solidFill>
+                          <a:effectLst/>
+                          <a:latin typeface="Noto Sans CJK TC Light" panose="020B0300000000000000" pitchFamily="34" charset="-120"/>
+                          <a:ea typeface="Noto Sans CJK TC Light" panose="020B0300000000000000" pitchFamily="34" charset="-120"/>
+                        </a:rPr>
+                        <a:t>退伍日期</a:t>
+                      </a:r>
+                      <a:endParaRPr lang="en-US" altLang="zh-TW" sz="1000" b="1" i="0" u="none" strike="noStrike" dirty="0">
+                        <a:solidFill>
+                          <a:srgbClr val="000000"/>
+                        </a:solidFill>
+                        <a:effectLst/>
+                        <a:latin typeface="Noto Sans CJK TC Light" panose="020B0300000000000000" pitchFamily="34" charset="-120"/>
+                        <a:ea typeface="Noto Sans CJK TC Light" panose="020B0300000000000000" pitchFamily="34" charset="-120"/>
+                      </a:endParaRPr>
+                    </a:p>
+                  </a:txBody>
+                  <a:tcPr marL="3032" marR="3032" marT="3032" marB="0"/>
+                </a:tc>
+                <a:extLst>
+                  <a:ext uri="{0D108BD9-81ED-4DB2-BD59-A6C34878D82A}">
+                    <a16:rowId xmlns:a16="http://schemas.microsoft.com/office/drawing/2014/main" val="4169362915"/>
+                  </a:ext>
+                </a:extLst>
+              </a:tr>
+              <a:tr h="176286">
+                <a:tc>
+                  <a:txBody>
+                    <a:bodyPr/>
+                    <a:lstStyle/>
+                    <a:p>
+                      <a:pPr marL="0" marR="0" lvl="0" indent="0" algn="l" defTabSz="1651132" rtl="0" eaLnBrk="1" fontAlgn="t" latinLnBrk="0" hangingPunct="1">
+                        <a:lnSpc>
+                          <a:spcPct val="100000"/>
+                        </a:lnSpc>
+                        <a:spcBef>
+                          <a:spcPts val="0"/>
+                        </a:spcBef>
+                        <a:spcAft>
+                          <a:spcPts val="0"/>
+                        </a:spcAft>
+                        <a:buClrTx/>
+                        <a:buSzTx/>
+                        <a:buFontTx/>
+                        <a:buNone/>
+                        <a:tabLst/>
+                        <a:defRPr/>
+                      </a:pPr>
+                      <a:r>
+                        <a:rPr lang="zh-TW" altLang="en-US" sz="1000" b="1" i="0" u="none" strike="noStrike" dirty="0">
+                          <a:solidFill>
+                            <a:srgbClr val="000000"/>
+                          </a:solidFill>
+                          <a:effectLst/>
+                          <a:latin typeface="Noto Sans CJK TC Light" panose="020B0300000000000000" pitchFamily="34" charset="-120"/>
+                          <a:ea typeface="Noto Sans CJK TC Light" panose="020B0300000000000000" pitchFamily="34" charset="-120"/>
+                        </a:rPr>
+                        <a:t>最新案件編號</a:t>
+                      </a:r>
+                      <a:r>
+                        <a:rPr lang="en-US" altLang="zh-TW" sz="1000" b="1" i="0" u="none" strike="noStrike" dirty="0">
+                          <a:solidFill>
+                            <a:srgbClr val="000000"/>
+                          </a:solidFill>
+                          <a:effectLst/>
+                          <a:latin typeface="Noto Sans CJK TC Light" panose="020B0300000000000000" pitchFamily="34" charset="-120"/>
+                          <a:ea typeface="Noto Sans CJK TC Light" panose="020B0300000000000000" pitchFamily="34" charset="-120"/>
+                        </a:rPr>
+                        <a:t>()</a:t>
+                      </a:r>
+                    </a:p>
+                  </a:txBody>
+                  <a:tcPr marL="3032" marR="3032" marT="3032" marB="0"/>
+                </a:tc>
+                <a:extLst>
+                  <a:ext uri="{0D108BD9-81ED-4DB2-BD59-A6C34878D82A}">
+                    <a16:rowId xmlns:a16="http://schemas.microsoft.com/office/drawing/2014/main" val="1930141444"/>
+                  </a:ext>
+                </a:extLst>
+              </a:tr>
+            </a:tbl>
+          </a:graphicData>
+        </a:graphic>
+      </p:graphicFrame>
+      <p:grpSp>
+        <p:nvGrpSpPr>
+          <p:cNvPr id="86" name="群組 85"/>
+          <p:cNvGrpSpPr/>
+          <p:nvPr/>
+        </p:nvGrpSpPr>
+        <p:grpSpPr>
+          <a:xfrm flipH="1">
+            <a:off x="1797826" y="3191403"/>
+            <a:ext cx="2932628" cy="450847"/>
+            <a:chOff x="2026112" y="1263112"/>
+            <a:chExt cx="1499753" cy="4289170"/>
+          </a:xfrm>
+        </p:grpSpPr>
+        <p:cxnSp>
+          <p:nvCxnSpPr>
+            <p:cNvPr id="97" name="直線接點 96"/>
+            <p:cNvCxnSpPr/>
+            <p:nvPr/>
+          </p:nvCxnSpPr>
+          <p:spPr>
+            <a:xfrm flipH="1">
+              <a:off x="2026112" y="1263112"/>
+              <a:ext cx="915157" cy="0"/>
+            </a:xfrm>
+            <a:prstGeom prst="line">
+              <a:avLst/>
+            </a:prstGeom>
+            <a:ln w="12700">
+              <a:solidFill>
+                <a:schemeClr val="tx1"/>
+              </a:solidFill>
+            </a:ln>
+          </p:spPr>
+          <p:style>
+            <a:lnRef idx="1">
+              <a:schemeClr val="accent1"/>
+            </a:lnRef>
+            <a:fillRef idx="0">
+              <a:schemeClr val="accent1"/>
+            </a:fillRef>
+            <a:effectRef idx="0">
+              <a:schemeClr val="accent1"/>
+            </a:effectRef>
+            <a:fontRef idx="minor">
+              <a:schemeClr val="tx1"/>
+            </a:fontRef>
+          </p:style>
+        </p:cxnSp>
+        <p:cxnSp>
+          <p:nvCxnSpPr>
+            <p:cNvPr id="98" name="直線接點 97"/>
+            <p:cNvCxnSpPr/>
+            <p:nvPr/>
+          </p:nvCxnSpPr>
+          <p:spPr>
+            <a:xfrm flipH="1">
+              <a:off x="2941269" y="1263112"/>
+              <a:ext cx="0" cy="4289170"/>
+            </a:xfrm>
+            <a:prstGeom prst="line">
+              <a:avLst/>
+            </a:prstGeom>
+            <a:ln w="12700">
+              <a:solidFill>
+                <a:schemeClr val="tx1"/>
+              </a:solidFill>
+            </a:ln>
+          </p:spPr>
+          <p:style>
+            <a:lnRef idx="1">
+              <a:schemeClr val="accent1"/>
+            </a:lnRef>
+            <a:fillRef idx="0">
+              <a:schemeClr val="accent1"/>
+            </a:fillRef>
+            <a:effectRef idx="0">
+              <a:schemeClr val="accent1"/>
+            </a:effectRef>
+            <a:fontRef idx="minor">
+              <a:schemeClr val="tx1"/>
+            </a:fontRef>
+          </p:style>
+        </p:cxnSp>
+        <p:cxnSp>
+          <p:nvCxnSpPr>
+            <p:cNvPr id="99" name="直線接點 98"/>
+            <p:cNvCxnSpPr/>
+            <p:nvPr/>
+          </p:nvCxnSpPr>
+          <p:spPr>
+            <a:xfrm flipH="1">
+              <a:off x="2941269" y="5552282"/>
+              <a:ext cx="584596" cy="0"/>
+            </a:xfrm>
+            <a:prstGeom prst="line">
+              <a:avLst/>
+            </a:prstGeom>
+            <a:ln w="12700">
+              <a:solidFill>
+                <a:schemeClr val="tx1"/>
+              </a:solidFill>
+            </a:ln>
+          </p:spPr>
+          <p:style>
+            <a:lnRef idx="1">
+              <a:schemeClr val="accent1"/>
+            </a:lnRef>
+            <a:fillRef idx="0">
+              <a:schemeClr val="accent1"/>
+            </a:fillRef>
+            <a:effectRef idx="0">
+              <a:schemeClr val="accent1"/>
+            </a:effectRef>
+            <a:fontRef idx="minor">
+              <a:schemeClr val="tx1"/>
+            </a:fontRef>
+          </p:style>
+        </p:cxnSp>
+      </p:grpSp>
+      <p:grpSp>
+        <p:nvGrpSpPr>
+          <p:cNvPr id="100" name="群組 99"/>
+          <p:cNvGrpSpPr/>
+          <p:nvPr/>
+        </p:nvGrpSpPr>
+        <p:grpSpPr>
+          <a:xfrm flipH="1">
+            <a:off x="4147880" y="3343804"/>
+            <a:ext cx="604298" cy="537994"/>
+            <a:chOff x="2026112" y="1263112"/>
+            <a:chExt cx="1499753" cy="4289170"/>
+          </a:xfrm>
+        </p:grpSpPr>
+        <p:cxnSp>
+          <p:nvCxnSpPr>
+            <p:cNvPr id="109" name="直線接點 108"/>
+            <p:cNvCxnSpPr/>
+            <p:nvPr/>
+          </p:nvCxnSpPr>
+          <p:spPr>
+            <a:xfrm flipH="1">
+              <a:off x="2026112" y="1263112"/>
+              <a:ext cx="915157" cy="0"/>
+            </a:xfrm>
+            <a:prstGeom prst="line">
+              <a:avLst/>
+            </a:prstGeom>
+            <a:ln w="12700">
+              <a:solidFill>
+                <a:srgbClr val="00B050"/>
+              </a:solidFill>
+            </a:ln>
+          </p:spPr>
+          <p:style>
+            <a:lnRef idx="1">
+              <a:schemeClr val="accent1"/>
+            </a:lnRef>
+            <a:fillRef idx="0">
+              <a:schemeClr val="accent1"/>
+            </a:fillRef>
+            <a:effectRef idx="0">
+              <a:schemeClr val="accent1"/>
+            </a:effectRef>
+            <a:fontRef idx="minor">
+              <a:schemeClr val="tx1"/>
+            </a:fontRef>
+          </p:style>
+        </p:cxnSp>
+        <p:cxnSp>
+          <p:nvCxnSpPr>
+            <p:cNvPr id="110" name="直線接點 109"/>
+            <p:cNvCxnSpPr/>
+            <p:nvPr/>
+          </p:nvCxnSpPr>
+          <p:spPr>
+            <a:xfrm flipH="1">
+              <a:off x="2941269" y="1263112"/>
+              <a:ext cx="0" cy="4289170"/>
+            </a:xfrm>
+            <a:prstGeom prst="line">
+              <a:avLst/>
+            </a:prstGeom>
+            <a:ln w="12700">
+              <a:solidFill>
+                <a:srgbClr val="00B050"/>
+              </a:solidFill>
+            </a:ln>
+          </p:spPr>
+          <p:style>
+            <a:lnRef idx="1">
+              <a:schemeClr val="accent1"/>
+            </a:lnRef>
+            <a:fillRef idx="0">
+              <a:schemeClr val="accent1"/>
+            </a:fillRef>
+            <a:effectRef idx="0">
+              <a:schemeClr val="accent1"/>
+            </a:effectRef>
+            <a:fontRef idx="minor">
+              <a:schemeClr val="tx1"/>
+            </a:fontRef>
+          </p:style>
+        </p:cxnSp>
+        <p:cxnSp>
+          <p:nvCxnSpPr>
+            <p:cNvPr id="111" name="直線接點 110"/>
+            <p:cNvCxnSpPr/>
+            <p:nvPr/>
+          </p:nvCxnSpPr>
+          <p:spPr>
+            <a:xfrm flipH="1">
+              <a:off x="2941269" y="5552282"/>
+              <a:ext cx="584596" cy="0"/>
+            </a:xfrm>
+            <a:prstGeom prst="line">
+              <a:avLst/>
+            </a:prstGeom>
+            <a:ln w="12700">
+              <a:solidFill>
+                <a:srgbClr val="00B050"/>
+              </a:solidFill>
+            </a:ln>
+          </p:spPr>
+          <p:style>
+            <a:lnRef idx="1">
+              <a:schemeClr val="accent1"/>
+            </a:lnRef>
+            <a:fillRef idx="0">
+              <a:schemeClr val="accent1"/>
+            </a:fillRef>
+            <a:effectRef idx="0">
+              <a:schemeClr val="accent1"/>
+            </a:effectRef>
+            <a:fontRef idx="minor">
+              <a:schemeClr val="tx1"/>
+            </a:fontRef>
+          </p:style>
+        </p:cxnSp>
+      </p:grpSp>
+      <p:grpSp>
+        <p:nvGrpSpPr>
+          <p:cNvPr id="112" name="群組 111"/>
+          <p:cNvGrpSpPr/>
+          <p:nvPr/>
+        </p:nvGrpSpPr>
+        <p:grpSpPr>
+          <a:xfrm flipH="1">
+            <a:off x="4220651" y="4209656"/>
+            <a:ext cx="509799" cy="4411395"/>
+            <a:chOff x="2026112" y="1263112"/>
+            <a:chExt cx="1499753" cy="4289170"/>
+          </a:xfrm>
+        </p:grpSpPr>
+        <p:cxnSp>
+          <p:nvCxnSpPr>
+            <p:cNvPr id="113" name="直線接點 112"/>
+            <p:cNvCxnSpPr/>
+            <p:nvPr/>
+          </p:nvCxnSpPr>
+          <p:spPr>
+            <a:xfrm flipH="1">
+              <a:off x="2026112" y="1263112"/>
+              <a:ext cx="915157" cy="0"/>
+            </a:xfrm>
+            <a:prstGeom prst="line">
+              <a:avLst/>
+            </a:prstGeom>
+            <a:ln w="12700">
+              <a:solidFill>
+                <a:schemeClr val="tx1"/>
+              </a:solidFill>
+            </a:ln>
+          </p:spPr>
+          <p:style>
+            <a:lnRef idx="1">
+              <a:schemeClr val="accent1"/>
+            </a:lnRef>
+            <a:fillRef idx="0">
+              <a:schemeClr val="accent1"/>
+            </a:fillRef>
+            <a:effectRef idx="0">
+              <a:schemeClr val="accent1"/>
+            </a:effectRef>
+            <a:fontRef idx="minor">
+              <a:schemeClr val="tx1"/>
+            </a:fontRef>
+          </p:style>
+        </p:cxnSp>
+        <p:cxnSp>
+          <p:nvCxnSpPr>
+            <p:cNvPr id="114" name="直線接點 113"/>
+            <p:cNvCxnSpPr/>
+            <p:nvPr/>
+          </p:nvCxnSpPr>
+          <p:spPr>
+            <a:xfrm flipH="1">
+              <a:off x="2941269" y="1263112"/>
+              <a:ext cx="0" cy="4289170"/>
+            </a:xfrm>
+            <a:prstGeom prst="line">
+              <a:avLst/>
+            </a:prstGeom>
+            <a:ln w="12700">
+              <a:solidFill>
+                <a:schemeClr val="tx1"/>
+              </a:solidFill>
+            </a:ln>
+          </p:spPr>
+          <p:style>
+            <a:lnRef idx="1">
+              <a:schemeClr val="accent1"/>
+            </a:lnRef>
+            <a:fillRef idx="0">
+              <a:schemeClr val="accent1"/>
+            </a:fillRef>
+            <a:effectRef idx="0">
+              <a:schemeClr val="accent1"/>
+            </a:effectRef>
+            <a:fontRef idx="minor">
+              <a:schemeClr val="tx1"/>
+            </a:fontRef>
+          </p:style>
+        </p:cxnSp>
+        <p:cxnSp>
+          <p:nvCxnSpPr>
+            <p:cNvPr id="115" name="直線接點 114"/>
+            <p:cNvCxnSpPr/>
+            <p:nvPr/>
+          </p:nvCxnSpPr>
+          <p:spPr>
+            <a:xfrm flipH="1">
+              <a:off x="2941269" y="5552282"/>
+              <a:ext cx="584596" cy="0"/>
+            </a:xfrm>
+            <a:prstGeom prst="line">
+              <a:avLst/>
+            </a:prstGeom>
+            <a:ln w="12700">
+              <a:solidFill>
+                <a:schemeClr val="tx1"/>
+              </a:solidFill>
+            </a:ln>
+          </p:spPr>
+          <p:style>
+            <a:lnRef idx="1">
+              <a:schemeClr val="accent1"/>
+            </a:lnRef>
+            <a:fillRef idx="0">
+              <a:schemeClr val="accent1"/>
+            </a:fillRef>
+            <a:effectRef idx="0">
+              <a:schemeClr val="accent1"/>
+            </a:effectRef>
+            <a:fontRef idx="minor">
+              <a:schemeClr val="tx1"/>
+            </a:fontRef>
+          </p:style>
+        </p:cxnSp>
+      </p:grpSp>
+      <p:cxnSp>
+        <p:nvCxnSpPr>
+          <p:cNvPr id="4" name="直線接點 3"/>
+          <p:cNvCxnSpPr/>
+          <p:nvPr/>
+        </p:nvCxnSpPr>
+        <p:spPr>
+          <a:xfrm flipH="1">
+            <a:off x="10837463" y="3931814"/>
+            <a:ext cx="2200401" cy="4536931"/>
+          </a:xfrm>
+          <a:prstGeom prst="line">
+            <a:avLst/>
+          </a:prstGeom>
+          <a:ln>
+            <a:solidFill>
+              <a:srgbClr val="FF0000"/>
+            </a:solidFill>
+          </a:ln>
+        </p:spPr>
+        <p:style>
+          <a:lnRef idx="1">
+            <a:schemeClr val="accent1"/>
+          </a:lnRef>
+          <a:fillRef idx="0">
+            <a:schemeClr val="accent1"/>
+          </a:fillRef>
+          <a:effectRef idx="0">
+            <a:schemeClr val="accent1"/>
+          </a:effectRef>
+          <a:fontRef idx="minor">
+            <a:schemeClr val="tx1"/>
+          </a:fontRef>
+        </p:style>
+      </p:cxnSp>
+      <p:cxnSp>
+        <p:nvCxnSpPr>
+          <p:cNvPr id="9" name="直線接點 8"/>
+          <p:cNvCxnSpPr/>
+          <p:nvPr/>
+        </p:nvCxnSpPr>
+        <p:spPr>
+          <a:xfrm>
+            <a:off x="10809714" y="3997655"/>
+            <a:ext cx="2228150" cy="4534315"/>
+          </a:xfrm>
+          <a:prstGeom prst="line">
+            <a:avLst/>
+          </a:prstGeom>
+          <a:ln>
+            <a:solidFill>
+              <a:srgbClr val="FF0000"/>
+            </a:solidFill>
+          </a:ln>
+        </p:spPr>
+        <p:style>
+          <a:lnRef idx="1">
+            <a:schemeClr val="accent1"/>
+          </a:lnRef>
+          <a:fillRef idx="0">
+            <a:schemeClr val="accent1"/>
+          </a:fillRef>
+          <a:effectRef idx="0">
+            <a:schemeClr val="accent1"/>
+          </a:effectRef>
+          <a:fontRef idx="minor">
+            <a:schemeClr val="tx1"/>
+          </a:fontRef>
+        </p:style>
+      </p:cxnSp>
+      <p:cxnSp>
+        <p:nvCxnSpPr>
+          <p:cNvPr id="116" name="直線接點 115"/>
+          <p:cNvCxnSpPr/>
+          <p:nvPr/>
+        </p:nvCxnSpPr>
+        <p:spPr>
+          <a:xfrm flipH="1">
+            <a:off x="9047060" y="5968363"/>
+            <a:ext cx="1516568" cy="819387"/>
+          </a:xfrm>
+          <a:prstGeom prst="line">
+            <a:avLst/>
+          </a:prstGeom>
+          <a:ln>
+            <a:solidFill>
+              <a:srgbClr val="FF0000"/>
+            </a:solidFill>
+          </a:ln>
+        </p:spPr>
+        <p:style>
+          <a:lnRef idx="1">
+            <a:schemeClr val="accent1"/>
+          </a:lnRef>
+          <a:fillRef idx="0">
+            <a:schemeClr val="accent1"/>
+          </a:fillRef>
+          <a:effectRef idx="0">
+            <a:schemeClr val="accent1"/>
+          </a:effectRef>
+          <a:fontRef idx="minor">
+            <a:schemeClr val="tx1"/>
+          </a:fontRef>
+        </p:style>
+      </p:cxnSp>
+      <p:cxnSp>
+        <p:nvCxnSpPr>
+          <p:cNvPr id="117" name="直線接點 116"/>
+          <p:cNvCxnSpPr/>
+          <p:nvPr/>
+        </p:nvCxnSpPr>
+        <p:spPr>
+          <a:xfrm>
+            <a:off x="9017352" y="5952463"/>
+            <a:ext cx="1456119" cy="887357"/>
+          </a:xfrm>
+          <a:prstGeom prst="line">
+            <a:avLst/>
+          </a:prstGeom>
+          <a:ln>
+            <a:solidFill>
+              <a:srgbClr val="FF0000"/>
+            </a:solidFill>
+          </a:ln>
+        </p:spPr>
+        <p:style>
+          <a:lnRef idx="1">
+            <a:schemeClr val="accent1"/>
+          </a:lnRef>
+          <a:fillRef idx="0">
+            <a:schemeClr val="accent1"/>
+          </a:fillRef>
+          <a:effectRef idx="0">
+            <a:schemeClr val="accent1"/>
+          </a:effectRef>
+          <a:fontRef idx="minor">
+            <a:schemeClr val="tx1"/>
+          </a:fontRef>
+        </p:style>
+      </p:cxnSp>
+      <p:graphicFrame>
+        <p:nvGraphicFramePr>
+          <p:cNvPr id="118" name="表格 117"/>
+          <p:cNvGraphicFramePr>
+            <a:graphicFrameLocks noGrp="1"/>
+          </p:cNvGraphicFramePr>
+          <p:nvPr>
+            <p:extLst>
+              <p:ext uri="{D42A27DB-BD31-4B8C-83A1-F6EECF244321}">
+                <p14:modId xmlns:p14="http://schemas.microsoft.com/office/powerpoint/2010/main" val="235009132"/>
+              </p:ext>
+            </p:extLst>
+          </p:nvPr>
+        </p:nvGraphicFramePr>
+        <p:xfrm>
+          <a:off x="13433530" y="2735814"/>
+          <a:ext cx="2160958" cy="1875216"/>
+        </p:xfrm>
+        <a:graphic>
+          <a:graphicData uri="http://schemas.openxmlformats.org/drawingml/2006/table">
+            <a:tbl>
+              <a:tblPr firstRow="1" bandRow="1">
+                <a:tableStyleId>{5C22544A-7EE6-4342-B048-85BDC9FD1C3A}</a:tableStyleId>
+              </a:tblPr>
+              <a:tblGrid>
+                <a:gridCol w="2160958">
+                  <a:extLst>
+                    <a:ext uri="{9D8B030D-6E8A-4147-A177-3AD203B41FA5}">
+                      <a16:colId xmlns:a16="http://schemas.microsoft.com/office/drawing/2014/main" val="1401061046"/>
+                    </a:ext>
+                  </a:extLst>
+                </a:gridCol>
+              </a:tblGrid>
+              <a:tr h="316176">
+                <a:tc>
+                  <a:txBody>
+                    <a:bodyPr/>
+                    <a:lstStyle/>
+                    <a:p>
+                      <a:pPr algn="l" fontAlgn="ctr"/>
+                      <a:r>
+                        <a:rPr lang="en-US" sz="1000" b="0" i="0" u="none" strike="noStrike" dirty="0" err="1">
+                          <a:solidFill>
+                            <a:srgbClr val="000000"/>
+                          </a:solidFill>
+                          <a:effectLst/>
+                          <a:latin typeface="Noto Sans CJK TC Light" panose="020B0300000000000000" pitchFamily="34" charset="-120"/>
+                          <a:ea typeface="Noto Sans CJK TC Light" panose="020B0300000000000000" pitchFamily="34" charset="-120"/>
+                        </a:rPr>
+                        <a:t>family_mem_property</a:t>
+                      </a:r>
+                      <a:endParaRPr lang="en-US" sz="1000" b="0" i="0" u="none" strike="noStrike" dirty="0">
+                        <a:solidFill>
+                          <a:srgbClr val="000000"/>
+                        </a:solidFill>
+                        <a:effectLst/>
+                        <a:latin typeface="Noto Sans CJK TC Light" panose="020B0300000000000000" pitchFamily="34" charset="-120"/>
+                        <a:ea typeface="Noto Sans CJK TC Light" panose="020B0300000000000000" pitchFamily="34" charset="-120"/>
+                      </a:endParaRPr>
+                    </a:p>
+                  </a:txBody>
+                  <a:tcPr marL="9525" marR="9525" marT="9525" marB="0" anchor="ctr"/>
+                </a:tc>
+                <a:extLst>
+                  <a:ext uri="{0D108BD9-81ED-4DB2-BD59-A6C34878D82A}">
+                    <a16:rowId xmlns:a16="http://schemas.microsoft.com/office/drawing/2014/main" val="1954163142"/>
+                  </a:ext>
+                </a:extLst>
+              </a:tr>
+              <a:tr h="194880">
+                <a:tc>
+                  <a:txBody>
+                    <a:bodyPr/>
+                    <a:lstStyle/>
+                    <a:p>
+                      <a:pPr marL="0" marR="0" lvl="0" indent="0" algn="l" defTabSz="914400" rtl="0" eaLnBrk="1" fontAlgn="t" latinLnBrk="0" hangingPunct="1">
+                        <a:lnSpc>
+                          <a:spcPct val="100000"/>
+                        </a:lnSpc>
+                        <a:spcBef>
+                          <a:spcPts val="0"/>
+                        </a:spcBef>
+                        <a:spcAft>
+                          <a:spcPts val="0"/>
+                        </a:spcAft>
+                        <a:buClrTx/>
+                        <a:buSzTx/>
+                        <a:buFontTx/>
+                        <a:buNone/>
+                        <a:tabLst/>
+                        <a:defRPr/>
+                      </a:pPr>
+                      <a:r>
+                        <a:rPr lang="zh-TW" altLang="en-US" sz="1000" u="none" strike="noStrike" dirty="0">
+                          <a:solidFill>
+                            <a:schemeClr val="accent6">
+                              <a:lumMod val="75000"/>
+                            </a:schemeClr>
+                          </a:solidFill>
+                          <a:effectLst/>
+                          <a:latin typeface="Noto Sans CJK TC Light" panose="020B0300000000000000" pitchFamily="34" charset="-120"/>
+                          <a:ea typeface="Noto Sans CJK TC Light" panose="020B0300000000000000" pitchFamily="34" charset="-120"/>
+                        </a:rPr>
+                        <a:t>財產系統編號</a:t>
+                      </a:r>
+                      <a:endParaRPr lang="zh-TW" altLang="en-US" sz="1000" b="1" i="0" u="none" strike="noStrike" dirty="0">
+                        <a:solidFill>
+                          <a:schemeClr val="accent6">
+                            <a:lumMod val="75000"/>
+                          </a:schemeClr>
+                        </a:solidFill>
+                        <a:effectLst/>
+                        <a:latin typeface="Noto Sans CJK TC Light" panose="020B0300000000000000" pitchFamily="34" charset="-120"/>
+                        <a:ea typeface="Noto Sans CJK TC Light" panose="020B0300000000000000" pitchFamily="34" charset="-120"/>
+                      </a:endParaRPr>
+                    </a:p>
+                  </a:txBody>
+                  <a:tcPr marL="9525" marR="9525" marT="9525" marB="0"/>
+                </a:tc>
+                <a:extLst>
+                  <a:ext uri="{0D108BD9-81ED-4DB2-BD59-A6C34878D82A}">
+                    <a16:rowId xmlns:a16="http://schemas.microsoft.com/office/drawing/2014/main" val="1367646469"/>
+                  </a:ext>
+                </a:extLst>
+              </a:tr>
+              <a:tr h="194880">
+                <a:tc>
+                  <a:txBody>
+                    <a:bodyPr/>
+                    <a:lstStyle/>
+                    <a:p>
+                      <a:pPr marL="0" marR="0" lvl="0" indent="0" algn="l" defTabSz="914400" rtl="0" eaLnBrk="1" fontAlgn="t" latinLnBrk="0" hangingPunct="1">
+                        <a:lnSpc>
+                          <a:spcPct val="100000"/>
+                        </a:lnSpc>
+                        <a:spcBef>
+                          <a:spcPts val="0"/>
+                        </a:spcBef>
+                        <a:spcAft>
+                          <a:spcPts val="0"/>
+                        </a:spcAft>
+                        <a:buClrTx/>
+                        <a:buSzTx/>
+                        <a:buFontTx/>
+                        <a:buNone/>
+                        <a:tabLst/>
+                        <a:defRPr/>
+                      </a:pPr>
+                      <a:r>
+                        <a:rPr lang="zh-TW" altLang="en-US" sz="1000" u="none" strike="noStrike" dirty="0">
+                          <a:solidFill>
+                            <a:srgbClr val="FF0000"/>
+                          </a:solidFill>
+                          <a:effectLst/>
+                          <a:latin typeface="Noto Sans CJK TC Light" panose="020B0300000000000000" pitchFamily="34" charset="-120"/>
+                          <a:ea typeface="Noto Sans CJK TC Light" panose="020B0300000000000000" pitchFamily="34" charset="-120"/>
+                        </a:rPr>
+                        <a:t>成員系統編號</a:t>
+                      </a:r>
+                      <a:endParaRPr lang="zh-TW" altLang="en-US" sz="1000" b="1" i="0" u="none" strike="noStrike" dirty="0">
+                        <a:solidFill>
+                          <a:srgbClr val="FF0000"/>
+                        </a:solidFill>
+                        <a:effectLst/>
+                        <a:latin typeface="Noto Sans CJK TC Light" panose="020B0300000000000000" pitchFamily="34" charset="-120"/>
+                        <a:ea typeface="Noto Sans CJK TC Light" panose="020B0300000000000000" pitchFamily="34" charset="-120"/>
+                      </a:endParaRPr>
+                    </a:p>
+                  </a:txBody>
+                  <a:tcPr marL="9525" marR="9525" marT="9525" marB="0"/>
+                </a:tc>
+                <a:extLst>
+                  <a:ext uri="{0D108BD9-81ED-4DB2-BD59-A6C34878D82A}">
+                    <a16:rowId xmlns:a16="http://schemas.microsoft.com/office/drawing/2014/main" val="3612560900"/>
+                  </a:ext>
+                </a:extLst>
+              </a:tr>
+              <a:tr h="194880">
+                <a:tc>
+                  <a:txBody>
+                    <a:bodyPr/>
+                    <a:lstStyle/>
+                    <a:p>
+                      <a:pPr algn="l" fontAlgn="t"/>
+                      <a:r>
+                        <a:rPr lang="zh-TW" altLang="en-US" sz="1000" b="0" i="0" u="none" strike="noStrike" dirty="0">
+                          <a:solidFill>
+                            <a:schemeClr val="tx1"/>
+                          </a:solidFill>
+                          <a:effectLst/>
+                          <a:latin typeface="Noto Sans CJK TC Light" panose="020B0300000000000000" pitchFamily="34" charset="-120"/>
+                          <a:ea typeface="Noto Sans CJK TC Light" panose="020B0300000000000000" pitchFamily="34" charset="-120"/>
+                        </a:rPr>
+                        <a:t>財產類別</a:t>
+                      </a:r>
+                      <a:endParaRPr lang="en-US" sz="1000" b="0" i="0" u="none" strike="noStrike" dirty="0">
+                        <a:solidFill>
+                          <a:schemeClr val="tx1"/>
+                        </a:solidFill>
+                        <a:effectLst/>
+                        <a:latin typeface="Noto Sans CJK TC Light" panose="020B0300000000000000" pitchFamily="34" charset="-120"/>
+                        <a:ea typeface="Noto Sans CJK TC Light" panose="020B0300000000000000" pitchFamily="34" charset="-120"/>
+                      </a:endParaRPr>
+                    </a:p>
+                  </a:txBody>
+                  <a:tcPr marL="9525" marR="9525" marT="9525" marB="0"/>
+                </a:tc>
+                <a:extLst>
+                  <a:ext uri="{0D108BD9-81ED-4DB2-BD59-A6C34878D82A}">
+                    <a16:rowId xmlns:a16="http://schemas.microsoft.com/office/drawing/2014/main" val="2125624845"/>
+                  </a:ext>
+                </a:extLst>
+              </a:tr>
+              <a:tr h="194880">
+                <a:tc>
+                  <a:txBody>
+                    <a:bodyPr/>
+                    <a:lstStyle/>
+                    <a:p>
+                      <a:pPr algn="l" fontAlgn="t"/>
+                      <a:r>
+                        <a:rPr lang="zh-TW" altLang="en-US" sz="1000" b="0" i="0" u="none" strike="noStrike" dirty="0">
+                          <a:solidFill>
+                            <a:schemeClr val="tx1"/>
+                          </a:solidFill>
+                          <a:effectLst/>
+                          <a:latin typeface="Noto Sans CJK TC Light" panose="020B0300000000000000" pitchFamily="34" charset="-120"/>
+                          <a:ea typeface="Noto Sans CJK TC Light" panose="020B0300000000000000" pitchFamily="34" charset="-120"/>
+                        </a:rPr>
+                        <a:t>銀行、公司、地址、地號、來源</a:t>
+                      </a:r>
+                      <a:endParaRPr lang="en-US" sz="1000" b="0" i="0" u="none" strike="noStrike" dirty="0">
+                        <a:solidFill>
+                          <a:schemeClr val="tx1"/>
+                        </a:solidFill>
+                        <a:effectLst/>
+                        <a:latin typeface="Noto Sans CJK TC Light" panose="020B0300000000000000" pitchFamily="34" charset="-120"/>
+                        <a:ea typeface="Noto Sans CJK TC Light" panose="020B0300000000000000" pitchFamily="34" charset="-120"/>
+                      </a:endParaRPr>
+                    </a:p>
+                  </a:txBody>
+                  <a:tcPr marL="9525" marR="9525" marT="9525" marB="0"/>
+                </a:tc>
+                <a:extLst>
+                  <a:ext uri="{0D108BD9-81ED-4DB2-BD59-A6C34878D82A}">
+                    <a16:rowId xmlns:a16="http://schemas.microsoft.com/office/drawing/2014/main" val="2630782022"/>
+                  </a:ext>
+                </a:extLst>
+              </a:tr>
+              <a:tr h="194880">
+                <a:tc>
+                  <a:txBody>
+                    <a:bodyPr/>
+                    <a:lstStyle/>
+                    <a:p>
+                      <a:pPr algn="l" fontAlgn="t"/>
+                      <a:r>
+                        <a:rPr lang="zh-TW" altLang="en-US" sz="1000" b="0" i="0" u="none" strike="noStrike" dirty="0">
+                          <a:solidFill>
+                            <a:schemeClr val="tx1"/>
+                          </a:solidFill>
+                          <a:effectLst/>
+                          <a:latin typeface="Noto Sans CJK TC Light" panose="020B0300000000000000" pitchFamily="34" charset="-120"/>
+                          <a:ea typeface="Noto Sans CJK TC Light" panose="020B0300000000000000" pitchFamily="34" charset="-120"/>
+                        </a:rPr>
+                        <a:t>價值</a:t>
+                      </a:r>
+                      <a:endParaRPr lang="en-US" sz="1000" b="0" i="0" u="none" strike="noStrike" dirty="0">
+                        <a:solidFill>
+                          <a:schemeClr val="tx1"/>
+                        </a:solidFill>
+                        <a:effectLst/>
+                        <a:latin typeface="Noto Sans CJK TC Light" panose="020B0300000000000000" pitchFamily="34" charset="-120"/>
+                        <a:ea typeface="Noto Sans CJK TC Light" panose="020B0300000000000000" pitchFamily="34" charset="-120"/>
+                      </a:endParaRPr>
+                    </a:p>
+                  </a:txBody>
+                  <a:tcPr marL="9525" marR="9525" marT="9525" marB="0"/>
+                </a:tc>
+                <a:extLst>
+                  <a:ext uri="{0D108BD9-81ED-4DB2-BD59-A6C34878D82A}">
+                    <a16:rowId xmlns:a16="http://schemas.microsoft.com/office/drawing/2014/main" val="3225079387"/>
+                  </a:ext>
+                </a:extLst>
+              </a:tr>
+              <a:tr h="194880">
+                <a:tc>
+                  <a:txBody>
+                    <a:bodyPr/>
+                    <a:lstStyle/>
+                    <a:p>
+                      <a:pPr algn="l" fontAlgn="t"/>
+                      <a:r>
+                        <a:rPr lang="zh-TW" altLang="en-US" sz="1000" b="0" i="0" u="none" strike="noStrike" dirty="0">
+                          <a:solidFill>
+                            <a:srgbClr val="000000"/>
+                          </a:solidFill>
+                          <a:effectLst/>
+                          <a:latin typeface="Noto Sans CJK TC Light" panose="020B0300000000000000" pitchFamily="34" charset="-120"/>
+                          <a:ea typeface="Noto Sans CJK TC Light" panose="020B0300000000000000" pitchFamily="34" charset="-120"/>
+                        </a:rPr>
+                        <a:t>利率、股利率</a:t>
+                      </a:r>
+                      <a:endParaRPr lang="en-US" altLang="zh-TW" sz="1000" b="0" i="0" u="none" strike="noStrike" dirty="0">
+                        <a:solidFill>
+                          <a:srgbClr val="000000"/>
+                        </a:solidFill>
+                        <a:effectLst/>
+                        <a:latin typeface="Noto Sans CJK TC Light" panose="020B0300000000000000" pitchFamily="34" charset="-120"/>
+                        <a:ea typeface="Noto Sans CJK TC Light" panose="020B0300000000000000" pitchFamily="34" charset="-120"/>
+                      </a:endParaRPr>
+                    </a:p>
+                  </a:txBody>
+                  <a:tcPr marL="9525" marR="9525" marT="9525" marB="0"/>
+                </a:tc>
+                <a:extLst>
+                  <a:ext uri="{0D108BD9-81ED-4DB2-BD59-A6C34878D82A}">
+                    <a16:rowId xmlns:a16="http://schemas.microsoft.com/office/drawing/2014/main" val="10005"/>
+                  </a:ext>
+                </a:extLst>
+              </a:tr>
+              <a:tr h="194880">
+                <a:tc>
+                  <a:txBody>
+                    <a:bodyPr/>
+                    <a:lstStyle/>
+                    <a:p>
+                      <a:pPr algn="l" fontAlgn="t"/>
+                      <a:r>
+                        <a:rPr lang="zh-TW" altLang="en-US" sz="1000" b="0" i="0" u="none" strike="noStrike" dirty="0">
+                          <a:solidFill>
+                            <a:srgbClr val="000000"/>
+                          </a:solidFill>
+                          <a:effectLst/>
+                          <a:latin typeface="Noto Sans CJK TC Light" panose="020B0300000000000000" pitchFamily="34" charset="-120"/>
+                          <a:ea typeface="Noto Sans CJK TC Light" panose="020B0300000000000000" pitchFamily="34" charset="-120"/>
+                        </a:rPr>
+                        <a:t>自用</a:t>
+                      </a:r>
+                    </a:p>
+                  </a:txBody>
+                  <a:tcPr marL="9525" marR="9525" marT="9525" marB="0"/>
+                </a:tc>
+                <a:extLst>
+                  <a:ext uri="{0D108BD9-81ED-4DB2-BD59-A6C34878D82A}">
+                    <a16:rowId xmlns:a16="http://schemas.microsoft.com/office/drawing/2014/main" val="2530421586"/>
+                  </a:ext>
+                </a:extLst>
+              </a:tr>
+              <a:tr h="194880">
+                <a:tc>
+                  <a:txBody>
+                    <a:bodyPr/>
+                    <a:lstStyle/>
+                    <a:p>
+                      <a:pPr algn="l" fontAlgn="t"/>
+                      <a:r>
+                        <a:rPr lang="zh-TW" altLang="en-US" sz="1000" b="0" i="0" u="none" strike="noStrike" dirty="0">
+                          <a:solidFill>
+                            <a:srgbClr val="000000"/>
+                          </a:solidFill>
+                          <a:effectLst/>
+                          <a:latin typeface="Noto Sans CJK TC Light" panose="020B0300000000000000" pitchFamily="34" charset="-120"/>
+                          <a:ea typeface="Noto Sans CJK TC Light" panose="020B0300000000000000" pitchFamily="34" charset="-120"/>
+                        </a:rPr>
+                        <a:t>備註</a:t>
+                      </a:r>
+                    </a:p>
+                  </a:txBody>
+                  <a:tcPr marL="9525" marR="9525" marT="9525" marB="0"/>
+                </a:tc>
+                <a:extLst>
+                  <a:ext uri="{0D108BD9-81ED-4DB2-BD59-A6C34878D82A}">
+                    <a16:rowId xmlns:a16="http://schemas.microsoft.com/office/drawing/2014/main" val="2681256343"/>
+                  </a:ext>
+                </a:extLst>
+              </a:tr>
+            </a:tbl>
+          </a:graphicData>
+        </a:graphic>
+      </p:graphicFrame>
+      <p:sp>
+        <p:nvSpPr>
+          <p:cNvPr id="14" name="矩形 13"/>
+          <p:cNvSpPr/>
+          <p:nvPr/>
+        </p:nvSpPr>
+        <p:spPr>
+          <a:xfrm>
+            <a:off x="13374107" y="4582654"/>
+            <a:ext cx="2587568" cy="261610"/>
+          </a:xfrm>
+          <a:prstGeom prst="rect">
+            <a:avLst/>
+          </a:prstGeom>
+        </p:spPr>
+        <p:txBody>
+          <a:bodyPr wrap="none">
+            <a:spAutoFit/>
+          </a:bodyPr>
+          <a:lstStyle/>
+          <a:p>
+            <a:r>
+              <a:rPr lang="en-US" altLang="zh-TW" sz="1100" dirty="0">
+                <a:latin typeface="Noto Sans CJK TC Light" panose="020B0300000000000000" pitchFamily="34" charset="-120"/>
+                <a:ea typeface="Noto Sans CJK TC Light" panose="020B0300000000000000" pitchFamily="34" charset="-120"/>
+              </a:rPr>
+              <a:t>(1:</a:t>
+            </a:r>
+            <a:r>
+              <a:rPr lang="zh-TW" altLang="en-US" sz="1100" dirty="0">
+                <a:latin typeface="Noto Sans CJK TC Light" panose="020B0300000000000000" pitchFamily="34" charset="-120"/>
+                <a:ea typeface="Noto Sans CJK TC Light" panose="020B0300000000000000" pitchFamily="34" charset="-120"/>
+              </a:rPr>
+              <a:t>存款</a:t>
+            </a:r>
+            <a:r>
+              <a:rPr lang="en-US" altLang="zh-TW" sz="1100" dirty="0">
+                <a:latin typeface="Noto Sans CJK TC Light" panose="020B0300000000000000" pitchFamily="34" charset="-120"/>
+                <a:ea typeface="Noto Sans CJK TC Light" panose="020B0300000000000000" pitchFamily="34" charset="-120"/>
+              </a:rPr>
+              <a:t>, 2:</a:t>
+            </a:r>
+            <a:r>
+              <a:rPr lang="zh-TW" altLang="en-US" sz="1100" dirty="0">
+                <a:latin typeface="Noto Sans CJK TC Light" panose="020B0300000000000000" pitchFamily="34" charset="-120"/>
+                <a:ea typeface="Noto Sans CJK TC Light" panose="020B0300000000000000" pitchFamily="34" charset="-120"/>
+              </a:rPr>
+              <a:t>有價證券</a:t>
+            </a:r>
+            <a:r>
+              <a:rPr lang="en-US" altLang="zh-TW" sz="1100" dirty="0">
+                <a:latin typeface="Noto Sans CJK TC Light" panose="020B0300000000000000" pitchFamily="34" charset="-120"/>
+                <a:ea typeface="Noto Sans CJK TC Light" panose="020B0300000000000000" pitchFamily="34" charset="-120"/>
+              </a:rPr>
+              <a:t>,3</a:t>
+            </a:r>
+            <a:r>
+              <a:rPr lang="zh-TW" altLang="en-US" sz="1100" dirty="0">
+                <a:latin typeface="Noto Sans CJK TC Light" panose="020B0300000000000000" pitchFamily="34" charset="-120"/>
+                <a:ea typeface="Noto Sans CJK TC Light" panose="020B0300000000000000" pitchFamily="34" charset="-120"/>
+              </a:rPr>
+              <a:t>房屋</a:t>
+            </a:r>
+            <a:r>
+              <a:rPr lang="en-US" altLang="zh-TW" sz="1100" dirty="0">
+                <a:latin typeface="Noto Sans CJK TC Light" panose="020B0300000000000000" pitchFamily="34" charset="-120"/>
+                <a:ea typeface="Noto Sans CJK TC Light" panose="020B0300000000000000" pitchFamily="34" charset="-120"/>
+              </a:rPr>
+              <a:t>,4</a:t>
+            </a:r>
+            <a:r>
+              <a:rPr lang="zh-TW" altLang="en-US" sz="1100" dirty="0">
+                <a:latin typeface="Noto Sans CJK TC Light" panose="020B0300000000000000" pitchFamily="34" charset="-120"/>
+                <a:ea typeface="Noto Sans CJK TC Light" panose="020B0300000000000000" pitchFamily="34" charset="-120"/>
+              </a:rPr>
+              <a:t>土地</a:t>
+            </a:r>
+            <a:r>
+              <a:rPr lang="en-US" altLang="zh-TW" sz="1100" dirty="0">
+                <a:latin typeface="Noto Sans CJK TC Light" panose="020B0300000000000000" pitchFamily="34" charset="-120"/>
+                <a:ea typeface="Noto Sans CJK TC Light" panose="020B0300000000000000" pitchFamily="34" charset="-120"/>
+              </a:rPr>
+              <a:t>,5</a:t>
+            </a:r>
+            <a:r>
+              <a:rPr lang="zh-TW" altLang="en-US" sz="1100" dirty="0">
+                <a:latin typeface="Noto Sans CJK TC Light" panose="020B0300000000000000" pitchFamily="34" charset="-120"/>
+                <a:ea typeface="Noto Sans CJK TC Light" panose="020B0300000000000000" pitchFamily="34" charset="-120"/>
+              </a:rPr>
+              <a:t>其他</a:t>
+            </a:r>
+            <a:r>
+              <a:rPr lang="en-US" altLang="zh-TW" sz="1100" dirty="0">
+                <a:latin typeface="Noto Sans CJK TC Light" panose="020B0300000000000000" pitchFamily="34" charset="-120"/>
+                <a:ea typeface="Noto Sans CJK TC Light" panose="020B0300000000000000" pitchFamily="34" charset="-120"/>
+              </a:rPr>
+              <a:t>)</a:t>
             </a:r>
             <a:endParaRPr lang="zh-TW" altLang="en-US" sz="1100" dirty="0"/>
           </a:p>
@@ -16971,7 +19371,6 @@
               <a:rPr lang="en-US" altLang="zh-TW" dirty="0"/>
               <a:t>]</a:t>
             </a:r>
-            <a:endParaRPr lang="en-US" altLang="zh-TW" dirty="0"/>
           </a:p>
           <a:p>
             <a:endParaRPr lang="zh-TW" altLang="en-US" dirty="0"/>
@@ -17119,7 +19518,6 @@
               <a:rPr lang="zh-TW" altLang="en-US" dirty="0"/>
               <a:t>案件</a:t>
             </a:r>
-            <a:endParaRPr lang="zh-TW" altLang="en-US" dirty="0"/>
           </a:p>
         </p:txBody>
       </p:sp>
@@ -17148,7 +19546,6 @@
               <a:rPr lang="zh-TW" altLang="en-US" dirty="0"/>
               <a:t>案件編修</a:t>
             </a:r>
-            <a:endParaRPr lang="zh-TW" altLang="en-US" dirty="0"/>
           </a:p>
         </p:txBody>
       </p:sp>
@@ -17193,7 +19590,6 @@
               <a:rPr lang="zh-TW" altLang="en-US" dirty="0"/>
               <a:t>入伍日期</a:t>
             </a:r>
-            <a:endParaRPr lang="zh-TW" altLang="en-US" dirty="0"/>
           </a:p>
         </p:txBody>
       </p:sp>
@@ -17222,7 +19618,6 @@
               <a:rPr lang="zh-TW" altLang="en-US" dirty="0"/>
               <a:t>補助中</a:t>
             </a:r>
-            <a:endParaRPr lang="zh-TW" altLang="en-US" dirty="0"/>
           </a:p>
         </p:txBody>
       </p:sp>
@@ -17251,7 +19646,6 @@
               <a:rPr lang="zh-TW" altLang="en-US" dirty="0"/>
               <a:t>進階查詢</a:t>
             </a:r>
-            <a:endParaRPr lang="zh-TW" altLang="en-US" dirty="0"/>
           </a:p>
         </p:txBody>
       </p:sp>
@@ -17296,7 +19690,6 @@
               <a:rPr lang="zh-TW" altLang="en-US" dirty="0"/>
               <a:t>職業欄</a:t>
             </a:r>
-            <a:endParaRPr lang="zh-TW" altLang="en-US" dirty="0"/>
           </a:p>
         </p:txBody>
       </p:sp>
@@ -17325,7 +19718,6 @@
               <a:rPr lang="zh-TW" altLang="en-US" dirty="0"/>
               <a:t>整體家況</a:t>
             </a:r>
-            <a:endParaRPr lang="zh-TW" altLang="en-US" dirty="0"/>
           </a:p>
         </p:txBody>
       </p:sp>
@@ -17354,7 +19746,6 @@
               <a:rPr lang="zh-TW" altLang="en-US" dirty="0"/>
               <a:t>儲存</a:t>
             </a:r>
-            <a:endParaRPr lang="zh-TW" altLang="en-US" dirty="0"/>
           </a:p>
         </p:txBody>
       </p:sp>
@@ -17383,7 +19774,6 @@
               <a:rPr lang="zh-TW" altLang="en-US" dirty="0"/>
               <a:t>儲存後關閉</a:t>
             </a:r>
-            <a:endParaRPr lang="zh-TW" altLang="en-US" dirty="0"/>
           </a:p>
         </p:txBody>
       </p:sp>
@@ -17412,7 +19802,6 @@
               <a:rPr lang="zh-TW" altLang="en-US" dirty="0"/>
               <a:t>不儲存關閉</a:t>
             </a:r>
-            <a:endParaRPr lang="zh-TW" altLang="en-US" dirty="0"/>
           </a:p>
         </p:txBody>
       </p:sp>
@@ -17478,7 +19867,6 @@
               <a:rPr lang="zh-TW" altLang="en-US" dirty="0"/>
               <a:t>參考資料</a:t>
             </a:r>
-            <a:endParaRPr lang="zh-TW" altLang="en-US" dirty="0"/>
           </a:p>
         </p:txBody>
       </p:sp>
@@ -17655,7 +20043,6 @@
               <a:rPr lang="en-US" altLang="zh-TW" dirty="0"/>
               <a:t>/czchen-metro.css</a:t>
             </a:r>
-            <a:endParaRPr lang="en-US" altLang="zh-TW" dirty="0"/>
           </a:p>
           <a:p>
             <a:r>
@@ -17730,7 +20117,6 @@
               <a:rPr lang="zh-TW" altLang="en-US" dirty="0"/>
               <a:t>登入頁</a:t>
             </a:r>
-            <a:endParaRPr lang="zh-TW" altLang="en-US" dirty="0"/>
           </a:p>
         </p:txBody>
       </p:sp>

--- a/design_documents/開發設計2.pptx
+++ b/design_documents/開發設計2.pptx
@@ -257,7 +257,7 @@
           <a:p>
             <a:fld id="{0E123B77-F741-48B9-B5A2-A67FD2882B93}" type="datetimeFigureOut">
               <a:rPr lang="zh-TW" altLang="en-US" smtClean="0"/>
-              <a:t>2016/11/6</a:t>
+              <a:t>2016/11/8</a:t>
             </a:fld>
             <a:endParaRPr lang="zh-TW" altLang="en-US"/>
           </a:p>
@@ -427,7 +427,7 @@
           <a:p>
             <a:fld id="{0E123B77-F741-48B9-B5A2-A67FD2882B93}" type="datetimeFigureOut">
               <a:rPr lang="zh-TW" altLang="en-US" smtClean="0"/>
-              <a:t>2016/11/6</a:t>
+              <a:t>2016/11/8</a:t>
             </a:fld>
             <a:endParaRPr lang="zh-TW" altLang="en-US"/>
           </a:p>
@@ -607,7 +607,7 @@
           <a:p>
             <a:fld id="{0E123B77-F741-48B9-B5A2-A67FD2882B93}" type="datetimeFigureOut">
               <a:rPr lang="zh-TW" altLang="en-US" smtClean="0"/>
-              <a:t>2016/11/6</a:t>
+              <a:t>2016/11/8</a:t>
             </a:fld>
             <a:endParaRPr lang="zh-TW" altLang="en-US"/>
           </a:p>
@@ -777,7 +777,7 @@
           <a:p>
             <a:fld id="{0E123B77-F741-48B9-B5A2-A67FD2882B93}" type="datetimeFigureOut">
               <a:rPr lang="zh-TW" altLang="en-US" smtClean="0"/>
-              <a:t>2016/11/6</a:t>
+              <a:t>2016/11/8</a:t>
             </a:fld>
             <a:endParaRPr lang="zh-TW" altLang="en-US"/>
           </a:p>
@@ -1021,7 +1021,7 @@
           <a:p>
             <a:fld id="{0E123B77-F741-48B9-B5A2-A67FD2882B93}" type="datetimeFigureOut">
               <a:rPr lang="zh-TW" altLang="en-US" smtClean="0"/>
-              <a:t>2016/11/6</a:t>
+              <a:t>2016/11/8</a:t>
             </a:fld>
             <a:endParaRPr lang="zh-TW" altLang="en-US"/>
           </a:p>
@@ -1253,7 +1253,7 @@
           <a:p>
             <a:fld id="{0E123B77-F741-48B9-B5A2-A67FD2882B93}" type="datetimeFigureOut">
               <a:rPr lang="zh-TW" altLang="en-US" smtClean="0"/>
-              <a:t>2016/11/6</a:t>
+              <a:t>2016/11/8</a:t>
             </a:fld>
             <a:endParaRPr lang="zh-TW" altLang="en-US"/>
           </a:p>
@@ -1620,7 +1620,7 @@
           <a:p>
             <a:fld id="{0E123B77-F741-48B9-B5A2-A67FD2882B93}" type="datetimeFigureOut">
               <a:rPr lang="zh-TW" altLang="en-US" smtClean="0"/>
-              <a:t>2016/11/6</a:t>
+              <a:t>2016/11/8</a:t>
             </a:fld>
             <a:endParaRPr lang="zh-TW" altLang="en-US"/>
           </a:p>
@@ -1738,7 +1738,7 @@
           <a:p>
             <a:fld id="{0E123B77-F741-48B9-B5A2-A67FD2882B93}" type="datetimeFigureOut">
               <a:rPr lang="zh-TW" altLang="en-US" smtClean="0"/>
-              <a:t>2016/11/6</a:t>
+              <a:t>2016/11/8</a:t>
             </a:fld>
             <a:endParaRPr lang="zh-TW" altLang="en-US"/>
           </a:p>
@@ -1833,7 +1833,7 @@
           <a:p>
             <a:fld id="{0E123B77-F741-48B9-B5A2-A67FD2882B93}" type="datetimeFigureOut">
               <a:rPr lang="zh-TW" altLang="en-US" smtClean="0"/>
-              <a:t>2016/11/6</a:t>
+              <a:t>2016/11/8</a:t>
             </a:fld>
             <a:endParaRPr lang="zh-TW" altLang="en-US"/>
           </a:p>
@@ -2110,7 +2110,7 @@
           <a:p>
             <a:fld id="{0E123B77-F741-48B9-B5A2-A67FD2882B93}" type="datetimeFigureOut">
               <a:rPr lang="zh-TW" altLang="en-US" smtClean="0"/>
-              <a:t>2016/11/6</a:t>
+              <a:t>2016/11/8</a:t>
             </a:fld>
             <a:endParaRPr lang="zh-TW" altLang="en-US"/>
           </a:p>
@@ -2367,7 +2367,7 @@
           <a:p>
             <a:fld id="{0E123B77-F741-48B9-B5A2-A67FD2882B93}" type="datetimeFigureOut">
               <a:rPr lang="zh-TW" altLang="en-US" smtClean="0"/>
-              <a:t>2016/11/6</a:t>
+              <a:t>2016/11/8</a:t>
             </a:fld>
             <a:endParaRPr lang="zh-TW" altLang="en-US"/>
           </a:p>
@@ -2580,7 +2580,7 @@
           <a:p>
             <a:fld id="{0E123B77-F741-48B9-B5A2-A67FD2882B93}" type="datetimeFigureOut">
               <a:rPr lang="zh-TW" altLang="en-US" smtClean="0"/>
-              <a:t>2016/11/6</a:t>
+              <a:t>2016/11/8</a:t>
             </a:fld>
             <a:endParaRPr lang="zh-TW" altLang="en-US"/>
           </a:p>
@@ -9073,7 +9073,7 @@
           <p:nvPr>
             <p:extLst>
               <p:ext uri="{D42A27DB-BD31-4B8C-83A1-F6EECF244321}">
-                <p14:modId xmlns:p14="http://schemas.microsoft.com/office/powerpoint/2010/main" val="2064785861"/>
+                <p14:modId xmlns:p14="http://schemas.microsoft.com/office/powerpoint/2010/main" val="4070294998"/>
               </p:ext>
             </p:extLst>
           </p:nvPr>
@@ -9113,7 +9113,7 @@
                           <a:latin typeface="Noto Sans CJK TC Light" panose="020B0300000000000000" pitchFamily="34" charset="-120"/>
                           <a:ea typeface="Noto Sans CJK TC Light" panose="020B0300000000000000" pitchFamily="34" charset="-120"/>
                         </a:rPr>
-                        <a:t>files_process_status_class</a:t>
+                        <a:t>files_status_code</a:t>
                       </a:r>
                       <a:endParaRPr lang="en-US" sz="1000" b="0" i="0" u="none" strike="noStrike" dirty="0">
                         <a:solidFill>
@@ -9202,7 +9202,7 @@
           <p:nvPr>
             <p:extLst>
               <p:ext uri="{D42A27DB-BD31-4B8C-83A1-F6EECF244321}">
-                <p14:modId xmlns:p14="http://schemas.microsoft.com/office/powerpoint/2010/main" val="389912776"/>
+                <p14:modId xmlns:p14="http://schemas.microsoft.com/office/powerpoint/2010/main" val="3582160602"/>
               </p:ext>
             </p:extLst>
           </p:nvPr>
@@ -9362,7 +9362,7 @@
                     <a:p>
                       <a:pPr algn="l" fontAlgn="t"/>
                       <a:r>
-                        <a:rPr lang="zh-TW" altLang="en-US" sz="1000" b="0" i="0" u="none" strike="noStrike" dirty="0">
+                        <a:rPr lang="zh-TW" altLang="en-US" sz="1000" b="0" i="0" u="none" strike="sngStrike" dirty="0">
                           <a:solidFill>
                             <a:srgbClr val="000000"/>
                           </a:solidFill>
@@ -11666,7 +11666,7 @@
           <p:nvPr>
             <p:extLst>
               <p:ext uri="{D42A27DB-BD31-4B8C-83A1-F6EECF244321}">
-                <p14:modId xmlns:p14="http://schemas.microsoft.com/office/powerpoint/2010/main" val="1515420638"/>
+                <p14:modId xmlns:p14="http://schemas.microsoft.com/office/powerpoint/2010/main" val="1076899787"/>
               </p:ext>
             </p:extLst>
           </p:nvPr>
@@ -11698,7 +11698,7 @@
                     <a:p>
                       <a:pPr algn="l" fontAlgn="ctr"/>
                       <a:r>
-                        <a:rPr lang="en-US" sz="1000" b="0" i="0" u="none" strike="noStrike" dirty="0">
+                        <a:rPr lang="en-US" sz="1000" b="0" i="0" u="none" strike="noStrike" dirty="0" err="1">
                           <a:solidFill>
                             <a:srgbClr val="000000"/>
                           </a:solidFill>
@@ -11706,8 +11706,16 @@
                           <a:latin typeface="Noto Sans CJK TC Light" panose="020B0300000000000000" pitchFamily="34" charset="-120"/>
                           <a:ea typeface="Noto Sans CJK TC Light" panose="020B0300000000000000" pitchFamily="34" charset="-120"/>
                         </a:rPr>
-                        <a:t>family_mem_status1</a:t>
-                      </a:r>
+                        <a:t>family_mem_status</a:t>
+                      </a:r>
+                      <a:endParaRPr lang="en-US" sz="1000" b="0" i="0" u="none" strike="noStrike" dirty="0">
+                        <a:solidFill>
+                          <a:srgbClr val="000000"/>
+                        </a:solidFill>
+                        <a:effectLst/>
+                        <a:latin typeface="Noto Sans CJK TC Light" panose="020B0300000000000000" pitchFamily="34" charset="-120"/>
+                        <a:ea typeface="Noto Sans CJK TC Light" panose="020B0300000000000000" pitchFamily="34" charset="-120"/>
+                      </a:endParaRPr>
                     </a:p>
                   </a:txBody>
                   <a:tcPr marL="9525" marR="9525" marT="9525" marB="0" anchor="ctr"/>
@@ -11916,14 +11924,14 @@
           <p:nvPr>
             <p:extLst>
               <p:ext uri="{D42A27DB-BD31-4B8C-83A1-F6EECF244321}">
-                <p14:modId xmlns:p14="http://schemas.microsoft.com/office/powerpoint/2010/main" val="64885687"/>
+                <p14:modId xmlns:p14="http://schemas.microsoft.com/office/powerpoint/2010/main" val="1042227110"/>
               </p:ext>
             </p:extLst>
           </p:nvPr>
         </p:nvGraphicFramePr>
         <p:xfrm>
           <a:off x="4744573" y="2846412"/>
-          <a:ext cx="1321333" cy="9020751"/>
+          <a:ext cx="1321333" cy="9197037"/>
         </p:xfrm>
         <a:graphic>
           <a:graphicData uri="http://schemas.openxmlformats.org/drawingml/2006/table">
@@ -12118,14 +12126,14 @@
                     <a:p>
                       <a:pPr algn="l" rtl="0" fontAlgn="t"/>
                       <a:r>
-                        <a:rPr lang="zh-TW" altLang="en-US" sz="1000" u="none" strike="sngStrike" baseline="0" dirty="0">
+                        <a:rPr lang="zh-TW" altLang="en-US" sz="1000" u="none" strike="noStrike" baseline="0" dirty="0">
                           <a:effectLst/>
                           <a:latin typeface="Noto Sans CJK TC Light" panose="020B0300000000000000" pitchFamily="34" charset="-120"/>
                           <a:ea typeface="Noto Sans CJK TC Light" panose="020B0300000000000000" pitchFamily="34" charset="-120"/>
                         </a:rPr>
                         <a:t>源版本號</a:t>
                       </a:r>
-                      <a:endParaRPr lang="zh-TW" altLang="en-US" sz="1000" b="1" i="0" u="none" strike="sngStrike" baseline="0" dirty="0">
+                      <a:endParaRPr lang="zh-TW" altLang="en-US" sz="1000" b="1" i="0" u="none" strike="noStrike" baseline="0" dirty="0">
                         <a:solidFill>
                           <a:srgbClr val="000000"/>
                         </a:solidFill>
@@ -12192,23 +12200,7 @@
                           <a:latin typeface="Noto Sans CJK TC Light" panose="020B0300000000000000" pitchFamily="34" charset="-120"/>
                           <a:ea typeface="Noto Sans CJK TC Light" panose="020B0300000000000000" pitchFamily="34" charset="-120"/>
                         </a:rPr>
-                        <a:t>建</a:t>
-                      </a:r>
-                      <a:r>
-                        <a:rPr lang="zh-TW" altLang="en-US" sz="1000" u="none" strike="noStrike" dirty="0">
-                          <a:effectLst/>
-                          <a:latin typeface="Noto Sans CJK TC Light" panose="020B0300000000000000" pitchFamily="34" charset="-120"/>
-                          <a:ea typeface="Noto Sans CJK TC Light" panose="020B0300000000000000" pitchFamily="34" charset="-120"/>
-                        </a:rPr>
-                        <a:t>案</a:t>
-                      </a:r>
-                      <a:r>
-                        <a:rPr lang="zh-TW" altLang="en-US" sz="1000" u="none" strike="noStrike" dirty="0">
-                          <a:effectLst/>
-                          <a:latin typeface="Noto Sans CJK TC Light" panose="020B0300000000000000" pitchFamily="34" charset="-120"/>
-                          <a:ea typeface="Noto Sans CJK TC Light" panose="020B0300000000000000" pitchFamily="34" charset="-120"/>
-                        </a:rPr>
-                        <a:t>日期</a:t>
+                        <a:t>建案日期</a:t>
                       </a:r>
                       <a:endParaRPr lang="zh-TW" altLang="en-US" sz="1000" b="1" i="0" u="none" strike="noStrike" dirty="0">
                         <a:solidFill>
@@ -13403,18 +13395,7 @@
                           <a:latin typeface="Noto Sans CJK TC Light" panose="020B0300000000000000" pitchFamily="34" charset="-120"/>
                           <a:ea typeface="Noto Sans CJK TC Light" panose="020B0300000000000000" pitchFamily="34" charset="-120"/>
                         </a:rPr>
-                        <a:t>土地</a:t>
-                      </a:r>
-                      <a:r>
-                        <a:rPr lang="zh-TW" altLang="en-US" sz="1000" b="1" i="0" u="none" strike="noStrike" dirty="0">
-                          <a:solidFill>
-                            <a:srgbClr val="000000"/>
-                          </a:solidFill>
-                          <a:effectLst/>
-                          <a:latin typeface="Noto Sans CJK TC Light" panose="020B0300000000000000" pitchFamily="34" charset="-120"/>
-                          <a:ea typeface="Noto Sans CJK TC Light" panose="020B0300000000000000" pitchFamily="34" charset="-120"/>
-                        </a:rPr>
-                        <a:t>總價</a:t>
+                        <a:t>土地總價</a:t>
                       </a:r>
                       <a:endParaRPr lang="en-US" altLang="zh-TW" sz="1000" b="1" i="0" u="none" strike="noStrike" dirty="0">
                         <a:solidFill>
@@ -13450,18 +13431,7 @@
                           <a:latin typeface="Noto Sans CJK TC Light" panose="020B0300000000000000" pitchFamily="34" charset="-120"/>
                           <a:ea typeface="Noto Sans CJK TC Light" panose="020B0300000000000000" pitchFamily="34" charset="-120"/>
                         </a:rPr>
-                        <a:t>土地</a:t>
-                      </a:r>
-                      <a:r>
-                        <a:rPr lang="zh-TW" altLang="en-US" sz="1000" b="1" i="0" u="none" strike="noStrike" dirty="0">
-                          <a:solidFill>
-                            <a:srgbClr val="000000"/>
-                          </a:solidFill>
-                          <a:effectLst/>
-                          <a:latin typeface="Noto Sans CJK TC Light" panose="020B0300000000000000" pitchFamily="34" charset="-120"/>
-                          <a:ea typeface="Noto Sans CJK TC Light" panose="020B0300000000000000" pitchFamily="34" charset="-120"/>
-                        </a:rPr>
-                        <a:t>非自用筆數</a:t>
+                        <a:t>土地非自用筆數</a:t>
                       </a:r>
                       <a:endParaRPr lang="en-US" altLang="zh-TW" sz="1000" b="1" i="0" u="none" strike="noStrike" dirty="0">
                         <a:solidFill>
@@ -13513,18 +13483,7 @@
                           <a:latin typeface="Noto Sans CJK TC Light" panose="020B0300000000000000" pitchFamily="34" charset="-120"/>
                           <a:ea typeface="Noto Sans CJK TC Light" panose="020B0300000000000000" pitchFamily="34" charset="-120"/>
                         </a:rPr>
-                        <a:t>土地</a:t>
-                      </a:r>
-                      <a:r>
-                        <a:rPr lang="zh-TW" altLang="en-US" sz="1000" b="1" i="0" u="none" strike="noStrike" dirty="0">
-                          <a:solidFill>
-                            <a:srgbClr val="000000"/>
-                          </a:solidFill>
-                          <a:effectLst/>
-                          <a:latin typeface="Noto Sans CJK TC Light" panose="020B0300000000000000" pitchFamily="34" charset="-120"/>
-                          <a:ea typeface="Noto Sans CJK TC Light" panose="020B0300000000000000" pitchFamily="34" charset="-120"/>
-                        </a:rPr>
-                        <a:t>列計總價</a:t>
+                        <a:t>土地列計總價</a:t>
                       </a:r>
                       <a:endParaRPr lang="en-US" altLang="zh-TW" sz="1000" b="1" i="0" u="none" strike="noStrike" dirty="0">
                         <a:solidFill>
@@ -13992,6 +13951,34 @@
                 <a:extLst>
                   <a:ext uri="{0D108BD9-81ED-4DB2-BD59-A6C34878D82A}">
                     <a16:rowId xmlns:a16="http://schemas.microsoft.com/office/drawing/2014/main" val="101970368"/>
+                  </a:ext>
+                </a:extLst>
+              </a:tr>
+              <a:tr h="176286">
+                <a:tc>
+                  <a:txBody>
+                    <a:bodyPr/>
+                    <a:lstStyle/>
+                    <a:p>
+                      <a:pPr algn="l" rtl="0" fontAlgn="t"/>
+                      <a:r>
+                        <a:rPr lang="zh-TW" altLang="en-US" sz="1000" b="1" i="0" u="none" strike="noStrike" dirty="0">
+                          <a:solidFill>
+                            <a:srgbClr val="000000"/>
+                          </a:solidFill>
+                          <a:effectLst/>
+                          <a:latin typeface="Noto Sans CJK TC Light" panose="020B0300000000000000" pitchFamily="34" charset="-120"/>
+                          <a:ea typeface="Noto Sans CJK TC Light" panose="020B0300000000000000" pitchFamily="34" charset="-120"/>
+                        </a:rPr>
+                        <a:t>可否編修</a:t>
+                      </a:r>
+                    </a:p>
+                  </a:txBody>
+                  <a:tcPr marL="3032" marR="3032" marT="3032" marB="0"/>
+                </a:tc>
+                <a:extLst>
+                  <a:ext uri="{0D108BD9-81ED-4DB2-BD59-A6C34878D82A}">
+                    <a16:rowId xmlns:a16="http://schemas.microsoft.com/office/drawing/2014/main" val="2350734587"/>
                   </a:ext>
                 </a:extLst>
               </a:tr>
@@ -16158,14 +16145,14 @@
           <p:nvPr>
             <p:extLst>
               <p:ext uri="{D42A27DB-BD31-4B8C-83A1-F6EECF244321}">
-                <p14:modId xmlns:p14="http://schemas.microsoft.com/office/powerpoint/2010/main" val="4255608901"/>
+                <p14:modId xmlns:p14="http://schemas.microsoft.com/office/powerpoint/2010/main" val="2583769619"/>
               </p:ext>
             </p:extLst>
           </p:nvPr>
         </p:nvGraphicFramePr>
         <p:xfrm>
           <a:off x="1482919" y="6415353"/>
-          <a:ext cx="1087563" cy="1894350"/>
+          <a:ext cx="1087563" cy="2093049"/>
         </p:xfrm>
         <a:graphic>
           <a:graphicData uri="http://schemas.openxmlformats.org/drawingml/2006/table">
@@ -16215,6 +16202,46 @@
                 <a:extLst>
                   <a:ext uri="{0D108BD9-81ED-4DB2-BD59-A6C34878D82A}">
                     <a16:rowId xmlns:a16="http://schemas.microsoft.com/office/drawing/2014/main" val="3372202133"/>
+                  </a:ext>
+                </a:extLst>
+              </a:tr>
+              <a:tr h="198699">
+                <a:tc>
+                  <a:txBody>
+                    <a:bodyPr/>
+                    <a:lstStyle/>
+                    <a:p>
+                      <a:pPr algn="l" rtl="0" fontAlgn="t"/>
+                      <a:r>
+                        <a:rPr lang="en-US" altLang="zh-TW" sz="1000" b="1" i="0" u="none" strike="noStrike" dirty="0" err="1">
+                          <a:solidFill>
+                            <a:schemeClr val="accent6">
+                              <a:lumMod val="75000"/>
+                            </a:schemeClr>
+                          </a:solidFill>
+                          <a:effectLst/>
+                          <a:latin typeface="Noto Sans CJK TC Light" panose="020B0300000000000000" pitchFamily="34" charset="-120"/>
+                          <a:ea typeface="Noto Sans CJK TC Light" panose="020B0300000000000000" pitchFamily="34" charset="-120"/>
+                        </a:rPr>
+                        <a:t>log_index</a:t>
+                      </a:r>
+                      <a:endParaRPr lang="zh-TW" altLang="en-US" sz="1000" b="1" i="0" u="none" strike="noStrike" dirty="0">
+                        <a:solidFill>
+                          <a:schemeClr val="accent6">
+                            <a:lumMod val="75000"/>
+                          </a:schemeClr>
+                        </a:solidFill>
+                        <a:effectLst/>
+                        <a:latin typeface="Noto Sans CJK TC Light" panose="020B0300000000000000" pitchFamily="34" charset="-120"/>
+                        <a:ea typeface="Noto Sans CJK TC Light" panose="020B0300000000000000" pitchFamily="34" charset="-120"/>
+                      </a:endParaRPr>
+                    </a:p>
+                  </a:txBody>
+                  <a:tcPr marL="9525" marR="9525" marT="9525" marB="0"/>
+                </a:tc>
+                <a:extLst>
+                  <a:ext uri="{0D108BD9-81ED-4DB2-BD59-A6C34878D82A}">
+                    <a16:rowId xmlns:a16="http://schemas.microsoft.com/office/drawing/2014/main" val="323831342"/>
                   </a:ext>
                 </a:extLst>
               </a:tr>
@@ -17066,7 +17093,7 @@
           <p:nvPr>
             <p:extLst>
               <p:ext uri="{D42A27DB-BD31-4B8C-83A1-F6EECF244321}">
-                <p14:modId xmlns:p14="http://schemas.microsoft.com/office/powerpoint/2010/main" val="2323015979"/>
+                <p14:modId xmlns:p14="http://schemas.microsoft.com/office/powerpoint/2010/main" val="2461001425"/>
               </p:ext>
             </p:extLst>
           </p:nvPr>
@@ -17475,19 +17502,16 @@
                           <a:latin typeface="Noto Sans CJK TC Light" panose="020B0300000000000000" pitchFamily="34" charset="-120"/>
                           <a:ea typeface="Noto Sans CJK TC Light" panose="020B0300000000000000" pitchFamily="34" charset="-120"/>
                         </a:rPr>
-                        <a:t>最新案件編號</a:t>
-                      </a:r>
-                      <a:r>
-                        <a:rPr lang="en-US" altLang="zh-TW" sz="1000" b="1" i="0" u="none" strike="noStrike" dirty="0">
-                          <a:solidFill>
-                            <a:srgbClr val="000000"/>
-                          </a:solidFill>
-                          <a:effectLst/>
-                          <a:latin typeface="Noto Sans CJK TC Light" panose="020B0300000000000000" pitchFamily="34" charset="-120"/>
-                          <a:ea typeface="Noto Sans CJK TC Light" panose="020B0300000000000000" pitchFamily="34" charset="-120"/>
-                        </a:rPr>
-                        <a:t>()</a:t>
-                      </a:r>
+                        <a:t>最新案件流水號</a:t>
+                      </a:r>
+                      <a:endParaRPr lang="en-US" altLang="zh-TW" sz="1000" b="1" i="0" u="none" strike="noStrike" dirty="0">
+                        <a:solidFill>
+                          <a:srgbClr val="000000"/>
+                        </a:solidFill>
+                        <a:effectLst/>
+                        <a:latin typeface="Noto Sans CJK TC Light" panose="020B0300000000000000" pitchFamily="34" charset="-120"/>
+                        <a:ea typeface="Noto Sans CJK TC Light" panose="020B0300000000000000" pitchFamily="34" charset="-120"/>
+                      </a:endParaRPr>
                     </a:p>
                   </a:txBody>
                   <a:tcPr marL="3032" marR="3032" marT="3032" marB="0"/>
@@ -18011,7 +18035,7 @@
           <p:nvPr>
             <p:extLst>
               <p:ext uri="{D42A27DB-BD31-4B8C-83A1-F6EECF244321}">
-                <p14:modId xmlns:p14="http://schemas.microsoft.com/office/powerpoint/2010/main" val="235009132"/>
+                <p14:modId xmlns:p14="http://schemas.microsoft.com/office/powerpoint/2010/main" val="2862275277"/>
               </p:ext>
             </p:extLst>
           </p:nvPr>
@@ -18295,7 +18319,7 @@
                     <a:p>
                       <a:pPr algn="l" fontAlgn="t"/>
                       <a:r>
-                        <a:rPr lang="zh-TW" altLang="en-US" sz="1000" b="0" i="0" u="none" strike="noStrike" dirty="0">
+                        <a:rPr lang="zh-TW" altLang="en-US" sz="1000" b="0" i="0" u="none" strike="sngStrike" dirty="0">
                           <a:solidFill>
                             <a:srgbClr val="000000"/>
                           </a:solidFill>
@@ -18305,7 +18329,7 @@
                         </a:rPr>
                         <a:t>利率、股利率</a:t>
                       </a:r>
-                      <a:endParaRPr lang="en-US" altLang="zh-TW" sz="1000" b="0" i="0" u="none" strike="noStrike" dirty="0">
+                      <a:endParaRPr lang="en-US" altLang="zh-TW" sz="1000" b="0" i="0" u="none" strike="sngStrike" dirty="0">
                         <a:solidFill>
                           <a:srgbClr val="000000"/>
                         </a:solidFill>
@@ -18485,6 +18509,76 @@
           </a:p>
         </p:txBody>
       </p:sp>
+      <p:cxnSp>
+        <p:nvCxnSpPr>
+          <p:cNvPr id="89" name="直線接點 88"/>
+          <p:cNvCxnSpPr/>
+          <p:nvPr/>
+        </p:nvCxnSpPr>
+        <p:spPr>
+          <a:xfrm flipH="1">
+            <a:off x="9099461" y="4950618"/>
+            <a:ext cx="1516568" cy="819387"/>
+          </a:xfrm>
+          <a:prstGeom prst="line">
+            <a:avLst/>
+          </a:prstGeom>
+          <a:ln>
+            <a:solidFill>
+              <a:srgbClr val="FF0000"/>
+            </a:solidFill>
+          </a:ln>
+        </p:spPr>
+        <p:style>
+          <a:lnRef idx="1">
+            <a:schemeClr val="accent1"/>
+          </a:lnRef>
+          <a:fillRef idx="0">
+            <a:schemeClr val="accent1"/>
+          </a:fillRef>
+          <a:effectRef idx="0">
+            <a:schemeClr val="accent1"/>
+          </a:effectRef>
+          <a:fontRef idx="minor">
+            <a:schemeClr val="tx1"/>
+          </a:fontRef>
+        </p:style>
+      </p:cxnSp>
+      <p:cxnSp>
+        <p:nvCxnSpPr>
+          <p:cNvPr id="90" name="直線接點 89"/>
+          <p:cNvCxnSpPr/>
+          <p:nvPr/>
+        </p:nvCxnSpPr>
+        <p:spPr>
+          <a:xfrm>
+            <a:off x="9069753" y="4934718"/>
+            <a:ext cx="1456119" cy="887357"/>
+          </a:xfrm>
+          <a:prstGeom prst="line">
+            <a:avLst/>
+          </a:prstGeom>
+          <a:ln>
+            <a:solidFill>
+              <a:srgbClr val="FF0000"/>
+            </a:solidFill>
+          </a:ln>
+        </p:spPr>
+        <p:style>
+          <a:lnRef idx="1">
+            <a:schemeClr val="accent1"/>
+          </a:lnRef>
+          <a:fillRef idx="0">
+            <a:schemeClr val="accent1"/>
+          </a:fillRef>
+          <a:effectRef idx="0">
+            <a:schemeClr val="accent1"/>
+          </a:effectRef>
+          <a:fontRef idx="minor">
+            <a:schemeClr val="tx1"/>
+          </a:fontRef>
+        </p:style>
+      </p:cxnSp>
     </p:spTree>
     <p:extLst>
       <p:ext uri="{BB962C8B-B14F-4D97-AF65-F5344CB8AC3E}">
